--- a/GDP-Final-PPT/RCM_Final.pptx
+++ b/GDP-Final-PPT/RCM_Final.pptx
@@ -5,7 +5,7 @@
     <p:sldMasterId id="2147483648" r:id="rId1"/>
   </p:sldMasterIdLst>
   <p:notesMasterIdLst>
-    <p:notesMasterId r:id="rId32"/>
+    <p:notesMasterId r:id="rId31"/>
   </p:notesMasterIdLst>
   <p:sldIdLst>
     <p:sldId id="257" r:id="rId2"/>
@@ -25,19 +25,18 @@
     <p:sldId id="279" r:id="rId16"/>
     <p:sldId id="265" r:id="rId17"/>
     <p:sldId id="266" r:id="rId18"/>
-    <p:sldId id="280" r:id="rId19"/>
-    <p:sldId id="267" r:id="rId20"/>
-    <p:sldId id="283" r:id="rId21"/>
-    <p:sldId id="284" r:id="rId22"/>
-    <p:sldId id="260" r:id="rId23"/>
-    <p:sldId id="285" r:id="rId24"/>
-    <p:sldId id="286" r:id="rId25"/>
-    <p:sldId id="287" r:id="rId26"/>
-    <p:sldId id="288" r:id="rId27"/>
-    <p:sldId id="289" r:id="rId28"/>
-    <p:sldId id="290" r:id="rId29"/>
-    <p:sldId id="291" r:id="rId30"/>
-    <p:sldId id="292" r:id="rId31"/>
+    <p:sldId id="267" r:id="rId19"/>
+    <p:sldId id="283" r:id="rId20"/>
+    <p:sldId id="284" r:id="rId21"/>
+    <p:sldId id="260" r:id="rId22"/>
+    <p:sldId id="285" r:id="rId23"/>
+    <p:sldId id="286" r:id="rId24"/>
+    <p:sldId id="287" r:id="rId25"/>
+    <p:sldId id="288" r:id="rId26"/>
+    <p:sldId id="289" r:id="rId27"/>
+    <p:sldId id="290" r:id="rId28"/>
+    <p:sldId id="291" r:id="rId29"/>
+    <p:sldId id="292" r:id="rId30"/>
   </p:sldIdLst>
   <p:sldSz cx="12192000" cy="6858000"/>
   <p:notesSz cx="6858000" cy="9144000"/>
@@ -2421,753 +2420,6 @@
 </file>
 
 <file path=ppt/diagrams/colors4.xml><?xml version="1.0" encoding="utf-8"?>
-<dgm:colorsDef xmlns:dgm="http://schemas.openxmlformats.org/drawingml/2006/diagram" xmlns:a="http://schemas.openxmlformats.org/drawingml/2006/main" uniqueId="urn:microsoft.com/office/officeart/2005/8/colors/accent1_2">
-  <dgm:title val=""/>
-  <dgm:desc val=""/>
-  <dgm:catLst>
-    <dgm:cat type="accent1" pri="11200"/>
-  </dgm:catLst>
-  <dgm:styleLbl name="node0">
-    <dgm:fillClrLst meth="repeat">
-      <a:schemeClr val="accent1"/>
-    </dgm:fillClrLst>
-    <dgm:linClrLst meth="repeat">
-      <a:schemeClr val="lt1"/>
-    </dgm:linClrLst>
-    <dgm:effectClrLst/>
-    <dgm:txLinClrLst/>
-    <dgm:txFillClrLst/>
-    <dgm:txEffectClrLst/>
-  </dgm:styleLbl>
-  <dgm:styleLbl name="alignNode1">
-    <dgm:fillClrLst meth="repeat">
-      <a:schemeClr val="accent1"/>
-    </dgm:fillClrLst>
-    <dgm:linClrLst meth="repeat">
-      <a:schemeClr val="accent1"/>
-    </dgm:linClrLst>
-    <dgm:effectClrLst/>
-    <dgm:txLinClrLst/>
-    <dgm:txFillClrLst/>
-    <dgm:txEffectClrLst/>
-  </dgm:styleLbl>
-  <dgm:styleLbl name="node1">
-    <dgm:fillClrLst meth="repeat">
-      <a:schemeClr val="accent1"/>
-    </dgm:fillClrLst>
-    <dgm:linClrLst meth="repeat">
-      <a:schemeClr val="lt1"/>
-    </dgm:linClrLst>
-    <dgm:effectClrLst/>
-    <dgm:txLinClrLst/>
-    <dgm:txFillClrLst/>
-    <dgm:txEffectClrLst/>
-  </dgm:styleLbl>
-  <dgm:styleLbl name="lnNode1">
-    <dgm:fillClrLst meth="repeat">
-      <a:schemeClr val="accent1"/>
-    </dgm:fillClrLst>
-    <dgm:linClrLst meth="repeat">
-      <a:schemeClr val="lt1"/>
-    </dgm:linClrLst>
-    <dgm:effectClrLst/>
-    <dgm:txLinClrLst/>
-    <dgm:txFillClrLst/>
-    <dgm:txEffectClrLst/>
-  </dgm:styleLbl>
-  <dgm:styleLbl name="vennNode1">
-    <dgm:fillClrLst meth="repeat">
-      <a:schemeClr val="accent1">
-        <a:alpha val="50000"/>
-      </a:schemeClr>
-    </dgm:fillClrLst>
-    <dgm:linClrLst meth="repeat">
-      <a:schemeClr val="lt1"/>
-    </dgm:linClrLst>
-    <dgm:effectClrLst/>
-    <dgm:txLinClrLst/>
-    <dgm:txFillClrLst/>
-    <dgm:txEffectClrLst/>
-  </dgm:styleLbl>
-  <dgm:styleLbl name="node2">
-    <dgm:fillClrLst meth="repeat">
-      <a:schemeClr val="accent1"/>
-    </dgm:fillClrLst>
-    <dgm:linClrLst meth="repeat">
-      <a:schemeClr val="lt1"/>
-    </dgm:linClrLst>
-    <dgm:effectClrLst/>
-    <dgm:txLinClrLst/>
-    <dgm:txFillClrLst/>
-    <dgm:txEffectClrLst/>
-  </dgm:styleLbl>
-  <dgm:styleLbl name="node3">
-    <dgm:fillClrLst meth="repeat">
-      <a:schemeClr val="accent1"/>
-    </dgm:fillClrLst>
-    <dgm:linClrLst meth="repeat">
-      <a:schemeClr val="lt1"/>
-    </dgm:linClrLst>
-    <dgm:effectClrLst/>
-    <dgm:txLinClrLst/>
-    <dgm:txFillClrLst/>
-    <dgm:txEffectClrLst/>
-  </dgm:styleLbl>
-  <dgm:styleLbl name="node4">
-    <dgm:fillClrLst meth="repeat">
-      <a:schemeClr val="accent1"/>
-    </dgm:fillClrLst>
-    <dgm:linClrLst meth="repeat">
-      <a:schemeClr val="lt1"/>
-    </dgm:linClrLst>
-    <dgm:effectClrLst/>
-    <dgm:txLinClrLst/>
-    <dgm:txFillClrLst/>
-    <dgm:txEffectClrLst/>
-  </dgm:styleLbl>
-  <dgm:styleLbl name="fgImgPlace1">
-    <dgm:fillClrLst meth="repeat">
-      <a:schemeClr val="accent1">
-        <a:tint val="50000"/>
-      </a:schemeClr>
-    </dgm:fillClrLst>
-    <dgm:linClrLst meth="repeat">
-      <a:schemeClr val="lt1"/>
-    </dgm:linClrLst>
-    <dgm:effectClrLst/>
-    <dgm:txLinClrLst/>
-    <dgm:txFillClrLst meth="repeat">
-      <a:schemeClr val="lt1"/>
-    </dgm:txFillClrLst>
-    <dgm:txEffectClrLst/>
-  </dgm:styleLbl>
-  <dgm:styleLbl name="alignImgPlace1">
-    <dgm:fillClrLst meth="repeat">
-      <a:schemeClr val="accent1">
-        <a:tint val="50000"/>
-      </a:schemeClr>
-    </dgm:fillClrLst>
-    <dgm:linClrLst meth="repeat">
-      <a:schemeClr val="lt1"/>
-    </dgm:linClrLst>
-    <dgm:effectClrLst/>
-    <dgm:txLinClrLst/>
-    <dgm:txFillClrLst meth="repeat">
-      <a:schemeClr val="lt1"/>
-    </dgm:txFillClrLst>
-    <dgm:txEffectClrLst/>
-  </dgm:styleLbl>
-  <dgm:styleLbl name="bgImgPlace1">
-    <dgm:fillClrLst meth="repeat">
-      <a:schemeClr val="accent1">
-        <a:tint val="50000"/>
-      </a:schemeClr>
-    </dgm:fillClrLst>
-    <dgm:linClrLst meth="repeat">
-      <a:schemeClr val="lt1"/>
-    </dgm:linClrLst>
-    <dgm:effectClrLst/>
-    <dgm:txLinClrLst/>
-    <dgm:txFillClrLst meth="repeat">
-      <a:schemeClr val="lt1"/>
-    </dgm:txFillClrLst>
-    <dgm:txEffectClrLst/>
-  </dgm:styleLbl>
-  <dgm:styleLbl name="sibTrans2D1">
-    <dgm:fillClrLst meth="repeat">
-      <a:schemeClr val="accent1">
-        <a:tint val="60000"/>
-      </a:schemeClr>
-    </dgm:fillClrLst>
-    <dgm:linClrLst meth="repeat">
-      <a:schemeClr val="accent1">
-        <a:tint val="60000"/>
-      </a:schemeClr>
-    </dgm:linClrLst>
-    <dgm:effectClrLst/>
-    <dgm:txLinClrLst/>
-    <dgm:txFillClrLst/>
-    <dgm:txEffectClrLst/>
-  </dgm:styleLbl>
-  <dgm:styleLbl name="fgSibTrans2D1">
-    <dgm:fillClrLst meth="repeat">
-      <a:schemeClr val="accent1">
-        <a:tint val="60000"/>
-      </a:schemeClr>
-    </dgm:fillClrLst>
-    <dgm:linClrLst meth="repeat">
-      <a:schemeClr val="accent1">
-        <a:tint val="60000"/>
-      </a:schemeClr>
-    </dgm:linClrLst>
-    <dgm:effectClrLst/>
-    <dgm:txLinClrLst/>
-    <dgm:txFillClrLst/>
-    <dgm:txEffectClrLst/>
-  </dgm:styleLbl>
-  <dgm:styleLbl name="bgSibTrans2D1">
-    <dgm:fillClrLst meth="repeat">
-      <a:schemeClr val="accent1">
-        <a:tint val="60000"/>
-      </a:schemeClr>
-    </dgm:fillClrLst>
-    <dgm:linClrLst meth="repeat">
-      <a:schemeClr val="accent1">
-        <a:tint val="60000"/>
-      </a:schemeClr>
-    </dgm:linClrLst>
-    <dgm:effectClrLst/>
-    <dgm:txLinClrLst/>
-    <dgm:txFillClrLst/>
-    <dgm:txEffectClrLst/>
-  </dgm:styleLbl>
-  <dgm:styleLbl name="sibTrans1D1">
-    <dgm:fillClrLst meth="repeat">
-      <a:schemeClr val="accent1"/>
-    </dgm:fillClrLst>
-    <dgm:linClrLst meth="repeat">
-      <a:schemeClr val="accent1"/>
-    </dgm:linClrLst>
-    <dgm:effectClrLst/>
-    <dgm:txLinClrLst/>
-    <dgm:txFillClrLst meth="repeat">
-      <a:schemeClr val="tx1"/>
-    </dgm:txFillClrLst>
-    <dgm:txEffectClrLst/>
-  </dgm:styleLbl>
-  <dgm:styleLbl name="callout">
-    <dgm:fillClrLst meth="repeat">
-      <a:schemeClr val="accent1"/>
-    </dgm:fillClrLst>
-    <dgm:linClrLst meth="repeat">
-      <a:schemeClr val="accent1">
-        <a:tint val="50000"/>
-      </a:schemeClr>
-    </dgm:linClrLst>
-    <dgm:effectClrLst/>
-    <dgm:txLinClrLst/>
-    <dgm:txFillClrLst meth="repeat">
-      <a:schemeClr val="tx1"/>
-    </dgm:txFillClrLst>
-    <dgm:txEffectClrLst/>
-  </dgm:styleLbl>
-  <dgm:styleLbl name="asst0">
-    <dgm:fillClrLst meth="repeat">
-      <a:schemeClr val="accent1"/>
-    </dgm:fillClrLst>
-    <dgm:linClrLst meth="repeat">
-      <a:schemeClr val="lt1"/>
-    </dgm:linClrLst>
-    <dgm:effectClrLst/>
-    <dgm:txLinClrLst/>
-    <dgm:txFillClrLst/>
-    <dgm:txEffectClrLst/>
-  </dgm:styleLbl>
-  <dgm:styleLbl name="asst1">
-    <dgm:fillClrLst meth="repeat">
-      <a:schemeClr val="accent1"/>
-    </dgm:fillClrLst>
-    <dgm:linClrLst meth="repeat">
-      <a:schemeClr val="lt1"/>
-    </dgm:linClrLst>
-    <dgm:effectClrLst/>
-    <dgm:txLinClrLst/>
-    <dgm:txFillClrLst/>
-    <dgm:txEffectClrLst/>
-  </dgm:styleLbl>
-  <dgm:styleLbl name="asst2">
-    <dgm:fillClrLst meth="repeat">
-      <a:schemeClr val="accent1"/>
-    </dgm:fillClrLst>
-    <dgm:linClrLst meth="repeat">
-      <a:schemeClr val="lt1"/>
-    </dgm:linClrLst>
-    <dgm:effectClrLst/>
-    <dgm:txLinClrLst/>
-    <dgm:txFillClrLst/>
-    <dgm:txEffectClrLst/>
-  </dgm:styleLbl>
-  <dgm:styleLbl name="asst3">
-    <dgm:fillClrLst meth="repeat">
-      <a:schemeClr val="accent1"/>
-    </dgm:fillClrLst>
-    <dgm:linClrLst meth="repeat">
-      <a:schemeClr val="lt1"/>
-    </dgm:linClrLst>
-    <dgm:effectClrLst/>
-    <dgm:txLinClrLst/>
-    <dgm:txFillClrLst/>
-    <dgm:txEffectClrLst/>
-  </dgm:styleLbl>
-  <dgm:styleLbl name="asst4">
-    <dgm:fillClrLst meth="repeat">
-      <a:schemeClr val="accent1"/>
-    </dgm:fillClrLst>
-    <dgm:linClrLst meth="repeat">
-      <a:schemeClr val="lt1"/>
-    </dgm:linClrLst>
-    <dgm:effectClrLst/>
-    <dgm:txLinClrLst/>
-    <dgm:txFillClrLst/>
-    <dgm:txEffectClrLst/>
-  </dgm:styleLbl>
-  <dgm:styleLbl name="parChTrans2D1">
-    <dgm:fillClrLst meth="repeat">
-      <a:schemeClr val="accent1">
-        <a:tint val="60000"/>
-      </a:schemeClr>
-    </dgm:fillClrLst>
-    <dgm:linClrLst meth="repeat">
-      <a:schemeClr val="accent1">
-        <a:tint val="60000"/>
-      </a:schemeClr>
-    </dgm:linClrLst>
-    <dgm:effectClrLst/>
-    <dgm:txLinClrLst/>
-    <dgm:txFillClrLst meth="repeat">
-      <a:schemeClr val="lt1"/>
-    </dgm:txFillClrLst>
-    <dgm:txEffectClrLst/>
-  </dgm:styleLbl>
-  <dgm:styleLbl name="parChTrans2D2">
-    <dgm:fillClrLst meth="repeat">
-      <a:schemeClr val="accent1"/>
-    </dgm:fillClrLst>
-    <dgm:linClrLst meth="repeat">
-      <a:schemeClr val="accent1"/>
-    </dgm:linClrLst>
-    <dgm:effectClrLst/>
-    <dgm:txLinClrLst/>
-    <dgm:txFillClrLst meth="repeat">
-      <a:schemeClr val="lt1"/>
-    </dgm:txFillClrLst>
-    <dgm:txEffectClrLst/>
-  </dgm:styleLbl>
-  <dgm:styleLbl name="parChTrans2D3">
-    <dgm:fillClrLst meth="repeat">
-      <a:schemeClr val="accent1"/>
-    </dgm:fillClrLst>
-    <dgm:linClrLst meth="repeat">
-      <a:schemeClr val="accent1"/>
-    </dgm:linClrLst>
-    <dgm:effectClrLst/>
-    <dgm:txLinClrLst/>
-    <dgm:txFillClrLst meth="repeat">
-      <a:schemeClr val="lt1"/>
-    </dgm:txFillClrLst>
-    <dgm:txEffectClrLst/>
-  </dgm:styleLbl>
-  <dgm:styleLbl name="parChTrans2D4">
-    <dgm:fillClrLst meth="repeat">
-      <a:schemeClr val="accent1"/>
-    </dgm:fillClrLst>
-    <dgm:linClrLst meth="repeat">
-      <a:schemeClr val="accent1"/>
-    </dgm:linClrLst>
-    <dgm:effectClrLst/>
-    <dgm:txLinClrLst/>
-    <dgm:txFillClrLst meth="repeat">
-      <a:schemeClr val="lt1"/>
-    </dgm:txFillClrLst>
-    <dgm:txEffectClrLst/>
-  </dgm:styleLbl>
-  <dgm:styleLbl name="parChTrans1D1">
-    <dgm:fillClrLst meth="repeat">
-      <a:schemeClr val="accent1"/>
-    </dgm:fillClrLst>
-    <dgm:linClrLst meth="repeat">
-      <a:schemeClr val="accent1">
-        <a:shade val="60000"/>
-      </a:schemeClr>
-    </dgm:linClrLst>
-    <dgm:effectClrLst/>
-    <dgm:txLinClrLst/>
-    <dgm:txFillClrLst meth="repeat">
-      <a:schemeClr val="tx1"/>
-    </dgm:txFillClrLst>
-    <dgm:txEffectClrLst/>
-  </dgm:styleLbl>
-  <dgm:styleLbl name="parChTrans1D2">
-    <dgm:fillClrLst meth="repeat">
-      <a:schemeClr val="accent1"/>
-    </dgm:fillClrLst>
-    <dgm:linClrLst meth="repeat">
-      <a:schemeClr val="accent1">
-        <a:shade val="60000"/>
-      </a:schemeClr>
-    </dgm:linClrLst>
-    <dgm:effectClrLst/>
-    <dgm:txLinClrLst/>
-    <dgm:txFillClrLst meth="repeat">
-      <a:schemeClr val="tx1"/>
-    </dgm:txFillClrLst>
-    <dgm:txEffectClrLst/>
-  </dgm:styleLbl>
-  <dgm:styleLbl name="parChTrans1D3">
-    <dgm:fillClrLst meth="repeat">
-      <a:schemeClr val="accent1"/>
-    </dgm:fillClrLst>
-    <dgm:linClrLst meth="repeat">
-      <a:schemeClr val="accent1">
-        <a:shade val="80000"/>
-      </a:schemeClr>
-    </dgm:linClrLst>
-    <dgm:effectClrLst/>
-    <dgm:txLinClrLst/>
-    <dgm:txFillClrLst meth="repeat">
-      <a:schemeClr val="tx1"/>
-    </dgm:txFillClrLst>
-    <dgm:txEffectClrLst/>
-  </dgm:styleLbl>
-  <dgm:styleLbl name="parChTrans1D4">
-    <dgm:fillClrLst meth="repeat">
-      <a:schemeClr val="accent1"/>
-    </dgm:fillClrLst>
-    <dgm:linClrLst meth="repeat">
-      <a:schemeClr val="accent1">
-        <a:shade val="80000"/>
-      </a:schemeClr>
-    </dgm:linClrLst>
-    <dgm:effectClrLst/>
-    <dgm:txLinClrLst/>
-    <dgm:txFillClrLst meth="repeat">
-      <a:schemeClr val="tx1"/>
-    </dgm:txFillClrLst>
-    <dgm:txEffectClrLst/>
-  </dgm:styleLbl>
-  <dgm:styleLbl name="fgAcc1">
-    <dgm:fillClrLst meth="repeat">
-      <a:schemeClr val="lt1">
-        <a:alpha val="90000"/>
-      </a:schemeClr>
-    </dgm:fillClrLst>
-    <dgm:linClrLst meth="repeat">
-      <a:schemeClr val="accent1"/>
-    </dgm:linClrLst>
-    <dgm:effectClrLst/>
-    <dgm:txLinClrLst/>
-    <dgm:txFillClrLst meth="repeat">
-      <a:schemeClr val="dk1"/>
-    </dgm:txFillClrLst>
-    <dgm:txEffectClrLst/>
-  </dgm:styleLbl>
-  <dgm:styleLbl name="conFgAcc1">
-    <dgm:fillClrLst meth="repeat">
-      <a:schemeClr val="lt1">
-        <a:alpha val="90000"/>
-      </a:schemeClr>
-    </dgm:fillClrLst>
-    <dgm:linClrLst meth="repeat">
-      <a:schemeClr val="accent1"/>
-    </dgm:linClrLst>
-    <dgm:effectClrLst/>
-    <dgm:txLinClrLst/>
-    <dgm:txFillClrLst meth="repeat">
-      <a:schemeClr val="dk1"/>
-    </dgm:txFillClrLst>
-    <dgm:txEffectClrLst/>
-  </dgm:styleLbl>
-  <dgm:styleLbl name="alignAcc1">
-    <dgm:fillClrLst meth="repeat">
-      <a:schemeClr val="lt1">
-        <a:alpha val="90000"/>
-      </a:schemeClr>
-    </dgm:fillClrLst>
-    <dgm:linClrLst meth="repeat">
-      <a:schemeClr val="accent1"/>
-    </dgm:linClrLst>
-    <dgm:effectClrLst/>
-    <dgm:txLinClrLst/>
-    <dgm:txFillClrLst meth="repeat">
-      <a:schemeClr val="dk1"/>
-    </dgm:txFillClrLst>
-    <dgm:txEffectClrLst/>
-  </dgm:styleLbl>
-  <dgm:styleLbl name="trAlignAcc1">
-    <dgm:fillClrLst meth="repeat">
-      <a:schemeClr val="lt1">
-        <a:alpha val="40000"/>
-      </a:schemeClr>
-    </dgm:fillClrLst>
-    <dgm:linClrLst meth="repeat">
-      <a:schemeClr val="accent1"/>
-    </dgm:linClrLst>
-    <dgm:effectClrLst/>
-    <dgm:txLinClrLst/>
-    <dgm:txFillClrLst meth="repeat">
-      <a:schemeClr val="dk1"/>
-    </dgm:txFillClrLst>
-    <dgm:txEffectClrLst/>
-  </dgm:styleLbl>
-  <dgm:styleLbl name="bgAcc1">
-    <dgm:fillClrLst meth="repeat">
-      <a:schemeClr val="lt1">
-        <a:alpha val="90000"/>
-      </a:schemeClr>
-    </dgm:fillClrLst>
-    <dgm:linClrLst meth="repeat">
-      <a:schemeClr val="accent1"/>
-    </dgm:linClrLst>
-    <dgm:effectClrLst/>
-    <dgm:txLinClrLst/>
-    <dgm:txFillClrLst meth="repeat">
-      <a:schemeClr val="dk1"/>
-    </dgm:txFillClrLst>
-    <dgm:txEffectClrLst/>
-  </dgm:styleLbl>
-  <dgm:styleLbl name="solidFgAcc1">
-    <dgm:fillClrLst meth="repeat">
-      <a:schemeClr val="lt1"/>
-    </dgm:fillClrLst>
-    <dgm:linClrLst meth="repeat">
-      <a:schemeClr val="accent1"/>
-    </dgm:linClrLst>
-    <dgm:effectClrLst/>
-    <dgm:txLinClrLst/>
-    <dgm:txFillClrLst meth="repeat">
-      <a:schemeClr val="dk1"/>
-    </dgm:txFillClrLst>
-    <dgm:txEffectClrLst/>
-  </dgm:styleLbl>
-  <dgm:styleLbl name="solidAlignAcc1">
-    <dgm:fillClrLst meth="repeat">
-      <a:schemeClr val="lt1"/>
-    </dgm:fillClrLst>
-    <dgm:linClrLst meth="repeat">
-      <a:schemeClr val="accent1"/>
-    </dgm:linClrLst>
-    <dgm:effectClrLst/>
-    <dgm:txLinClrLst/>
-    <dgm:txFillClrLst meth="repeat">
-      <a:schemeClr val="dk1"/>
-    </dgm:txFillClrLst>
-    <dgm:txEffectClrLst/>
-  </dgm:styleLbl>
-  <dgm:styleLbl name="solidBgAcc1">
-    <dgm:fillClrLst meth="repeat">
-      <a:schemeClr val="lt1"/>
-    </dgm:fillClrLst>
-    <dgm:linClrLst meth="repeat">
-      <a:schemeClr val="accent1"/>
-    </dgm:linClrLst>
-    <dgm:effectClrLst/>
-    <dgm:txLinClrLst/>
-    <dgm:txFillClrLst meth="repeat">
-      <a:schemeClr val="dk1"/>
-    </dgm:txFillClrLst>
-    <dgm:txEffectClrLst/>
-  </dgm:styleLbl>
-  <dgm:styleLbl name="fgAccFollowNode1">
-    <dgm:fillClrLst meth="repeat">
-      <a:schemeClr val="accent1">
-        <a:alpha val="90000"/>
-        <a:tint val="40000"/>
-      </a:schemeClr>
-    </dgm:fillClrLst>
-    <dgm:linClrLst meth="repeat">
-      <a:schemeClr val="accent1">
-        <a:alpha val="90000"/>
-        <a:tint val="40000"/>
-      </a:schemeClr>
-    </dgm:linClrLst>
-    <dgm:effectClrLst/>
-    <dgm:txLinClrLst/>
-    <dgm:txFillClrLst meth="repeat">
-      <a:schemeClr val="dk1"/>
-    </dgm:txFillClrLst>
-    <dgm:txEffectClrLst/>
-  </dgm:styleLbl>
-  <dgm:styleLbl name="alignAccFollowNode1">
-    <dgm:fillClrLst meth="repeat">
-      <a:schemeClr val="accent1">
-        <a:alpha val="90000"/>
-        <a:tint val="40000"/>
-      </a:schemeClr>
-    </dgm:fillClrLst>
-    <dgm:linClrLst meth="repeat">
-      <a:schemeClr val="accent1">
-        <a:alpha val="90000"/>
-        <a:tint val="40000"/>
-      </a:schemeClr>
-    </dgm:linClrLst>
-    <dgm:effectClrLst/>
-    <dgm:txLinClrLst/>
-    <dgm:txFillClrLst meth="repeat">
-      <a:schemeClr val="dk1"/>
-    </dgm:txFillClrLst>
-    <dgm:txEffectClrLst/>
-  </dgm:styleLbl>
-  <dgm:styleLbl name="bgAccFollowNode1">
-    <dgm:fillClrLst meth="repeat">
-      <a:schemeClr val="accent1">
-        <a:alpha val="90000"/>
-        <a:tint val="40000"/>
-      </a:schemeClr>
-    </dgm:fillClrLst>
-    <dgm:linClrLst meth="repeat">
-      <a:schemeClr val="accent1">
-        <a:alpha val="90000"/>
-        <a:tint val="40000"/>
-      </a:schemeClr>
-    </dgm:linClrLst>
-    <dgm:effectClrLst/>
-    <dgm:txLinClrLst/>
-    <dgm:txFillClrLst meth="repeat">
-      <a:schemeClr val="dk1"/>
-    </dgm:txFillClrLst>
-    <dgm:txEffectClrLst/>
-  </dgm:styleLbl>
-  <dgm:styleLbl name="fgAcc0">
-    <dgm:fillClrLst meth="repeat">
-      <a:schemeClr val="lt1">
-        <a:alpha val="90000"/>
-      </a:schemeClr>
-    </dgm:fillClrLst>
-    <dgm:linClrLst meth="repeat">
-      <a:schemeClr val="accent1"/>
-    </dgm:linClrLst>
-    <dgm:effectClrLst/>
-    <dgm:txLinClrLst/>
-    <dgm:txFillClrLst meth="repeat">
-      <a:schemeClr val="dk1"/>
-    </dgm:txFillClrLst>
-    <dgm:txEffectClrLst/>
-  </dgm:styleLbl>
-  <dgm:styleLbl name="fgAcc2">
-    <dgm:fillClrLst meth="repeat">
-      <a:schemeClr val="lt1">
-        <a:alpha val="90000"/>
-      </a:schemeClr>
-    </dgm:fillClrLst>
-    <dgm:linClrLst meth="repeat">
-      <a:schemeClr val="accent1"/>
-    </dgm:linClrLst>
-    <dgm:effectClrLst/>
-    <dgm:txLinClrLst/>
-    <dgm:txFillClrLst meth="repeat">
-      <a:schemeClr val="dk1"/>
-    </dgm:txFillClrLst>
-    <dgm:txEffectClrLst/>
-  </dgm:styleLbl>
-  <dgm:styleLbl name="fgAcc3">
-    <dgm:fillClrLst meth="repeat">
-      <a:schemeClr val="lt1">
-        <a:alpha val="90000"/>
-      </a:schemeClr>
-    </dgm:fillClrLst>
-    <dgm:linClrLst meth="repeat">
-      <a:schemeClr val="accent1"/>
-    </dgm:linClrLst>
-    <dgm:effectClrLst/>
-    <dgm:txLinClrLst/>
-    <dgm:txFillClrLst meth="repeat">
-      <a:schemeClr val="dk1"/>
-    </dgm:txFillClrLst>
-    <dgm:txEffectClrLst/>
-  </dgm:styleLbl>
-  <dgm:styleLbl name="fgAcc4">
-    <dgm:fillClrLst meth="repeat">
-      <a:schemeClr val="lt1">
-        <a:alpha val="90000"/>
-      </a:schemeClr>
-    </dgm:fillClrLst>
-    <dgm:linClrLst meth="repeat">
-      <a:schemeClr val="accent1"/>
-    </dgm:linClrLst>
-    <dgm:effectClrLst/>
-    <dgm:txLinClrLst/>
-    <dgm:txFillClrLst meth="repeat">
-      <a:schemeClr val="dk1"/>
-    </dgm:txFillClrLst>
-    <dgm:txEffectClrLst/>
-  </dgm:styleLbl>
-  <dgm:styleLbl name="bgShp">
-    <dgm:fillClrLst meth="repeat">
-      <a:schemeClr val="accent1">
-        <a:tint val="40000"/>
-      </a:schemeClr>
-    </dgm:fillClrLst>
-    <dgm:linClrLst meth="repeat">
-      <a:schemeClr val="accent1"/>
-    </dgm:linClrLst>
-    <dgm:effectClrLst/>
-    <dgm:txLinClrLst/>
-    <dgm:txFillClrLst meth="repeat">
-      <a:schemeClr val="dk1"/>
-    </dgm:txFillClrLst>
-    <dgm:txEffectClrLst/>
-  </dgm:styleLbl>
-  <dgm:styleLbl name="dkBgShp">
-    <dgm:fillClrLst meth="repeat">
-      <a:schemeClr val="accent1">
-        <a:shade val="80000"/>
-      </a:schemeClr>
-    </dgm:fillClrLst>
-    <dgm:linClrLst meth="repeat">
-      <a:schemeClr val="accent1"/>
-    </dgm:linClrLst>
-    <dgm:effectClrLst/>
-    <dgm:txLinClrLst/>
-    <dgm:txFillClrLst meth="repeat">
-      <a:schemeClr val="lt1"/>
-    </dgm:txFillClrLst>
-    <dgm:txEffectClrLst/>
-  </dgm:styleLbl>
-  <dgm:styleLbl name="trBgShp">
-    <dgm:fillClrLst meth="repeat">
-      <a:schemeClr val="accent1">
-        <a:tint val="50000"/>
-        <a:alpha val="40000"/>
-      </a:schemeClr>
-    </dgm:fillClrLst>
-    <dgm:linClrLst meth="repeat">
-      <a:schemeClr val="accent1"/>
-    </dgm:linClrLst>
-    <dgm:effectClrLst/>
-    <dgm:txLinClrLst/>
-    <dgm:txFillClrLst meth="repeat">
-      <a:schemeClr val="lt1"/>
-    </dgm:txFillClrLst>
-    <dgm:txEffectClrLst/>
-  </dgm:styleLbl>
-  <dgm:styleLbl name="fgShp">
-    <dgm:fillClrLst meth="repeat">
-      <a:schemeClr val="accent1">
-        <a:tint val="60000"/>
-      </a:schemeClr>
-    </dgm:fillClrLst>
-    <dgm:linClrLst meth="repeat">
-      <a:schemeClr val="lt1"/>
-    </dgm:linClrLst>
-    <dgm:effectClrLst/>
-    <dgm:txLinClrLst/>
-    <dgm:txFillClrLst meth="repeat">
-      <a:schemeClr val="dk1"/>
-    </dgm:txFillClrLst>
-    <dgm:txEffectClrLst/>
-  </dgm:styleLbl>
-  <dgm:styleLbl name="revTx">
-    <dgm:fillClrLst meth="repeat">
-      <a:schemeClr val="lt1">
-        <a:alpha val="0"/>
-      </a:schemeClr>
-    </dgm:fillClrLst>
-    <dgm:linClrLst meth="repeat">
-      <a:schemeClr val="dk1">
-        <a:alpha val="0"/>
-      </a:schemeClr>
-    </dgm:linClrLst>
-    <dgm:effectClrLst/>
-    <dgm:txLinClrLst/>
-    <dgm:txFillClrLst meth="repeat">
-      <a:schemeClr val="tx1"/>
-    </dgm:txFillClrLst>
-    <dgm:txEffectClrLst/>
-  </dgm:styleLbl>
-</dgm:colorsDef>
-</file>
-
-<file path=ppt/diagrams/colors5.xml><?xml version="1.0" encoding="utf-8"?>
 <dgm:colorsDef xmlns:dgm="http://schemas.openxmlformats.org/drawingml/2006/diagram" xmlns:a="http://schemas.openxmlformats.org/drawingml/2006/main" uniqueId="urn:microsoft.com/office/officeart/2005/8/colors/accent1_2">
   <dgm:title val=""/>
   <dgm:desc val=""/>
@@ -5133,462 +4385,6 @@
 <file path=ppt/diagrams/data4.xml><?xml version="1.0" encoding="utf-8"?>
 <dgm:dataModel xmlns:dgm="http://schemas.openxmlformats.org/drawingml/2006/diagram" xmlns:a="http://schemas.openxmlformats.org/drawingml/2006/main">
   <dgm:ptLst>
-    <dgm:pt modelId="{687969D7-9060-4B22-8936-B171693812E6}" type="doc">
-      <dgm:prSet loTypeId="urn:microsoft.com/office/officeart/2018/2/layout/IconCircleList" loCatId="icon" qsTypeId="urn:microsoft.com/office/officeart/2005/8/quickstyle/simple1" qsCatId="simple" csTypeId="urn:microsoft.com/office/officeart/2005/8/colors/accent1_2" csCatId="accent1" phldr="1"/>
-      <dgm:spPr/>
-      <dgm:t>
-        <a:bodyPr/>
-        <a:lstStyle/>
-        <a:p>
-          <a:endParaRPr lang="en-US"/>
-        </a:p>
-      </dgm:t>
-    </dgm:pt>
-    <dgm:pt modelId="{56A77E44-AA74-4747-B892-DE8D292D9FC8}">
-      <dgm:prSet custT="1"/>
-      <dgm:spPr/>
-      <dgm:t>
-        <a:bodyPr/>
-        <a:lstStyle/>
-        <a:p>
-          <a:pPr>
-            <a:lnSpc>
-              <a:spcPct val="100000"/>
-            </a:lnSpc>
-          </a:pPr>
-          <a:r>
-            <a:rPr lang="en-US" sz="2800" dirty="0"/>
-            <a:t>We were all working together by learning and implementing while working.</a:t>
-          </a:r>
-        </a:p>
-      </dgm:t>
-    </dgm:pt>
-    <dgm:pt modelId="{EF56941D-1D86-46CC-A47B-A332BC5545D1}" type="parTrans" cxnId="{9A22C885-9D2F-4B91-A5F5-9CFF71A2BE24}">
-      <dgm:prSet/>
-      <dgm:spPr/>
-      <dgm:t>
-        <a:bodyPr/>
-        <a:lstStyle/>
-        <a:p>
-          <a:endParaRPr lang="en-US"/>
-        </a:p>
-      </dgm:t>
-    </dgm:pt>
-    <dgm:pt modelId="{E6B4E2CC-3646-4891-B685-F8C699CC26E6}" type="sibTrans" cxnId="{9A22C885-9D2F-4B91-A5F5-9CFF71A2BE24}">
-      <dgm:prSet/>
-      <dgm:spPr/>
-      <dgm:t>
-        <a:bodyPr/>
-        <a:lstStyle/>
-        <a:p>
-          <a:pPr>
-            <a:lnSpc>
-              <a:spcPct val="100000"/>
-            </a:lnSpc>
-          </a:pPr>
-          <a:endParaRPr lang="en-US"/>
-        </a:p>
-      </dgm:t>
-    </dgm:pt>
-    <dgm:pt modelId="{0250C090-2C8E-4A39-A415-1666C4BEEC6C}">
-      <dgm:prSet custT="1"/>
-      <dgm:spPr/>
-      <dgm:t>
-        <a:bodyPr/>
-        <a:lstStyle/>
-        <a:p>
-          <a:pPr>
-            <a:lnSpc>
-              <a:spcPct val="100000"/>
-            </a:lnSpc>
-          </a:pPr>
-          <a:r>
-            <a:rPr lang="en-US" sz="2800" dirty="0"/>
-            <a:t>We struggled initially for integrating firebase with React.</a:t>
-          </a:r>
-        </a:p>
-      </dgm:t>
-    </dgm:pt>
-    <dgm:pt modelId="{F41EC58E-FD2A-4A29-9116-45C073D208C9}" type="parTrans" cxnId="{3992BDBF-3011-4D0A-8DDD-F149C54A74EE}">
-      <dgm:prSet/>
-      <dgm:spPr/>
-      <dgm:t>
-        <a:bodyPr/>
-        <a:lstStyle/>
-        <a:p>
-          <a:endParaRPr lang="en-US"/>
-        </a:p>
-      </dgm:t>
-    </dgm:pt>
-    <dgm:pt modelId="{58A14B57-F00E-4ABD-A38A-5AB7EA43076B}" type="sibTrans" cxnId="{3992BDBF-3011-4D0A-8DDD-F149C54A74EE}">
-      <dgm:prSet/>
-      <dgm:spPr/>
-      <dgm:t>
-        <a:bodyPr/>
-        <a:lstStyle/>
-        <a:p>
-          <a:pPr>
-            <a:lnSpc>
-              <a:spcPct val="100000"/>
-            </a:lnSpc>
-          </a:pPr>
-          <a:endParaRPr lang="en-US"/>
-        </a:p>
-      </dgm:t>
-    </dgm:pt>
-    <dgm:pt modelId="{901328EA-EB68-4102-A34B-D49A64E9E4E6}">
-      <dgm:prSet custT="1"/>
-      <dgm:spPr/>
-      <dgm:t>
-        <a:bodyPr/>
-        <a:lstStyle/>
-        <a:p>
-          <a:pPr>
-            <a:lnSpc>
-              <a:spcPct val="100000"/>
-            </a:lnSpc>
-          </a:pPr>
-          <a:r>
-            <a:rPr lang="en-US" sz="2800" dirty="0"/>
-            <a:t>Main challenging issue faced was to implement sorting functions.</a:t>
-          </a:r>
-        </a:p>
-      </dgm:t>
-    </dgm:pt>
-    <dgm:pt modelId="{EEE28F3F-CAC5-423A-B182-90D638F1D3FE}" type="parTrans" cxnId="{61EB5DEF-7947-4C44-9BF2-126C855487DA}">
-      <dgm:prSet/>
-      <dgm:spPr/>
-      <dgm:t>
-        <a:bodyPr/>
-        <a:lstStyle/>
-        <a:p>
-          <a:endParaRPr lang="en-US"/>
-        </a:p>
-      </dgm:t>
-    </dgm:pt>
-    <dgm:pt modelId="{063DC7E7-DC94-4406-884B-E505957B2DEF}" type="sibTrans" cxnId="{61EB5DEF-7947-4C44-9BF2-126C855487DA}">
-      <dgm:prSet/>
-      <dgm:spPr/>
-      <dgm:t>
-        <a:bodyPr/>
-        <a:lstStyle/>
-        <a:p>
-          <a:pPr>
-            <a:lnSpc>
-              <a:spcPct val="100000"/>
-            </a:lnSpc>
-          </a:pPr>
-          <a:endParaRPr lang="en-US"/>
-        </a:p>
-      </dgm:t>
-    </dgm:pt>
-    <dgm:pt modelId="{50CA27CC-FD53-4210-A7BB-879BB00399E4}">
-      <dgm:prSet custT="1"/>
-      <dgm:spPr/>
-      <dgm:t>
-        <a:bodyPr/>
-        <a:lstStyle/>
-        <a:p>
-          <a:pPr>
-            <a:lnSpc>
-              <a:spcPct val="100000"/>
-            </a:lnSpc>
-          </a:pPr>
-          <a:r>
-            <a:rPr lang="en-US" sz="2800" dirty="0"/>
-            <a:t>Completing project on limited time</a:t>
-          </a:r>
-        </a:p>
-      </dgm:t>
-    </dgm:pt>
-    <dgm:pt modelId="{B409B60B-23A2-46CE-91B8-DC40215621C5}" type="parTrans" cxnId="{24DEA2ED-1B28-4E2C-9A21-4087A89BC90A}">
-      <dgm:prSet/>
-      <dgm:spPr/>
-      <dgm:t>
-        <a:bodyPr/>
-        <a:lstStyle/>
-        <a:p>
-          <a:endParaRPr lang="en-US"/>
-        </a:p>
-      </dgm:t>
-    </dgm:pt>
-    <dgm:pt modelId="{979A7823-A796-4B2B-B372-F31BDA4E0719}" type="sibTrans" cxnId="{24DEA2ED-1B28-4E2C-9A21-4087A89BC90A}">
-      <dgm:prSet/>
-      <dgm:spPr/>
-      <dgm:t>
-        <a:bodyPr/>
-        <a:lstStyle/>
-        <a:p>
-          <a:endParaRPr lang="en-US"/>
-        </a:p>
-      </dgm:t>
-    </dgm:pt>
-    <dgm:pt modelId="{C5DF42FD-43F6-4CEF-97B1-AB4A3F684138}" type="pres">
-      <dgm:prSet presAssocID="{687969D7-9060-4B22-8936-B171693812E6}" presName="root" presStyleCnt="0">
-        <dgm:presLayoutVars>
-          <dgm:dir/>
-          <dgm:resizeHandles val="exact"/>
-        </dgm:presLayoutVars>
-      </dgm:prSet>
-      <dgm:spPr/>
-    </dgm:pt>
-    <dgm:pt modelId="{2889595A-19FF-425F-B2B6-27CB5D693F7B}" type="pres">
-      <dgm:prSet presAssocID="{687969D7-9060-4B22-8936-B171693812E6}" presName="container" presStyleCnt="0">
-        <dgm:presLayoutVars>
-          <dgm:dir/>
-          <dgm:resizeHandles val="exact"/>
-        </dgm:presLayoutVars>
-      </dgm:prSet>
-      <dgm:spPr/>
-    </dgm:pt>
-    <dgm:pt modelId="{935FF8E5-37D3-4070-83FB-BDFBB5F6F99B}" type="pres">
-      <dgm:prSet presAssocID="{56A77E44-AA74-4747-B892-DE8D292D9FC8}" presName="compNode" presStyleCnt="0"/>
-      <dgm:spPr/>
-    </dgm:pt>
-    <dgm:pt modelId="{0D67861E-BEE3-43EE-82BF-D3C8CC13D1F7}" type="pres">
-      <dgm:prSet presAssocID="{56A77E44-AA74-4747-B892-DE8D292D9FC8}" presName="iconBgRect" presStyleLbl="bgShp" presStyleIdx="0" presStyleCnt="4"/>
-      <dgm:spPr/>
-    </dgm:pt>
-    <dgm:pt modelId="{EB45FCB2-83A7-479D-A867-18E3506E6344}" type="pres">
-      <dgm:prSet presAssocID="{56A77E44-AA74-4747-B892-DE8D292D9FC8}" presName="iconRect" presStyleLbl="node1" presStyleIdx="0" presStyleCnt="4"/>
-      <dgm:spPr>
-        <a:blipFill>
-          <a:blip xmlns:r="http://schemas.openxmlformats.org/officeDocument/2006/relationships" r:embed="rId1">
-            <a:extLst>
-              <a:ext uri="{28A0092B-C50C-407E-A947-70E740481C1C}">
-                <a14:useLocalDpi xmlns:a14="http://schemas.microsoft.com/office/drawing/2010/main" val="0"/>
-              </a:ext>
-              <a:ext uri="{96DAC541-7B7A-43D3-8B79-37D633B846F1}">
-                <asvg:svgBlip xmlns:asvg="http://schemas.microsoft.com/office/drawing/2016/SVG/main" r:embed="rId2"/>
-              </a:ext>
-            </a:extLst>
-          </a:blip>
-          <a:stretch>
-            <a:fillRect/>
-          </a:stretch>
-        </a:blipFill>
-      </dgm:spPr>
-      <dgm:extLst>
-        <a:ext uri="{E40237B7-FDA0-4F09-8148-C483321AD2D9}">
-          <dgm14:cNvPr xmlns:dgm14="http://schemas.microsoft.com/office/drawing/2010/diagram" id="0" name="" descr="Classroom"/>
-        </a:ext>
-      </dgm:extLst>
-    </dgm:pt>
-    <dgm:pt modelId="{6C6902B1-90DE-4DAC-B07E-D1DFD01CDD37}" type="pres">
-      <dgm:prSet presAssocID="{56A77E44-AA74-4747-B892-DE8D292D9FC8}" presName="spaceRect" presStyleCnt="0"/>
-      <dgm:spPr/>
-    </dgm:pt>
-    <dgm:pt modelId="{B5219030-70BF-4AA2-8AB0-A41014ADC8C8}" type="pres">
-      <dgm:prSet presAssocID="{56A77E44-AA74-4747-B892-DE8D292D9FC8}" presName="textRect" presStyleLbl="revTx" presStyleIdx="0" presStyleCnt="4">
-        <dgm:presLayoutVars>
-          <dgm:chMax val="1"/>
-          <dgm:chPref val="1"/>
-        </dgm:presLayoutVars>
-      </dgm:prSet>
-      <dgm:spPr/>
-    </dgm:pt>
-    <dgm:pt modelId="{ADEC4C66-7EDE-431D-8A2B-C9B9C48623A9}" type="pres">
-      <dgm:prSet presAssocID="{E6B4E2CC-3646-4891-B685-F8C699CC26E6}" presName="sibTrans" presStyleLbl="sibTrans2D1" presStyleIdx="0" presStyleCnt="0"/>
-      <dgm:spPr/>
-    </dgm:pt>
-    <dgm:pt modelId="{8CCB89A8-7FBE-40FC-9E4A-0513A70DB114}" type="pres">
-      <dgm:prSet presAssocID="{0250C090-2C8E-4A39-A415-1666C4BEEC6C}" presName="compNode" presStyleCnt="0"/>
-      <dgm:spPr/>
-    </dgm:pt>
-    <dgm:pt modelId="{10F19FBA-E086-45CD-AD7A-83377F047754}" type="pres">
-      <dgm:prSet presAssocID="{0250C090-2C8E-4A39-A415-1666C4BEEC6C}" presName="iconBgRect" presStyleLbl="bgShp" presStyleIdx="1" presStyleCnt="4"/>
-      <dgm:spPr/>
-    </dgm:pt>
-    <dgm:pt modelId="{79AFEC4E-A282-455E-A6AD-176EFF748348}" type="pres">
-      <dgm:prSet presAssocID="{0250C090-2C8E-4A39-A415-1666C4BEEC6C}" presName="iconRect" presStyleLbl="node1" presStyleIdx="1" presStyleCnt="4"/>
-      <dgm:spPr>
-        <a:blipFill>
-          <a:blip xmlns:r="http://schemas.openxmlformats.org/officeDocument/2006/relationships" r:embed="rId3">
-            <a:extLst>
-              <a:ext uri="{28A0092B-C50C-407E-A947-70E740481C1C}">
-                <a14:useLocalDpi xmlns:a14="http://schemas.microsoft.com/office/drawing/2010/main" val="0"/>
-              </a:ext>
-              <a:ext uri="{96DAC541-7B7A-43D3-8B79-37D633B846F1}">
-                <asvg:svgBlip xmlns:asvg="http://schemas.microsoft.com/office/drawing/2016/SVG/main" r:embed="rId4"/>
-              </a:ext>
-            </a:extLst>
-          </a:blip>
-          <a:stretch>
-            <a:fillRect/>
-          </a:stretch>
-        </a:blipFill>
-      </dgm:spPr>
-      <dgm:extLst>
-        <a:ext uri="{E40237B7-FDA0-4F09-8148-C483321AD2D9}">
-          <dgm14:cNvPr xmlns:dgm14="http://schemas.microsoft.com/office/drawing/2010/diagram" id="0" name="" descr="Exclamation Mark"/>
-        </a:ext>
-      </dgm:extLst>
-    </dgm:pt>
-    <dgm:pt modelId="{0D412056-26A7-4EFF-B4CC-5E0A687708E3}" type="pres">
-      <dgm:prSet presAssocID="{0250C090-2C8E-4A39-A415-1666C4BEEC6C}" presName="spaceRect" presStyleCnt="0"/>
-      <dgm:spPr/>
-    </dgm:pt>
-    <dgm:pt modelId="{72AE8175-6CD0-4E9C-8736-E878E7EDB9BF}" type="pres">
-      <dgm:prSet presAssocID="{0250C090-2C8E-4A39-A415-1666C4BEEC6C}" presName="textRect" presStyleLbl="revTx" presStyleIdx="1" presStyleCnt="4">
-        <dgm:presLayoutVars>
-          <dgm:chMax val="1"/>
-          <dgm:chPref val="1"/>
-        </dgm:presLayoutVars>
-      </dgm:prSet>
-      <dgm:spPr/>
-    </dgm:pt>
-    <dgm:pt modelId="{58BF9994-8E87-4F0B-B0AE-FC391CABC8A1}" type="pres">
-      <dgm:prSet presAssocID="{58A14B57-F00E-4ABD-A38A-5AB7EA43076B}" presName="sibTrans" presStyleLbl="sibTrans2D1" presStyleIdx="0" presStyleCnt="0"/>
-      <dgm:spPr/>
-    </dgm:pt>
-    <dgm:pt modelId="{0398B205-AA50-461D-83EB-FD1D6C293E3E}" type="pres">
-      <dgm:prSet presAssocID="{901328EA-EB68-4102-A34B-D49A64E9E4E6}" presName="compNode" presStyleCnt="0"/>
-      <dgm:spPr/>
-    </dgm:pt>
-    <dgm:pt modelId="{D7DF83F2-A1CB-447D-B326-2907F35AF748}" type="pres">
-      <dgm:prSet presAssocID="{901328EA-EB68-4102-A34B-D49A64E9E4E6}" presName="iconBgRect" presStyleLbl="bgShp" presStyleIdx="2" presStyleCnt="4"/>
-      <dgm:spPr/>
-    </dgm:pt>
-    <dgm:pt modelId="{EFBE6376-28BA-49C8-BD44-07064F6AFBE8}" type="pres">
-      <dgm:prSet presAssocID="{901328EA-EB68-4102-A34B-D49A64E9E4E6}" presName="iconRect" presStyleLbl="node1" presStyleIdx="2" presStyleCnt="4"/>
-      <dgm:spPr>
-        <a:blipFill>
-          <a:blip xmlns:r="http://schemas.openxmlformats.org/officeDocument/2006/relationships" r:embed="rId5">
-            <a:extLst>
-              <a:ext uri="{28A0092B-C50C-407E-A947-70E740481C1C}">
-                <a14:useLocalDpi xmlns:a14="http://schemas.microsoft.com/office/drawing/2010/main" val="0"/>
-              </a:ext>
-              <a:ext uri="{96DAC541-7B7A-43D3-8B79-37D633B846F1}">
-                <asvg:svgBlip xmlns:asvg="http://schemas.microsoft.com/office/drawing/2016/SVG/main" r:embed="rId6"/>
-              </a:ext>
-            </a:extLst>
-          </a:blip>
-          <a:stretch>
-            <a:fillRect/>
-          </a:stretch>
-        </a:blipFill>
-      </dgm:spPr>
-      <dgm:extLst>
-        <a:ext uri="{E40237B7-FDA0-4F09-8148-C483321AD2D9}">
-          <dgm14:cNvPr xmlns:dgm14="http://schemas.microsoft.com/office/drawing/2010/diagram" id="0" name="" descr="Hierarchy"/>
-        </a:ext>
-      </dgm:extLst>
-    </dgm:pt>
-    <dgm:pt modelId="{F9F998BB-AC7C-4FE9-9343-A28395A146B6}" type="pres">
-      <dgm:prSet presAssocID="{901328EA-EB68-4102-A34B-D49A64E9E4E6}" presName="spaceRect" presStyleCnt="0"/>
-      <dgm:spPr/>
-    </dgm:pt>
-    <dgm:pt modelId="{6A57F0A6-7D2E-4A89-A6D0-0B9D08788AE6}" type="pres">
-      <dgm:prSet presAssocID="{901328EA-EB68-4102-A34B-D49A64E9E4E6}" presName="textRect" presStyleLbl="revTx" presStyleIdx="2" presStyleCnt="4">
-        <dgm:presLayoutVars>
-          <dgm:chMax val="1"/>
-          <dgm:chPref val="1"/>
-        </dgm:presLayoutVars>
-      </dgm:prSet>
-      <dgm:spPr/>
-    </dgm:pt>
-    <dgm:pt modelId="{93C55165-9171-4F2A-8BF0-14C52DE74A9D}" type="pres">
-      <dgm:prSet presAssocID="{063DC7E7-DC94-4406-884B-E505957B2DEF}" presName="sibTrans" presStyleLbl="sibTrans2D1" presStyleIdx="0" presStyleCnt="0"/>
-      <dgm:spPr/>
-    </dgm:pt>
-    <dgm:pt modelId="{B593EEB0-FB65-4E8D-B345-37FB96060D31}" type="pres">
-      <dgm:prSet presAssocID="{50CA27CC-FD53-4210-A7BB-879BB00399E4}" presName="compNode" presStyleCnt="0"/>
-      <dgm:spPr/>
-    </dgm:pt>
-    <dgm:pt modelId="{B6310D03-CA5B-4781-929D-E9CD870E46DE}" type="pres">
-      <dgm:prSet presAssocID="{50CA27CC-FD53-4210-A7BB-879BB00399E4}" presName="iconBgRect" presStyleLbl="bgShp" presStyleIdx="3" presStyleCnt="4"/>
-      <dgm:spPr/>
-    </dgm:pt>
-    <dgm:pt modelId="{5634BD6D-C85F-45F5-9555-DAC66F7CA786}" type="pres">
-      <dgm:prSet presAssocID="{50CA27CC-FD53-4210-A7BB-879BB00399E4}" presName="iconRect" presStyleLbl="node1" presStyleIdx="3" presStyleCnt="4"/>
-      <dgm:spPr>
-        <a:blipFill>
-          <a:blip xmlns:r="http://schemas.openxmlformats.org/officeDocument/2006/relationships" r:embed="rId7">
-            <a:extLst>
-              <a:ext uri="{28A0092B-C50C-407E-A947-70E740481C1C}">
-                <a14:useLocalDpi xmlns:a14="http://schemas.microsoft.com/office/drawing/2010/main" val="0"/>
-              </a:ext>
-              <a:ext uri="{96DAC541-7B7A-43D3-8B79-37D633B846F1}">
-                <asvg:svgBlip xmlns:asvg="http://schemas.microsoft.com/office/drawing/2016/SVG/main" r:embed="rId8"/>
-              </a:ext>
-            </a:extLst>
-          </a:blip>
-          <a:stretch>
-            <a:fillRect/>
-          </a:stretch>
-        </a:blipFill>
-      </dgm:spPr>
-      <dgm:extLst>
-        <a:ext uri="{E40237B7-FDA0-4F09-8148-C483321AD2D9}">
-          <dgm14:cNvPr xmlns:dgm14="http://schemas.microsoft.com/office/drawing/2010/diagram" id="0" name="" descr="Hourglass"/>
-        </a:ext>
-      </dgm:extLst>
-    </dgm:pt>
-    <dgm:pt modelId="{75F7F134-B00B-4802-BAD4-E1DA95E493AB}" type="pres">
-      <dgm:prSet presAssocID="{50CA27CC-FD53-4210-A7BB-879BB00399E4}" presName="spaceRect" presStyleCnt="0"/>
-      <dgm:spPr/>
-    </dgm:pt>
-    <dgm:pt modelId="{EBC9B998-FD50-4523-BCD1-78AED6D8D69C}" type="pres">
-      <dgm:prSet presAssocID="{50CA27CC-FD53-4210-A7BB-879BB00399E4}" presName="textRect" presStyleLbl="revTx" presStyleIdx="3" presStyleCnt="4">
-        <dgm:presLayoutVars>
-          <dgm:chMax val="1"/>
-          <dgm:chPref val="1"/>
-        </dgm:presLayoutVars>
-      </dgm:prSet>
-      <dgm:spPr/>
-    </dgm:pt>
-  </dgm:ptLst>
-  <dgm:cxnLst>
-    <dgm:cxn modelId="{87640238-69DE-4C8C-86C2-993F6D44C03D}" type="presOf" srcId="{E6B4E2CC-3646-4891-B685-F8C699CC26E6}" destId="{ADEC4C66-7EDE-431D-8A2B-C9B9C48623A9}" srcOrd="0" destOrd="0" presId="urn:microsoft.com/office/officeart/2018/2/layout/IconCircleList"/>
-    <dgm:cxn modelId="{3F9CEF41-1246-48BB-9534-747213C32A77}" type="presOf" srcId="{56A77E44-AA74-4747-B892-DE8D292D9FC8}" destId="{B5219030-70BF-4AA2-8AB0-A41014ADC8C8}" srcOrd="0" destOrd="0" presId="urn:microsoft.com/office/officeart/2018/2/layout/IconCircleList"/>
-    <dgm:cxn modelId="{62BB2145-3CBC-418E-B90A-0BBB0BCEFCC1}" type="presOf" srcId="{58A14B57-F00E-4ABD-A38A-5AB7EA43076B}" destId="{58BF9994-8E87-4F0B-B0AE-FC391CABC8A1}" srcOrd="0" destOrd="0" presId="urn:microsoft.com/office/officeart/2018/2/layout/IconCircleList"/>
-    <dgm:cxn modelId="{F44A0848-32B3-41C6-A5EF-025F3E0E26F7}" type="presOf" srcId="{50CA27CC-FD53-4210-A7BB-879BB00399E4}" destId="{EBC9B998-FD50-4523-BCD1-78AED6D8D69C}" srcOrd="0" destOrd="0" presId="urn:microsoft.com/office/officeart/2018/2/layout/IconCircleList"/>
-    <dgm:cxn modelId="{EA82A552-1228-4010-BFF8-AEA36583BD92}" type="presOf" srcId="{687969D7-9060-4B22-8936-B171693812E6}" destId="{C5DF42FD-43F6-4CEF-97B1-AB4A3F684138}" srcOrd="0" destOrd="0" presId="urn:microsoft.com/office/officeart/2018/2/layout/IconCircleList"/>
-    <dgm:cxn modelId="{169FA27A-DF38-41A8-A5D4-9BBBBC402B49}" type="presOf" srcId="{063DC7E7-DC94-4406-884B-E505957B2DEF}" destId="{93C55165-9171-4F2A-8BF0-14C52DE74A9D}" srcOrd="0" destOrd="0" presId="urn:microsoft.com/office/officeart/2018/2/layout/IconCircleList"/>
-    <dgm:cxn modelId="{9A22C885-9D2F-4B91-A5F5-9CFF71A2BE24}" srcId="{687969D7-9060-4B22-8936-B171693812E6}" destId="{56A77E44-AA74-4747-B892-DE8D292D9FC8}" srcOrd="0" destOrd="0" parTransId="{EF56941D-1D86-46CC-A47B-A332BC5545D1}" sibTransId="{E6B4E2CC-3646-4891-B685-F8C699CC26E6}"/>
-    <dgm:cxn modelId="{07F36C90-04BD-4AE7-9EC5-A741F8ED3B14}" type="presOf" srcId="{0250C090-2C8E-4A39-A415-1666C4BEEC6C}" destId="{72AE8175-6CD0-4E9C-8736-E878E7EDB9BF}" srcOrd="0" destOrd="0" presId="urn:microsoft.com/office/officeart/2018/2/layout/IconCircleList"/>
-    <dgm:cxn modelId="{5924DCB4-486A-46AB-80FD-3042C385D66E}" type="presOf" srcId="{901328EA-EB68-4102-A34B-D49A64E9E4E6}" destId="{6A57F0A6-7D2E-4A89-A6D0-0B9D08788AE6}" srcOrd="0" destOrd="0" presId="urn:microsoft.com/office/officeart/2018/2/layout/IconCircleList"/>
-    <dgm:cxn modelId="{3992BDBF-3011-4D0A-8DDD-F149C54A74EE}" srcId="{687969D7-9060-4B22-8936-B171693812E6}" destId="{0250C090-2C8E-4A39-A415-1666C4BEEC6C}" srcOrd="1" destOrd="0" parTransId="{F41EC58E-FD2A-4A29-9116-45C073D208C9}" sibTransId="{58A14B57-F00E-4ABD-A38A-5AB7EA43076B}"/>
-    <dgm:cxn modelId="{24DEA2ED-1B28-4E2C-9A21-4087A89BC90A}" srcId="{687969D7-9060-4B22-8936-B171693812E6}" destId="{50CA27CC-FD53-4210-A7BB-879BB00399E4}" srcOrd="3" destOrd="0" parTransId="{B409B60B-23A2-46CE-91B8-DC40215621C5}" sibTransId="{979A7823-A796-4B2B-B372-F31BDA4E0719}"/>
-    <dgm:cxn modelId="{61EB5DEF-7947-4C44-9BF2-126C855487DA}" srcId="{687969D7-9060-4B22-8936-B171693812E6}" destId="{901328EA-EB68-4102-A34B-D49A64E9E4E6}" srcOrd="2" destOrd="0" parTransId="{EEE28F3F-CAC5-423A-B182-90D638F1D3FE}" sibTransId="{063DC7E7-DC94-4406-884B-E505957B2DEF}"/>
-    <dgm:cxn modelId="{0EBE3B27-3CDA-407A-9C34-E852EC775EF9}" type="presParOf" srcId="{C5DF42FD-43F6-4CEF-97B1-AB4A3F684138}" destId="{2889595A-19FF-425F-B2B6-27CB5D693F7B}" srcOrd="0" destOrd="0" presId="urn:microsoft.com/office/officeart/2018/2/layout/IconCircleList"/>
-    <dgm:cxn modelId="{67DDDD62-F6F9-4090-8DCB-F58DCB06FE7D}" type="presParOf" srcId="{2889595A-19FF-425F-B2B6-27CB5D693F7B}" destId="{935FF8E5-37D3-4070-83FB-BDFBB5F6F99B}" srcOrd="0" destOrd="0" presId="urn:microsoft.com/office/officeart/2018/2/layout/IconCircleList"/>
-    <dgm:cxn modelId="{37E16D7D-F663-4BA0-9A43-06EAD13BF494}" type="presParOf" srcId="{935FF8E5-37D3-4070-83FB-BDFBB5F6F99B}" destId="{0D67861E-BEE3-43EE-82BF-D3C8CC13D1F7}" srcOrd="0" destOrd="0" presId="urn:microsoft.com/office/officeart/2018/2/layout/IconCircleList"/>
-    <dgm:cxn modelId="{A4E9AF6B-6FAF-4B8A-B9F1-131973E9AE90}" type="presParOf" srcId="{935FF8E5-37D3-4070-83FB-BDFBB5F6F99B}" destId="{EB45FCB2-83A7-479D-A867-18E3506E6344}" srcOrd="1" destOrd="0" presId="urn:microsoft.com/office/officeart/2018/2/layout/IconCircleList"/>
-    <dgm:cxn modelId="{DF3B97B3-61D7-48DB-A486-77CC4E5A41D2}" type="presParOf" srcId="{935FF8E5-37D3-4070-83FB-BDFBB5F6F99B}" destId="{6C6902B1-90DE-4DAC-B07E-D1DFD01CDD37}" srcOrd="2" destOrd="0" presId="urn:microsoft.com/office/officeart/2018/2/layout/IconCircleList"/>
-    <dgm:cxn modelId="{29F627C1-6CAC-47E0-A10F-14686A48E94F}" type="presParOf" srcId="{935FF8E5-37D3-4070-83FB-BDFBB5F6F99B}" destId="{B5219030-70BF-4AA2-8AB0-A41014ADC8C8}" srcOrd="3" destOrd="0" presId="urn:microsoft.com/office/officeart/2018/2/layout/IconCircleList"/>
-    <dgm:cxn modelId="{3948FE42-05A0-44E5-A525-F5481E7D3795}" type="presParOf" srcId="{2889595A-19FF-425F-B2B6-27CB5D693F7B}" destId="{ADEC4C66-7EDE-431D-8A2B-C9B9C48623A9}" srcOrd="1" destOrd="0" presId="urn:microsoft.com/office/officeart/2018/2/layout/IconCircleList"/>
-    <dgm:cxn modelId="{D8FF8925-9D73-4AAD-BE41-F05768CE22A9}" type="presParOf" srcId="{2889595A-19FF-425F-B2B6-27CB5D693F7B}" destId="{8CCB89A8-7FBE-40FC-9E4A-0513A70DB114}" srcOrd="2" destOrd="0" presId="urn:microsoft.com/office/officeart/2018/2/layout/IconCircleList"/>
-    <dgm:cxn modelId="{D06894A3-C661-4404-BAB6-4E01A22C3184}" type="presParOf" srcId="{8CCB89A8-7FBE-40FC-9E4A-0513A70DB114}" destId="{10F19FBA-E086-45CD-AD7A-83377F047754}" srcOrd="0" destOrd="0" presId="urn:microsoft.com/office/officeart/2018/2/layout/IconCircleList"/>
-    <dgm:cxn modelId="{5F1D8950-F480-4206-BE53-C8E6BBCF8681}" type="presParOf" srcId="{8CCB89A8-7FBE-40FC-9E4A-0513A70DB114}" destId="{79AFEC4E-A282-455E-A6AD-176EFF748348}" srcOrd="1" destOrd="0" presId="urn:microsoft.com/office/officeart/2018/2/layout/IconCircleList"/>
-    <dgm:cxn modelId="{6AFD633D-FC62-4EC2-80F0-20F7B5E33E26}" type="presParOf" srcId="{8CCB89A8-7FBE-40FC-9E4A-0513A70DB114}" destId="{0D412056-26A7-4EFF-B4CC-5E0A687708E3}" srcOrd="2" destOrd="0" presId="urn:microsoft.com/office/officeart/2018/2/layout/IconCircleList"/>
-    <dgm:cxn modelId="{0C240E6E-6931-4422-A006-88049801AA08}" type="presParOf" srcId="{8CCB89A8-7FBE-40FC-9E4A-0513A70DB114}" destId="{72AE8175-6CD0-4E9C-8736-E878E7EDB9BF}" srcOrd="3" destOrd="0" presId="urn:microsoft.com/office/officeart/2018/2/layout/IconCircleList"/>
-    <dgm:cxn modelId="{4D7EDCC0-9CC1-4416-B25D-42E509675F9A}" type="presParOf" srcId="{2889595A-19FF-425F-B2B6-27CB5D693F7B}" destId="{58BF9994-8E87-4F0B-B0AE-FC391CABC8A1}" srcOrd="3" destOrd="0" presId="urn:microsoft.com/office/officeart/2018/2/layout/IconCircleList"/>
-    <dgm:cxn modelId="{F2E881E8-0850-4CE5-816C-755FDBD076FF}" type="presParOf" srcId="{2889595A-19FF-425F-B2B6-27CB5D693F7B}" destId="{0398B205-AA50-461D-83EB-FD1D6C293E3E}" srcOrd="4" destOrd="0" presId="urn:microsoft.com/office/officeart/2018/2/layout/IconCircleList"/>
-    <dgm:cxn modelId="{CE03B362-F03F-47E4-9CD2-B1C9E49B44C9}" type="presParOf" srcId="{0398B205-AA50-461D-83EB-FD1D6C293E3E}" destId="{D7DF83F2-A1CB-447D-B326-2907F35AF748}" srcOrd="0" destOrd="0" presId="urn:microsoft.com/office/officeart/2018/2/layout/IconCircleList"/>
-    <dgm:cxn modelId="{90BA9172-92A8-41CE-B300-FE7AFFCFC2DC}" type="presParOf" srcId="{0398B205-AA50-461D-83EB-FD1D6C293E3E}" destId="{EFBE6376-28BA-49C8-BD44-07064F6AFBE8}" srcOrd="1" destOrd="0" presId="urn:microsoft.com/office/officeart/2018/2/layout/IconCircleList"/>
-    <dgm:cxn modelId="{7F3734F5-CD17-4FCB-9F0F-B0F8AAB17EB8}" type="presParOf" srcId="{0398B205-AA50-461D-83EB-FD1D6C293E3E}" destId="{F9F998BB-AC7C-4FE9-9343-A28395A146B6}" srcOrd="2" destOrd="0" presId="urn:microsoft.com/office/officeart/2018/2/layout/IconCircleList"/>
-    <dgm:cxn modelId="{67860BF0-7790-45AF-B247-DA5A8852548A}" type="presParOf" srcId="{0398B205-AA50-461D-83EB-FD1D6C293E3E}" destId="{6A57F0A6-7D2E-4A89-A6D0-0B9D08788AE6}" srcOrd="3" destOrd="0" presId="urn:microsoft.com/office/officeart/2018/2/layout/IconCircleList"/>
-    <dgm:cxn modelId="{B3EB4864-B239-4261-9E10-6988ACA9E793}" type="presParOf" srcId="{2889595A-19FF-425F-B2B6-27CB5D693F7B}" destId="{93C55165-9171-4F2A-8BF0-14C52DE74A9D}" srcOrd="5" destOrd="0" presId="urn:microsoft.com/office/officeart/2018/2/layout/IconCircleList"/>
-    <dgm:cxn modelId="{4800E512-DC91-4D1E-99F3-4F052DEBE8B0}" type="presParOf" srcId="{2889595A-19FF-425F-B2B6-27CB5D693F7B}" destId="{B593EEB0-FB65-4E8D-B345-37FB96060D31}" srcOrd="6" destOrd="0" presId="urn:microsoft.com/office/officeart/2018/2/layout/IconCircleList"/>
-    <dgm:cxn modelId="{AE9AA56E-444B-40F5-94F1-9374BB1FF179}" type="presParOf" srcId="{B593EEB0-FB65-4E8D-B345-37FB96060D31}" destId="{B6310D03-CA5B-4781-929D-E9CD870E46DE}" srcOrd="0" destOrd="0" presId="urn:microsoft.com/office/officeart/2018/2/layout/IconCircleList"/>
-    <dgm:cxn modelId="{18F7C48A-EFFB-487D-9947-818BF28DF6E3}" type="presParOf" srcId="{B593EEB0-FB65-4E8D-B345-37FB96060D31}" destId="{5634BD6D-C85F-45F5-9555-DAC66F7CA786}" srcOrd="1" destOrd="0" presId="urn:microsoft.com/office/officeart/2018/2/layout/IconCircleList"/>
-    <dgm:cxn modelId="{C81FC907-A103-4444-AAC2-4913A3A936EF}" type="presParOf" srcId="{B593EEB0-FB65-4E8D-B345-37FB96060D31}" destId="{75F7F134-B00B-4802-BAD4-E1DA95E493AB}" srcOrd="2" destOrd="0" presId="urn:microsoft.com/office/officeart/2018/2/layout/IconCircleList"/>
-    <dgm:cxn modelId="{D155E1EC-7923-420E-AEC0-BB4EE9D0F810}" type="presParOf" srcId="{B593EEB0-FB65-4E8D-B345-37FB96060D31}" destId="{EBC9B998-FD50-4523-BCD1-78AED6D8D69C}" srcOrd="3" destOrd="0" presId="urn:microsoft.com/office/officeart/2018/2/layout/IconCircleList"/>
-  </dgm:cxnLst>
-  <dgm:bg/>
-  <dgm:whole/>
-  <dgm:extLst>
-    <a:ext uri="http://schemas.microsoft.com/office/drawing/2008/diagram">
-      <dsp:dataModelExt xmlns:dsp="http://schemas.microsoft.com/office/drawing/2008/diagram" relId="rId6" minVer="http://schemas.openxmlformats.org/drawingml/2006/diagram"/>
-    </a:ext>
-  </dgm:extLst>
-</dgm:dataModel>
-</file>
-
-<file path=ppt/diagrams/data5.xml><?xml version="1.0" encoding="utf-8"?>
-<dgm:dataModel xmlns:dgm="http://schemas.openxmlformats.org/drawingml/2006/diagram" xmlns:a="http://schemas.openxmlformats.org/drawingml/2006/main">
-  <dgm:ptLst>
     <dgm:pt modelId="{E8E92018-3B26-4884-B3BB-9958DEB8EC67}" type="doc">
       <dgm:prSet loTypeId="urn:microsoft.com/office/officeart/2018/2/layout/IconCircleList" loCatId="icon" qsTypeId="urn:microsoft.com/office/officeart/2005/8/quickstyle/simple1" qsCatId="simple" csTypeId="urn:microsoft.com/office/officeart/2005/8/colors/accent1_2" csCatId="accent1" phldr="1"/>
       <dgm:spPr/>
@@ -5613,7 +4409,7 @@
             </a:lnSpc>
           </a:pPr>
           <a:r>
-            <a:rPr lang="en-US" sz="2400" dirty="0"/>
+            <a:rPr lang="en-US" sz="2200" dirty="0"/>
             <a:t>This project is appropriate for user who needs a place to save PDF files.</a:t>
           </a:r>
         </a:p>
@@ -5659,7 +4455,7 @@
             </a:lnSpc>
           </a:pPr>
           <a:r>
-            <a:rPr lang="en-US" sz="2000" dirty="0"/>
+            <a:rPr lang="en-US" sz="2200" dirty="0"/>
             <a:t>Based on the project's features, we can say that it makes it simple for users to track down files by performing searching operations and adding comments for reference.</a:t>
           </a:r>
         </a:p>
@@ -5692,93 +4488,6 @@
         </a:p>
       </dgm:t>
     </dgm:pt>
-    <dgm:pt modelId="{6FA68CF3-8E72-43DB-86FF-DD6FD8AB1464}">
-      <dgm:prSet custT="1"/>
-      <dgm:spPr/>
-      <dgm:t>
-        <a:bodyPr/>
-        <a:lstStyle/>
-        <a:p>
-          <a:pPr>
-            <a:lnSpc>
-              <a:spcPct val="100000"/>
-            </a:lnSpc>
-          </a:pPr>
-          <a:r>
-            <a:rPr lang="en-US" sz="2400" dirty="0"/>
-            <a:t>We performed tasks according to the schedule.</a:t>
-          </a:r>
-        </a:p>
-      </dgm:t>
-    </dgm:pt>
-    <dgm:pt modelId="{819CC8FC-0C0A-4461-B5F7-85C4EB8F3FBA}" type="parTrans" cxnId="{7F64DBC9-4673-4372-9D04-3B811F4D24BF}">
-      <dgm:prSet/>
-      <dgm:spPr/>
-      <dgm:t>
-        <a:bodyPr/>
-        <a:lstStyle/>
-        <a:p>
-          <a:endParaRPr lang="en-US"/>
-        </a:p>
-      </dgm:t>
-    </dgm:pt>
-    <dgm:pt modelId="{067C7E9C-F58C-4B51-87BC-1C53B0544C3E}" type="sibTrans" cxnId="{7F64DBC9-4673-4372-9D04-3B811F4D24BF}">
-      <dgm:prSet/>
-      <dgm:spPr/>
-      <dgm:t>
-        <a:bodyPr/>
-        <a:lstStyle/>
-        <a:p>
-          <a:pPr>
-            <a:lnSpc>
-              <a:spcPct val="100000"/>
-            </a:lnSpc>
-          </a:pPr>
-          <a:endParaRPr lang="en-US"/>
-        </a:p>
-      </dgm:t>
-    </dgm:pt>
-    <dgm:pt modelId="{AAB3C474-1B0C-44FB-B06A-68F678D37284}">
-      <dgm:prSet custT="1"/>
-      <dgm:spPr/>
-      <dgm:t>
-        <a:bodyPr/>
-        <a:lstStyle/>
-        <a:p>
-          <a:pPr>
-            <a:lnSpc>
-              <a:spcPct val="100000"/>
-            </a:lnSpc>
-          </a:pPr>
-          <a:r>
-            <a:rPr lang="en-US" sz="2400" dirty="0"/>
-            <a:t>We have successfully completed our project on time.</a:t>
-          </a:r>
-        </a:p>
-      </dgm:t>
-    </dgm:pt>
-    <dgm:pt modelId="{8E7A289B-905C-4DD7-B0FB-4704FD544049}" type="parTrans" cxnId="{32E6C7E7-5D29-4F08-A6A2-70A5D361DB3B}">
-      <dgm:prSet/>
-      <dgm:spPr/>
-      <dgm:t>
-        <a:bodyPr/>
-        <a:lstStyle/>
-        <a:p>
-          <a:endParaRPr lang="en-US"/>
-        </a:p>
-      </dgm:t>
-    </dgm:pt>
-    <dgm:pt modelId="{A536F767-42B7-4E28-BD66-4B03341E552E}" type="sibTrans" cxnId="{32E6C7E7-5D29-4F08-A6A2-70A5D361DB3B}">
-      <dgm:prSet/>
-      <dgm:spPr/>
-      <dgm:t>
-        <a:bodyPr/>
-        <a:lstStyle/>
-        <a:p>
-          <a:endParaRPr lang="en-US"/>
-        </a:p>
-      </dgm:t>
-    </dgm:pt>
     <dgm:pt modelId="{28E7DE69-E72F-4C08-B3B4-B59019B00652}" type="pres">
       <dgm:prSet presAssocID="{E8E92018-3B26-4884-B3BB-9958DEB8EC67}" presName="root" presStyleCnt="0">
         <dgm:presLayoutVars>
@@ -5802,11 +4511,11 @@
       <dgm:spPr/>
     </dgm:pt>
     <dgm:pt modelId="{E5881B53-5A07-4AEB-87C0-E42755423B86}" type="pres">
-      <dgm:prSet presAssocID="{7FFF3425-3C1B-4182-9C9E-C08299133CF3}" presName="iconBgRect" presStyleLbl="bgShp" presStyleIdx="0" presStyleCnt="4"/>
+      <dgm:prSet presAssocID="{7FFF3425-3C1B-4182-9C9E-C08299133CF3}" presName="iconBgRect" presStyleLbl="bgShp" presStyleIdx="0" presStyleCnt="2" custScaleX="157658" custScaleY="143458" custLinFactX="-8908" custLinFactNeighborX="-100000" custLinFactNeighborY="10771"/>
       <dgm:spPr/>
     </dgm:pt>
     <dgm:pt modelId="{A8D1BFBE-A9EC-4907-9D8D-967F0620B3E0}" type="pres">
-      <dgm:prSet presAssocID="{7FFF3425-3C1B-4182-9C9E-C08299133CF3}" presName="iconRect" presStyleLbl="node1" presStyleIdx="0" presStyleCnt="4"/>
+      <dgm:prSet presAssocID="{7FFF3425-3C1B-4182-9C9E-C08299133CF3}" presName="iconRect" presStyleLbl="node1" presStyleIdx="0" presStyleCnt="2" custScaleX="131107" custLinFactX="-83900" custLinFactNeighborX="-100000" custLinFactNeighborY="11200"/>
       <dgm:spPr>
         <a:blipFill>
           <a:blip xmlns:r="http://schemas.openxmlformats.org/officeDocument/2006/relationships" r:embed="rId1">
@@ -5835,7 +4544,7 @@
       <dgm:spPr/>
     </dgm:pt>
     <dgm:pt modelId="{E4575F50-E436-4054-9027-9F9A9C211764}" type="pres">
-      <dgm:prSet presAssocID="{7FFF3425-3C1B-4182-9C9E-C08299133CF3}" presName="textRect" presStyleLbl="revTx" presStyleIdx="0" presStyleCnt="4" custScaleX="106201" custScaleY="170333">
+      <dgm:prSet presAssocID="{7FFF3425-3C1B-4182-9C9E-C08299133CF3}" presName="textRect" presStyleLbl="revTx" presStyleIdx="0" presStyleCnt="2" custScaleX="139518" custScaleY="216228" custLinFactNeighborX="-16195" custLinFactNeighborY="-22504">
         <dgm:presLayoutVars>
           <dgm:chMax val="1"/>
           <dgm:chPref val="1"/>
@@ -5852,11 +4561,11 @@
       <dgm:spPr/>
     </dgm:pt>
     <dgm:pt modelId="{3C9ACCA1-0FED-4280-9947-A5A590C3FB33}" type="pres">
-      <dgm:prSet presAssocID="{5E8694DE-9BB2-4A27-9AC9-87D3F01E1478}" presName="iconBgRect" presStyleLbl="bgShp" presStyleIdx="1" presStyleCnt="4" custLinFactNeighborX="-35913" custLinFactNeighborY="971"/>
+      <dgm:prSet presAssocID="{5E8694DE-9BB2-4A27-9AC9-87D3F01E1478}" presName="iconBgRect" presStyleLbl="bgShp" presStyleIdx="1" presStyleCnt="2" custScaleX="163622" custScaleY="114166" custLinFactNeighborX="-40870" custLinFactNeighborY="971"/>
       <dgm:spPr/>
     </dgm:pt>
     <dgm:pt modelId="{749EA9C2-E568-4037-BFAE-BB89B7F28C1F}" type="pres">
-      <dgm:prSet presAssocID="{5E8694DE-9BB2-4A27-9AC9-87D3F01E1478}" presName="iconRect" presStyleLbl="node1" presStyleIdx="1" presStyleCnt="4" custLinFactNeighborX="-63592"/>
+      <dgm:prSet presAssocID="{5E8694DE-9BB2-4A27-9AC9-87D3F01E1478}" presName="iconRect" presStyleLbl="node1" presStyleIdx="1" presStyleCnt="2" custScaleX="146543" custLinFactNeighborX="-63592"/>
       <dgm:spPr>
         <a:blipFill>
           <a:blip xmlns:r="http://schemas.openxmlformats.org/officeDocument/2006/relationships" r:embed="rId3">
@@ -5885,107 +4594,7 @@
       <dgm:spPr/>
     </dgm:pt>
     <dgm:pt modelId="{B22181ED-BA2D-4265-BA9D-896BA539ACCB}" type="pres">
-      <dgm:prSet presAssocID="{5E8694DE-9BB2-4A27-9AC9-87D3F01E1478}" presName="textRect" presStyleLbl="revTx" presStyleIdx="1" presStyleCnt="4" custScaleX="116721" custScaleY="216459">
-        <dgm:presLayoutVars>
-          <dgm:chMax val="1"/>
-          <dgm:chPref val="1"/>
-        </dgm:presLayoutVars>
-      </dgm:prSet>
-      <dgm:spPr/>
-    </dgm:pt>
-    <dgm:pt modelId="{9473EA88-012E-4201-8960-9A8CDBF245B5}" type="pres">
-      <dgm:prSet presAssocID="{2C71C72B-C7C8-425A-AAA7-736CFF0FAE84}" presName="sibTrans" presStyleLbl="sibTrans2D1" presStyleIdx="0" presStyleCnt="0"/>
-      <dgm:spPr/>
-    </dgm:pt>
-    <dgm:pt modelId="{709B115D-AB86-4591-A63A-1F0085441C82}" type="pres">
-      <dgm:prSet presAssocID="{6FA68CF3-8E72-43DB-86FF-DD6FD8AB1464}" presName="compNode" presStyleCnt="0"/>
-      <dgm:spPr/>
-    </dgm:pt>
-    <dgm:pt modelId="{38868374-3CB9-4600-A562-3E4134B23698}" type="pres">
-      <dgm:prSet presAssocID="{6FA68CF3-8E72-43DB-86FF-DD6FD8AB1464}" presName="iconBgRect" presStyleLbl="bgShp" presStyleIdx="2" presStyleCnt="4"/>
-      <dgm:spPr/>
-    </dgm:pt>
-    <dgm:pt modelId="{A61FAC3D-6C43-4E88-A6C6-AFA73BBCAF46}" type="pres">
-      <dgm:prSet presAssocID="{6FA68CF3-8E72-43DB-86FF-DD6FD8AB1464}" presName="iconRect" presStyleLbl="node1" presStyleIdx="2" presStyleCnt="4"/>
-      <dgm:spPr>
-        <a:blipFill>
-          <a:blip xmlns:r="http://schemas.openxmlformats.org/officeDocument/2006/relationships" r:embed="rId5">
-            <a:extLst>
-              <a:ext uri="{28A0092B-C50C-407E-A947-70E740481C1C}">
-                <a14:useLocalDpi xmlns:a14="http://schemas.microsoft.com/office/drawing/2010/main" val="0"/>
-              </a:ext>
-              <a:ext uri="{96DAC541-7B7A-43D3-8B79-37D633B846F1}">
-                <asvg:svgBlip xmlns:asvg="http://schemas.microsoft.com/office/drawing/2016/SVG/main" r:embed="rId6"/>
-              </a:ext>
-            </a:extLst>
-          </a:blip>
-          <a:stretch>
-            <a:fillRect/>
-          </a:stretch>
-        </a:blipFill>
-      </dgm:spPr>
-      <dgm:extLst>
-        <a:ext uri="{E40237B7-FDA0-4F09-8148-C483321AD2D9}">
-          <dgm14:cNvPr xmlns:dgm14="http://schemas.microsoft.com/office/drawing/2010/diagram" id="0" name="" descr="Monthly calendar"/>
-        </a:ext>
-      </dgm:extLst>
-    </dgm:pt>
-    <dgm:pt modelId="{8776264E-3A0D-4252-AA9A-0012E5ED6A17}" type="pres">
-      <dgm:prSet presAssocID="{6FA68CF3-8E72-43DB-86FF-DD6FD8AB1464}" presName="spaceRect" presStyleCnt="0"/>
-      <dgm:spPr/>
-    </dgm:pt>
-    <dgm:pt modelId="{036E5CE2-62EE-4D20-A470-F19465AC7B48}" type="pres">
-      <dgm:prSet presAssocID="{6FA68CF3-8E72-43DB-86FF-DD6FD8AB1464}" presName="textRect" presStyleLbl="revTx" presStyleIdx="2" presStyleCnt="4" custScaleX="112866" custScaleY="132284">
-        <dgm:presLayoutVars>
-          <dgm:chMax val="1"/>
-          <dgm:chPref val="1"/>
-        </dgm:presLayoutVars>
-      </dgm:prSet>
-      <dgm:spPr/>
-    </dgm:pt>
-    <dgm:pt modelId="{6D967D9B-C822-4A14-A2A0-FB0FC22C7EFA}" type="pres">
-      <dgm:prSet presAssocID="{067C7E9C-F58C-4B51-87BC-1C53B0544C3E}" presName="sibTrans" presStyleLbl="sibTrans2D1" presStyleIdx="0" presStyleCnt="0"/>
-      <dgm:spPr/>
-    </dgm:pt>
-    <dgm:pt modelId="{F6F50F04-C127-43BE-B155-BE9A34A1BBA4}" type="pres">
-      <dgm:prSet presAssocID="{AAB3C474-1B0C-44FB-B06A-68F678D37284}" presName="compNode" presStyleCnt="0"/>
-      <dgm:spPr/>
-    </dgm:pt>
-    <dgm:pt modelId="{83CB8888-72D7-43E8-81BF-1D8A2939822F}" type="pres">
-      <dgm:prSet presAssocID="{AAB3C474-1B0C-44FB-B06A-68F678D37284}" presName="iconBgRect" presStyleLbl="bgShp" presStyleIdx="3" presStyleCnt="4" custLinFactNeighborX="-38825" custLinFactNeighborY="2912"/>
-      <dgm:spPr/>
-    </dgm:pt>
-    <dgm:pt modelId="{235330C8-40EF-4AC4-AE6B-292B25A9846A}" type="pres">
-      <dgm:prSet presAssocID="{AAB3C474-1B0C-44FB-B06A-68F678D37284}" presName="iconRect" presStyleLbl="node1" presStyleIdx="3" presStyleCnt="4" custLinFactNeighborX="-61919"/>
-      <dgm:spPr>
-        <a:blipFill>
-          <a:blip xmlns:r="http://schemas.openxmlformats.org/officeDocument/2006/relationships" r:embed="rId7">
-            <a:extLst>
-              <a:ext uri="{28A0092B-C50C-407E-A947-70E740481C1C}">
-                <a14:useLocalDpi xmlns:a14="http://schemas.microsoft.com/office/drawing/2010/main" val="0"/>
-              </a:ext>
-              <a:ext uri="{96DAC541-7B7A-43D3-8B79-37D633B846F1}">
-                <asvg:svgBlip xmlns:asvg="http://schemas.microsoft.com/office/drawing/2016/SVG/main" r:embed="rId8"/>
-              </a:ext>
-            </a:extLst>
-          </a:blip>
-          <a:stretch>
-            <a:fillRect/>
-          </a:stretch>
-        </a:blipFill>
-      </dgm:spPr>
-      <dgm:extLst>
-        <a:ext uri="{E40237B7-FDA0-4F09-8148-C483321AD2D9}">
-          <dgm14:cNvPr xmlns:dgm14="http://schemas.microsoft.com/office/drawing/2010/diagram" id="0" name="" descr="Checkmark"/>
-        </a:ext>
-      </dgm:extLst>
-    </dgm:pt>
-    <dgm:pt modelId="{AA17975B-FB79-4412-860D-EA50F403670E}" type="pres">
-      <dgm:prSet presAssocID="{AAB3C474-1B0C-44FB-B06A-68F678D37284}" presName="spaceRect" presStyleCnt="0"/>
-      <dgm:spPr/>
-    </dgm:pt>
-    <dgm:pt modelId="{350CE0F6-6733-4BEC-9676-B681153761CB}" type="pres">
-      <dgm:prSet presAssocID="{AAB3C474-1B0C-44FB-B06A-68F678D37284}" presName="textRect" presStyleLbl="revTx" presStyleIdx="3" presStyleCnt="4" custScaleX="126730" custScaleY="178990">
+      <dgm:prSet presAssocID="{5E8694DE-9BB2-4A27-9AC9-87D3F01E1478}" presName="textRect" presStyleLbl="revTx" presStyleIdx="1" presStyleCnt="2" custScaleX="116721" custScaleY="216459" custLinFactNeighborX="41148" custLinFactNeighborY="-2245">
         <dgm:presLayoutVars>
           <dgm:chMax val="1"/>
           <dgm:chPref val="1"/>
@@ -5997,14 +4606,8 @@
   <dgm:cxnLst>
     <dgm:cxn modelId="{DA134235-378C-4DE1-9C49-4CEDB8431D54}" type="presOf" srcId="{E8E92018-3B26-4884-B3BB-9958DEB8EC67}" destId="{28E7DE69-E72F-4C08-B3B4-B59019B00652}" srcOrd="0" destOrd="0" presId="urn:microsoft.com/office/officeart/2018/2/layout/IconCircleList"/>
     <dgm:cxn modelId="{F676CD43-809B-4332-8BD7-4916C17C715E}" srcId="{E8E92018-3B26-4884-B3BB-9958DEB8EC67}" destId="{7FFF3425-3C1B-4182-9C9E-C08299133CF3}" srcOrd="0" destOrd="0" parTransId="{7DF527F9-57C5-40EC-B063-B2694CB2B718}" sibTransId="{DEAEE56A-0B14-45A0-A830-7D297D8AD994}"/>
-    <dgm:cxn modelId="{7DD4E04F-EA48-4ED0-A7BD-C34354B68715}" type="presOf" srcId="{AAB3C474-1B0C-44FB-B06A-68F678D37284}" destId="{350CE0F6-6733-4BEC-9676-B681153761CB}" srcOrd="0" destOrd="0" presId="urn:microsoft.com/office/officeart/2018/2/layout/IconCircleList"/>
-    <dgm:cxn modelId="{DEE053BA-AD33-42C6-824C-8EB0D016CC2D}" type="presOf" srcId="{6FA68CF3-8E72-43DB-86FF-DD6FD8AB1464}" destId="{036E5CE2-62EE-4D20-A470-F19465AC7B48}" srcOrd="0" destOrd="0" presId="urn:microsoft.com/office/officeart/2018/2/layout/IconCircleList"/>
     <dgm:cxn modelId="{754B29BB-4740-4371-93AE-D0D3BA7BD272}" srcId="{E8E92018-3B26-4884-B3BB-9958DEB8EC67}" destId="{5E8694DE-9BB2-4A27-9AC9-87D3F01E1478}" srcOrd="1" destOrd="0" parTransId="{BBF9D45F-FB48-436F-9CAF-C4E09AD4C806}" sibTransId="{2C71C72B-C7C8-425A-AAA7-736CFF0FAE84}"/>
-    <dgm:cxn modelId="{7F64DBC9-4673-4372-9D04-3B811F4D24BF}" srcId="{E8E92018-3B26-4884-B3BB-9958DEB8EC67}" destId="{6FA68CF3-8E72-43DB-86FF-DD6FD8AB1464}" srcOrd="2" destOrd="0" parTransId="{819CC8FC-0C0A-4461-B5F7-85C4EB8F3FBA}" sibTransId="{067C7E9C-F58C-4B51-87BC-1C53B0544C3E}"/>
-    <dgm:cxn modelId="{B38679D1-1A31-47EC-ACD5-702FE12CDC72}" type="presOf" srcId="{2C71C72B-C7C8-425A-AAA7-736CFF0FAE84}" destId="{9473EA88-012E-4201-8960-9A8CDBF245B5}" srcOrd="0" destOrd="0" presId="urn:microsoft.com/office/officeart/2018/2/layout/IconCircleList"/>
-    <dgm:cxn modelId="{6B6FE5D8-7100-499F-A6BF-E360EA92CBBE}" type="presOf" srcId="{067C7E9C-F58C-4B51-87BC-1C53B0544C3E}" destId="{6D967D9B-C822-4A14-A2A0-FB0FC22C7EFA}" srcOrd="0" destOrd="0" presId="urn:microsoft.com/office/officeart/2018/2/layout/IconCircleList"/>
     <dgm:cxn modelId="{D54133E0-86C0-476D-9AB8-974EE8130B9A}" type="presOf" srcId="{7FFF3425-3C1B-4182-9C9E-C08299133CF3}" destId="{E4575F50-E436-4054-9027-9F9A9C211764}" srcOrd="0" destOrd="0" presId="urn:microsoft.com/office/officeart/2018/2/layout/IconCircleList"/>
-    <dgm:cxn modelId="{32E6C7E7-5D29-4F08-A6A2-70A5D361DB3B}" srcId="{E8E92018-3B26-4884-B3BB-9958DEB8EC67}" destId="{AAB3C474-1B0C-44FB-B06A-68F678D37284}" srcOrd="3" destOrd="0" parTransId="{8E7A289B-905C-4DD7-B0FB-4704FD544049}" sibTransId="{A536F767-42B7-4E28-BD66-4B03341E552E}"/>
     <dgm:cxn modelId="{F14884EB-DB1B-4866-93CC-62ADA657BFA5}" type="presOf" srcId="{5E8694DE-9BB2-4A27-9AC9-87D3F01E1478}" destId="{B22181ED-BA2D-4265-BA9D-896BA539ACCB}" srcOrd="0" destOrd="0" presId="urn:microsoft.com/office/officeart/2018/2/layout/IconCircleList"/>
     <dgm:cxn modelId="{651AB9F5-87E7-4F31-B7AC-A58F0B8E4E2A}" type="presOf" srcId="{DEAEE56A-0B14-45A0-A830-7D297D8AD994}" destId="{A8F86334-13A9-4AAE-829C-9276F2A6BFD4}" srcOrd="0" destOrd="0" presId="urn:microsoft.com/office/officeart/2018/2/layout/IconCircleList"/>
     <dgm:cxn modelId="{398BA5B5-A0D9-4FAB-AF72-5F8CBD231906}" type="presParOf" srcId="{28E7DE69-E72F-4C08-B3B4-B59019B00652}" destId="{02C62EB2-3128-4CB4-92A0-3AC7C218B5F9}" srcOrd="0" destOrd="0" presId="urn:microsoft.com/office/officeart/2018/2/layout/IconCircleList"/>
@@ -6019,18 +4622,6 @@
     <dgm:cxn modelId="{941B82F3-C3F0-415F-BADD-B2F6C8129570}" type="presParOf" srcId="{5C7C808B-BED4-4470-B289-452C497F4C1C}" destId="{749EA9C2-E568-4037-BFAE-BB89B7F28C1F}" srcOrd="1" destOrd="0" presId="urn:microsoft.com/office/officeart/2018/2/layout/IconCircleList"/>
     <dgm:cxn modelId="{F567AAD4-13FC-457F-BEA3-97395DE94A85}" type="presParOf" srcId="{5C7C808B-BED4-4470-B289-452C497F4C1C}" destId="{1856AE6A-3589-42A2-8B1B-BCB4D70FA99C}" srcOrd="2" destOrd="0" presId="urn:microsoft.com/office/officeart/2018/2/layout/IconCircleList"/>
     <dgm:cxn modelId="{6CFD77C5-6459-4E1D-9434-7D4EEE5176DC}" type="presParOf" srcId="{5C7C808B-BED4-4470-B289-452C497F4C1C}" destId="{B22181ED-BA2D-4265-BA9D-896BA539ACCB}" srcOrd="3" destOrd="0" presId="urn:microsoft.com/office/officeart/2018/2/layout/IconCircleList"/>
-    <dgm:cxn modelId="{5A171B8E-E1D9-4171-8B74-E87C7F2A8C7E}" type="presParOf" srcId="{02C62EB2-3128-4CB4-92A0-3AC7C218B5F9}" destId="{9473EA88-012E-4201-8960-9A8CDBF245B5}" srcOrd="3" destOrd="0" presId="urn:microsoft.com/office/officeart/2018/2/layout/IconCircleList"/>
-    <dgm:cxn modelId="{77C5932F-D7F7-47B2-88F7-4A504E6D3DF8}" type="presParOf" srcId="{02C62EB2-3128-4CB4-92A0-3AC7C218B5F9}" destId="{709B115D-AB86-4591-A63A-1F0085441C82}" srcOrd="4" destOrd="0" presId="urn:microsoft.com/office/officeart/2018/2/layout/IconCircleList"/>
-    <dgm:cxn modelId="{E63BB3C5-C572-47AF-8E39-43C214F0C24C}" type="presParOf" srcId="{709B115D-AB86-4591-A63A-1F0085441C82}" destId="{38868374-3CB9-4600-A562-3E4134B23698}" srcOrd="0" destOrd="0" presId="urn:microsoft.com/office/officeart/2018/2/layout/IconCircleList"/>
-    <dgm:cxn modelId="{3EF508D6-4143-46E7-916F-FD6CD835CA31}" type="presParOf" srcId="{709B115D-AB86-4591-A63A-1F0085441C82}" destId="{A61FAC3D-6C43-4E88-A6C6-AFA73BBCAF46}" srcOrd="1" destOrd="0" presId="urn:microsoft.com/office/officeart/2018/2/layout/IconCircleList"/>
-    <dgm:cxn modelId="{DF4C96BD-C6F2-4739-8200-E2F3D5F65291}" type="presParOf" srcId="{709B115D-AB86-4591-A63A-1F0085441C82}" destId="{8776264E-3A0D-4252-AA9A-0012E5ED6A17}" srcOrd="2" destOrd="0" presId="urn:microsoft.com/office/officeart/2018/2/layout/IconCircleList"/>
-    <dgm:cxn modelId="{C663DEF4-FFB7-48B4-AF0B-75AD95247DEE}" type="presParOf" srcId="{709B115D-AB86-4591-A63A-1F0085441C82}" destId="{036E5CE2-62EE-4D20-A470-F19465AC7B48}" srcOrd="3" destOrd="0" presId="urn:microsoft.com/office/officeart/2018/2/layout/IconCircleList"/>
-    <dgm:cxn modelId="{43515F74-C3E7-463F-AEC7-9AC4B458AB44}" type="presParOf" srcId="{02C62EB2-3128-4CB4-92A0-3AC7C218B5F9}" destId="{6D967D9B-C822-4A14-A2A0-FB0FC22C7EFA}" srcOrd="5" destOrd="0" presId="urn:microsoft.com/office/officeart/2018/2/layout/IconCircleList"/>
-    <dgm:cxn modelId="{C5070877-B74F-496E-8541-1DB6B7447E1A}" type="presParOf" srcId="{02C62EB2-3128-4CB4-92A0-3AC7C218B5F9}" destId="{F6F50F04-C127-43BE-B155-BE9A34A1BBA4}" srcOrd="6" destOrd="0" presId="urn:microsoft.com/office/officeart/2018/2/layout/IconCircleList"/>
-    <dgm:cxn modelId="{6493CF21-D05D-44D9-8011-F26B3B6DFF46}" type="presParOf" srcId="{F6F50F04-C127-43BE-B155-BE9A34A1BBA4}" destId="{83CB8888-72D7-43E8-81BF-1D8A2939822F}" srcOrd="0" destOrd="0" presId="urn:microsoft.com/office/officeart/2018/2/layout/IconCircleList"/>
-    <dgm:cxn modelId="{30561CF6-FF98-4C14-B47D-10F2090403D0}" type="presParOf" srcId="{F6F50F04-C127-43BE-B155-BE9A34A1BBA4}" destId="{235330C8-40EF-4AC4-AE6B-292B25A9846A}" srcOrd="1" destOrd="0" presId="urn:microsoft.com/office/officeart/2018/2/layout/IconCircleList"/>
-    <dgm:cxn modelId="{264671EA-9027-4D9A-A8D9-EA8351844706}" type="presParOf" srcId="{F6F50F04-C127-43BE-B155-BE9A34A1BBA4}" destId="{AA17975B-FB79-4412-860D-EA50F403670E}" srcOrd="2" destOrd="0" presId="urn:microsoft.com/office/officeart/2018/2/layout/IconCircleList"/>
-    <dgm:cxn modelId="{0D962818-78F4-4E80-AD77-621D695CFA46}" type="presParOf" srcId="{F6F50F04-C127-43BE-B155-BE9A34A1BBA4}" destId="{350CE0F6-6733-4BEC-9676-B681153761CB}" srcOrd="3" destOrd="0" presId="urn:microsoft.com/office/officeart/2018/2/layout/IconCircleList"/>
   </dgm:cxnLst>
   <dgm:bg/>
   <dgm:whole/>
@@ -8073,646 +6664,6 @@
       <dsp:cNvGrpSpPr/>
     </dsp:nvGrpSpPr>
     <dsp:grpSpPr/>
-    <dsp:sp modelId="{0D67861E-BEE3-43EE-82BF-D3C8CC13D1F7}">
-      <dsp:nvSpPr>
-        <dsp:cNvPr id="0" name=""/>
-        <dsp:cNvSpPr/>
-      </dsp:nvSpPr>
-      <dsp:spPr>
-        <a:xfrm>
-          <a:off x="230458" y="670783"/>
-          <a:ext cx="1162507" cy="1162507"/>
-        </a:xfrm>
-        <a:prstGeom prst="ellipse">
-          <a:avLst/>
-        </a:prstGeom>
-        <a:solidFill>
-          <a:schemeClr val="accent1">
-            <a:tint val="40000"/>
-            <a:hueOff val="0"/>
-            <a:satOff val="0"/>
-            <a:lumOff val="0"/>
-            <a:alphaOff val="0"/>
-          </a:schemeClr>
-        </a:solidFill>
-        <a:ln>
-          <a:noFill/>
-        </a:ln>
-        <a:effectLst/>
-      </dsp:spPr>
-      <dsp:style>
-        <a:lnRef idx="0">
-          <a:scrgbClr r="0" g="0" b="0"/>
-        </a:lnRef>
-        <a:fillRef idx="1">
-          <a:scrgbClr r="0" g="0" b="0"/>
-        </a:fillRef>
-        <a:effectRef idx="0">
-          <a:scrgbClr r="0" g="0" b="0"/>
-        </a:effectRef>
-        <a:fontRef idx="minor"/>
-      </dsp:style>
-    </dsp:sp>
-    <dsp:sp modelId="{EB45FCB2-83A7-479D-A867-18E3506E6344}">
-      <dsp:nvSpPr>
-        <dsp:cNvPr id="0" name=""/>
-        <dsp:cNvSpPr/>
-      </dsp:nvSpPr>
-      <dsp:spPr>
-        <a:xfrm>
-          <a:off x="474584" y="914909"/>
-          <a:ext cx="674254" cy="674254"/>
-        </a:xfrm>
-        <a:prstGeom prst="rect">
-          <a:avLst/>
-        </a:prstGeom>
-        <a:blipFill>
-          <a:blip xmlns:r="http://schemas.openxmlformats.org/officeDocument/2006/relationships" r:embed="rId1">
-            <a:extLst>
-              <a:ext uri="{28A0092B-C50C-407E-A947-70E740481C1C}">
-                <a14:useLocalDpi xmlns:a14="http://schemas.microsoft.com/office/drawing/2010/main" val="0"/>
-              </a:ext>
-              <a:ext uri="{96DAC541-7B7A-43D3-8B79-37D633B846F1}">
-                <asvg:svgBlip xmlns:asvg="http://schemas.microsoft.com/office/drawing/2016/SVG/main" r:embed="rId2"/>
-              </a:ext>
-            </a:extLst>
-          </a:blip>
-          <a:stretch>
-            <a:fillRect/>
-          </a:stretch>
-        </a:blipFill>
-        <a:ln w="12700" cap="flat" cmpd="sng" algn="ctr">
-          <a:solidFill>
-            <a:schemeClr val="lt1">
-              <a:hueOff val="0"/>
-              <a:satOff val="0"/>
-              <a:lumOff val="0"/>
-              <a:alphaOff val="0"/>
-            </a:schemeClr>
-          </a:solidFill>
-          <a:prstDash val="solid"/>
-          <a:miter lim="800000"/>
-        </a:ln>
-        <a:effectLst/>
-      </dsp:spPr>
-      <dsp:style>
-        <a:lnRef idx="2">
-          <a:scrgbClr r="0" g="0" b="0"/>
-        </a:lnRef>
-        <a:fillRef idx="1">
-          <a:scrgbClr r="0" g="0" b="0"/>
-        </a:fillRef>
-        <a:effectRef idx="0">
-          <a:scrgbClr r="0" g="0" b="0"/>
-        </a:effectRef>
-        <a:fontRef idx="minor">
-          <a:schemeClr val="lt1"/>
-        </a:fontRef>
-      </dsp:style>
-    </dsp:sp>
-    <dsp:sp modelId="{B5219030-70BF-4AA2-8AB0-A41014ADC8C8}">
-      <dsp:nvSpPr>
-        <dsp:cNvPr id="0" name=""/>
-        <dsp:cNvSpPr/>
-      </dsp:nvSpPr>
-      <dsp:spPr>
-        <a:xfrm>
-          <a:off x="1642074" y="670783"/>
-          <a:ext cx="2740196" cy="1162507"/>
-        </a:xfrm>
-        <a:prstGeom prst="rect">
-          <a:avLst/>
-        </a:prstGeom>
-        <a:noFill/>
-        <a:ln>
-          <a:noFill/>
-        </a:ln>
-        <a:effectLst/>
-      </dsp:spPr>
-      <dsp:style>
-        <a:lnRef idx="0">
-          <a:scrgbClr r="0" g="0" b="0"/>
-        </a:lnRef>
-        <a:fillRef idx="0">
-          <a:scrgbClr r="0" g="0" b="0"/>
-        </a:fillRef>
-        <a:effectRef idx="0">
-          <a:scrgbClr r="0" g="0" b="0"/>
-        </a:effectRef>
-        <a:fontRef idx="minor"/>
-      </dsp:style>
-      <dsp:txBody>
-        <a:bodyPr spcFirstLastPara="0" vert="horz" wrap="square" lIns="0" tIns="0" rIns="0" bIns="0" numCol="1" spcCol="1270" anchor="ctr" anchorCtr="0">
-          <a:noAutofit/>
-        </a:bodyPr>
-        <a:lstStyle/>
-        <a:p>
-          <a:pPr marL="0" lvl="0" indent="0" algn="l" defTabSz="1244600">
-            <a:lnSpc>
-              <a:spcPct val="100000"/>
-            </a:lnSpc>
-            <a:spcBef>
-              <a:spcPct val="0"/>
-            </a:spcBef>
-            <a:spcAft>
-              <a:spcPct val="35000"/>
-            </a:spcAft>
-            <a:buNone/>
-          </a:pPr>
-          <a:r>
-            <a:rPr lang="en-US" sz="2800" kern="1200" dirty="0"/>
-            <a:t>We were all working together by learning and implementing while working.</a:t>
-          </a:r>
-        </a:p>
-      </dsp:txBody>
-      <dsp:txXfrm>
-        <a:off x="1642074" y="670783"/>
-        <a:ext cx="2740196" cy="1162507"/>
-      </dsp:txXfrm>
-    </dsp:sp>
-    <dsp:sp modelId="{10F19FBA-E086-45CD-AD7A-83377F047754}">
-      <dsp:nvSpPr>
-        <dsp:cNvPr id="0" name=""/>
-        <dsp:cNvSpPr/>
-      </dsp:nvSpPr>
-      <dsp:spPr>
-        <a:xfrm>
-          <a:off x="4859729" y="670783"/>
-          <a:ext cx="1162507" cy="1162507"/>
-        </a:xfrm>
-        <a:prstGeom prst="ellipse">
-          <a:avLst/>
-        </a:prstGeom>
-        <a:solidFill>
-          <a:schemeClr val="accent1">
-            <a:tint val="40000"/>
-            <a:hueOff val="0"/>
-            <a:satOff val="0"/>
-            <a:lumOff val="0"/>
-            <a:alphaOff val="0"/>
-          </a:schemeClr>
-        </a:solidFill>
-        <a:ln>
-          <a:noFill/>
-        </a:ln>
-        <a:effectLst/>
-      </dsp:spPr>
-      <dsp:style>
-        <a:lnRef idx="0">
-          <a:scrgbClr r="0" g="0" b="0"/>
-        </a:lnRef>
-        <a:fillRef idx="1">
-          <a:scrgbClr r="0" g="0" b="0"/>
-        </a:fillRef>
-        <a:effectRef idx="0">
-          <a:scrgbClr r="0" g="0" b="0"/>
-        </a:effectRef>
-        <a:fontRef idx="minor"/>
-      </dsp:style>
-    </dsp:sp>
-    <dsp:sp modelId="{79AFEC4E-A282-455E-A6AD-176EFF748348}">
-      <dsp:nvSpPr>
-        <dsp:cNvPr id="0" name=""/>
-        <dsp:cNvSpPr/>
-      </dsp:nvSpPr>
-      <dsp:spPr>
-        <a:xfrm>
-          <a:off x="5103855" y="914909"/>
-          <a:ext cx="674254" cy="674254"/>
-        </a:xfrm>
-        <a:prstGeom prst="rect">
-          <a:avLst/>
-        </a:prstGeom>
-        <a:blipFill>
-          <a:blip xmlns:r="http://schemas.openxmlformats.org/officeDocument/2006/relationships" r:embed="rId3">
-            <a:extLst>
-              <a:ext uri="{28A0092B-C50C-407E-A947-70E740481C1C}">
-                <a14:useLocalDpi xmlns:a14="http://schemas.microsoft.com/office/drawing/2010/main" val="0"/>
-              </a:ext>
-              <a:ext uri="{96DAC541-7B7A-43D3-8B79-37D633B846F1}">
-                <asvg:svgBlip xmlns:asvg="http://schemas.microsoft.com/office/drawing/2016/SVG/main" r:embed="rId4"/>
-              </a:ext>
-            </a:extLst>
-          </a:blip>
-          <a:stretch>
-            <a:fillRect/>
-          </a:stretch>
-        </a:blipFill>
-        <a:ln w="12700" cap="flat" cmpd="sng" algn="ctr">
-          <a:solidFill>
-            <a:schemeClr val="lt1">
-              <a:hueOff val="0"/>
-              <a:satOff val="0"/>
-              <a:lumOff val="0"/>
-              <a:alphaOff val="0"/>
-            </a:schemeClr>
-          </a:solidFill>
-          <a:prstDash val="solid"/>
-          <a:miter lim="800000"/>
-        </a:ln>
-        <a:effectLst/>
-      </dsp:spPr>
-      <dsp:style>
-        <a:lnRef idx="2">
-          <a:scrgbClr r="0" g="0" b="0"/>
-        </a:lnRef>
-        <a:fillRef idx="1">
-          <a:scrgbClr r="0" g="0" b="0"/>
-        </a:fillRef>
-        <a:effectRef idx="0">
-          <a:scrgbClr r="0" g="0" b="0"/>
-        </a:effectRef>
-        <a:fontRef idx="minor">
-          <a:schemeClr val="lt1"/>
-        </a:fontRef>
-      </dsp:style>
-    </dsp:sp>
-    <dsp:sp modelId="{72AE8175-6CD0-4E9C-8736-E878E7EDB9BF}">
-      <dsp:nvSpPr>
-        <dsp:cNvPr id="0" name=""/>
-        <dsp:cNvSpPr/>
-      </dsp:nvSpPr>
-      <dsp:spPr>
-        <a:xfrm>
-          <a:off x="6271345" y="670783"/>
-          <a:ext cx="2740196" cy="1162507"/>
-        </a:xfrm>
-        <a:prstGeom prst="rect">
-          <a:avLst/>
-        </a:prstGeom>
-        <a:noFill/>
-        <a:ln>
-          <a:noFill/>
-        </a:ln>
-        <a:effectLst/>
-      </dsp:spPr>
-      <dsp:style>
-        <a:lnRef idx="0">
-          <a:scrgbClr r="0" g="0" b="0"/>
-        </a:lnRef>
-        <a:fillRef idx="0">
-          <a:scrgbClr r="0" g="0" b="0"/>
-        </a:fillRef>
-        <a:effectRef idx="0">
-          <a:scrgbClr r="0" g="0" b="0"/>
-        </a:effectRef>
-        <a:fontRef idx="minor"/>
-      </dsp:style>
-      <dsp:txBody>
-        <a:bodyPr spcFirstLastPara="0" vert="horz" wrap="square" lIns="0" tIns="0" rIns="0" bIns="0" numCol="1" spcCol="1270" anchor="ctr" anchorCtr="0">
-          <a:noAutofit/>
-        </a:bodyPr>
-        <a:lstStyle/>
-        <a:p>
-          <a:pPr marL="0" lvl="0" indent="0" algn="l" defTabSz="1244600">
-            <a:lnSpc>
-              <a:spcPct val="100000"/>
-            </a:lnSpc>
-            <a:spcBef>
-              <a:spcPct val="0"/>
-            </a:spcBef>
-            <a:spcAft>
-              <a:spcPct val="35000"/>
-            </a:spcAft>
-            <a:buNone/>
-          </a:pPr>
-          <a:r>
-            <a:rPr lang="en-US" sz="2800" kern="1200" dirty="0"/>
-            <a:t>We struggled initially for integrating firebase with React.</a:t>
-          </a:r>
-        </a:p>
-      </dsp:txBody>
-      <dsp:txXfrm>
-        <a:off x="6271345" y="670783"/>
-        <a:ext cx="2740196" cy="1162507"/>
-      </dsp:txXfrm>
-    </dsp:sp>
-    <dsp:sp modelId="{D7DF83F2-A1CB-447D-B326-2907F35AF748}">
-      <dsp:nvSpPr>
-        <dsp:cNvPr id="0" name=""/>
-        <dsp:cNvSpPr/>
-      </dsp:nvSpPr>
-      <dsp:spPr>
-        <a:xfrm>
-          <a:off x="230458" y="2584277"/>
-          <a:ext cx="1162507" cy="1162507"/>
-        </a:xfrm>
-        <a:prstGeom prst="ellipse">
-          <a:avLst/>
-        </a:prstGeom>
-        <a:solidFill>
-          <a:schemeClr val="accent1">
-            <a:tint val="40000"/>
-            <a:hueOff val="0"/>
-            <a:satOff val="0"/>
-            <a:lumOff val="0"/>
-            <a:alphaOff val="0"/>
-          </a:schemeClr>
-        </a:solidFill>
-        <a:ln>
-          <a:noFill/>
-        </a:ln>
-        <a:effectLst/>
-      </dsp:spPr>
-      <dsp:style>
-        <a:lnRef idx="0">
-          <a:scrgbClr r="0" g="0" b="0"/>
-        </a:lnRef>
-        <a:fillRef idx="1">
-          <a:scrgbClr r="0" g="0" b="0"/>
-        </a:fillRef>
-        <a:effectRef idx="0">
-          <a:scrgbClr r="0" g="0" b="0"/>
-        </a:effectRef>
-        <a:fontRef idx="minor"/>
-      </dsp:style>
-    </dsp:sp>
-    <dsp:sp modelId="{EFBE6376-28BA-49C8-BD44-07064F6AFBE8}">
-      <dsp:nvSpPr>
-        <dsp:cNvPr id="0" name=""/>
-        <dsp:cNvSpPr/>
-      </dsp:nvSpPr>
-      <dsp:spPr>
-        <a:xfrm>
-          <a:off x="474584" y="2828403"/>
-          <a:ext cx="674254" cy="674254"/>
-        </a:xfrm>
-        <a:prstGeom prst="rect">
-          <a:avLst/>
-        </a:prstGeom>
-        <a:blipFill>
-          <a:blip xmlns:r="http://schemas.openxmlformats.org/officeDocument/2006/relationships" r:embed="rId5">
-            <a:extLst>
-              <a:ext uri="{28A0092B-C50C-407E-A947-70E740481C1C}">
-                <a14:useLocalDpi xmlns:a14="http://schemas.microsoft.com/office/drawing/2010/main" val="0"/>
-              </a:ext>
-              <a:ext uri="{96DAC541-7B7A-43D3-8B79-37D633B846F1}">
-                <asvg:svgBlip xmlns:asvg="http://schemas.microsoft.com/office/drawing/2016/SVG/main" r:embed="rId6"/>
-              </a:ext>
-            </a:extLst>
-          </a:blip>
-          <a:stretch>
-            <a:fillRect/>
-          </a:stretch>
-        </a:blipFill>
-        <a:ln w="12700" cap="flat" cmpd="sng" algn="ctr">
-          <a:solidFill>
-            <a:schemeClr val="lt1">
-              <a:hueOff val="0"/>
-              <a:satOff val="0"/>
-              <a:lumOff val="0"/>
-              <a:alphaOff val="0"/>
-            </a:schemeClr>
-          </a:solidFill>
-          <a:prstDash val="solid"/>
-          <a:miter lim="800000"/>
-        </a:ln>
-        <a:effectLst/>
-      </dsp:spPr>
-      <dsp:style>
-        <a:lnRef idx="2">
-          <a:scrgbClr r="0" g="0" b="0"/>
-        </a:lnRef>
-        <a:fillRef idx="1">
-          <a:scrgbClr r="0" g="0" b="0"/>
-        </a:fillRef>
-        <a:effectRef idx="0">
-          <a:scrgbClr r="0" g="0" b="0"/>
-        </a:effectRef>
-        <a:fontRef idx="minor">
-          <a:schemeClr val="lt1"/>
-        </a:fontRef>
-      </dsp:style>
-    </dsp:sp>
-    <dsp:sp modelId="{6A57F0A6-7D2E-4A89-A6D0-0B9D08788AE6}">
-      <dsp:nvSpPr>
-        <dsp:cNvPr id="0" name=""/>
-        <dsp:cNvSpPr/>
-      </dsp:nvSpPr>
-      <dsp:spPr>
-        <a:xfrm>
-          <a:off x="1642074" y="2584277"/>
-          <a:ext cx="2740196" cy="1162507"/>
-        </a:xfrm>
-        <a:prstGeom prst="rect">
-          <a:avLst/>
-        </a:prstGeom>
-        <a:noFill/>
-        <a:ln>
-          <a:noFill/>
-        </a:ln>
-        <a:effectLst/>
-      </dsp:spPr>
-      <dsp:style>
-        <a:lnRef idx="0">
-          <a:scrgbClr r="0" g="0" b="0"/>
-        </a:lnRef>
-        <a:fillRef idx="0">
-          <a:scrgbClr r="0" g="0" b="0"/>
-        </a:fillRef>
-        <a:effectRef idx="0">
-          <a:scrgbClr r="0" g="0" b="0"/>
-        </a:effectRef>
-        <a:fontRef idx="minor"/>
-      </dsp:style>
-      <dsp:txBody>
-        <a:bodyPr spcFirstLastPara="0" vert="horz" wrap="square" lIns="0" tIns="0" rIns="0" bIns="0" numCol="1" spcCol="1270" anchor="ctr" anchorCtr="0">
-          <a:noAutofit/>
-        </a:bodyPr>
-        <a:lstStyle/>
-        <a:p>
-          <a:pPr marL="0" lvl="0" indent="0" algn="l" defTabSz="1244600">
-            <a:lnSpc>
-              <a:spcPct val="100000"/>
-            </a:lnSpc>
-            <a:spcBef>
-              <a:spcPct val="0"/>
-            </a:spcBef>
-            <a:spcAft>
-              <a:spcPct val="35000"/>
-            </a:spcAft>
-            <a:buNone/>
-          </a:pPr>
-          <a:r>
-            <a:rPr lang="en-US" sz="2800" kern="1200" dirty="0"/>
-            <a:t>Main challenging issue faced was to implement sorting functions.</a:t>
-          </a:r>
-        </a:p>
-      </dsp:txBody>
-      <dsp:txXfrm>
-        <a:off x="1642074" y="2584277"/>
-        <a:ext cx="2740196" cy="1162507"/>
-      </dsp:txXfrm>
-    </dsp:sp>
-    <dsp:sp modelId="{B6310D03-CA5B-4781-929D-E9CD870E46DE}">
-      <dsp:nvSpPr>
-        <dsp:cNvPr id="0" name=""/>
-        <dsp:cNvSpPr/>
-      </dsp:nvSpPr>
-      <dsp:spPr>
-        <a:xfrm>
-          <a:off x="4859729" y="2584277"/>
-          <a:ext cx="1162507" cy="1162507"/>
-        </a:xfrm>
-        <a:prstGeom prst="ellipse">
-          <a:avLst/>
-        </a:prstGeom>
-        <a:solidFill>
-          <a:schemeClr val="accent1">
-            <a:tint val="40000"/>
-            <a:hueOff val="0"/>
-            <a:satOff val="0"/>
-            <a:lumOff val="0"/>
-            <a:alphaOff val="0"/>
-          </a:schemeClr>
-        </a:solidFill>
-        <a:ln>
-          <a:noFill/>
-        </a:ln>
-        <a:effectLst/>
-      </dsp:spPr>
-      <dsp:style>
-        <a:lnRef idx="0">
-          <a:scrgbClr r="0" g="0" b="0"/>
-        </a:lnRef>
-        <a:fillRef idx="1">
-          <a:scrgbClr r="0" g="0" b="0"/>
-        </a:fillRef>
-        <a:effectRef idx="0">
-          <a:scrgbClr r="0" g="0" b="0"/>
-        </a:effectRef>
-        <a:fontRef idx="minor"/>
-      </dsp:style>
-    </dsp:sp>
-    <dsp:sp modelId="{5634BD6D-C85F-45F5-9555-DAC66F7CA786}">
-      <dsp:nvSpPr>
-        <dsp:cNvPr id="0" name=""/>
-        <dsp:cNvSpPr/>
-      </dsp:nvSpPr>
-      <dsp:spPr>
-        <a:xfrm>
-          <a:off x="5103855" y="2828403"/>
-          <a:ext cx="674254" cy="674254"/>
-        </a:xfrm>
-        <a:prstGeom prst="rect">
-          <a:avLst/>
-        </a:prstGeom>
-        <a:blipFill>
-          <a:blip xmlns:r="http://schemas.openxmlformats.org/officeDocument/2006/relationships" r:embed="rId7">
-            <a:extLst>
-              <a:ext uri="{28A0092B-C50C-407E-A947-70E740481C1C}">
-                <a14:useLocalDpi xmlns:a14="http://schemas.microsoft.com/office/drawing/2010/main" val="0"/>
-              </a:ext>
-              <a:ext uri="{96DAC541-7B7A-43D3-8B79-37D633B846F1}">
-                <asvg:svgBlip xmlns:asvg="http://schemas.microsoft.com/office/drawing/2016/SVG/main" r:embed="rId8"/>
-              </a:ext>
-            </a:extLst>
-          </a:blip>
-          <a:stretch>
-            <a:fillRect/>
-          </a:stretch>
-        </a:blipFill>
-        <a:ln w="12700" cap="flat" cmpd="sng" algn="ctr">
-          <a:solidFill>
-            <a:schemeClr val="lt1">
-              <a:hueOff val="0"/>
-              <a:satOff val="0"/>
-              <a:lumOff val="0"/>
-              <a:alphaOff val="0"/>
-            </a:schemeClr>
-          </a:solidFill>
-          <a:prstDash val="solid"/>
-          <a:miter lim="800000"/>
-        </a:ln>
-        <a:effectLst/>
-      </dsp:spPr>
-      <dsp:style>
-        <a:lnRef idx="2">
-          <a:scrgbClr r="0" g="0" b="0"/>
-        </a:lnRef>
-        <a:fillRef idx="1">
-          <a:scrgbClr r="0" g="0" b="0"/>
-        </a:fillRef>
-        <a:effectRef idx="0">
-          <a:scrgbClr r="0" g="0" b="0"/>
-        </a:effectRef>
-        <a:fontRef idx="minor">
-          <a:schemeClr val="lt1"/>
-        </a:fontRef>
-      </dsp:style>
-    </dsp:sp>
-    <dsp:sp modelId="{EBC9B998-FD50-4523-BCD1-78AED6D8D69C}">
-      <dsp:nvSpPr>
-        <dsp:cNvPr id="0" name=""/>
-        <dsp:cNvSpPr/>
-      </dsp:nvSpPr>
-      <dsp:spPr>
-        <a:xfrm>
-          <a:off x="6271345" y="2584277"/>
-          <a:ext cx="2740196" cy="1162507"/>
-        </a:xfrm>
-        <a:prstGeom prst="rect">
-          <a:avLst/>
-        </a:prstGeom>
-        <a:noFill/>
-        <a:ln>
-          <a:noFill/>
-        </a:ln>
-        <a:effectLst/>
-      </dsp:spPr>
-      <dsp:style>
-        <a:lnRef idx="0">
-          <a:scrgbClr r="0" g="0" b="0"/>
-        </a:lnRef>
-        <a:fillRef idx="0">
-          <a:scrgbClr r="0" g="0" b="0"/>
-        </a:fillRef>
-        <a:effectRef idx="0">
-          <a:scrgbClr r="0" g="0" b="0"/>
-        </a:effectRef>
-        <a:fontRef idx="minor"/>
-      </dsp:style>
-      <dsp:txBody>
-        <a:bodyPr spcFirstLastPara="0" vert="horz" wrap="square" lIns="0" tIns="0" rIns="0" bIns="0" numCol="1" spcCol="1270" anchor="ctr" anchorCtr="0">
-          <a:noAutofit/>
-        </a:bodyPr>
-        <a:lstStyle/>
-        <a:p>
-          <a:pPr marL="0" lvl="0" indent="0" algn="l" defTabSz="1244600">
-            <a:lnSpc>
-              <a:spcPct val="100000"/>
-            </a:lnSpc>
-            <a:spcBef>
-              <a:spcPct val="0"/>
-            </a:spcBef>
-            <a:spcAft>
-              <a:spcPct val="35000"/>
-            </a:spcAft>
-            <a:buNone/>
-          </a:pPr>
-          <a:r>
-            <a:rPr lang="en-US" sz="2800" kern="1200" dirty="0"/>
-            <a:t>Completing project on limited time</a:t>
-          </a:r>
-        </a:p>
-      </dsp:txBody>
-      <dsp:txXfrm>
-        <a:off x="6271345" y="2584277"/>
-        <a:ext cx="2740196" cy="1162507"/>
-      </dsp:txXfrm>
-    </dsp:sp>
-  </dsp:spTree>
-</dsp:drawing>
-</file>
-
-<file path=ppt/diagrams/drawing5.xml><?xml version="1.0" encoding="utf-8"?>
-<dsp:drawing xmlns:dgm="http://schemas.openxmlformats.org/drawingml/2006/diagram" xmlns:dsp="http://schemas.microsoft.com/office/drawing/2008/diagram" xmlns:a="http://schemas.openxmlformats.org/drawingml/2006/main">
-  <dsp:spTree>
-    <dsp:nvGrpSpPr>
-      <dsp:cNvPr id="0" name=""/>
-      <dsp:cNvGrpSpPr/>
-    </dsp:nvGrpSpPr>
-    <dsp:grpSpPr/>
     <dsp:sp modelId="{E5881B53-5A07-4AEB-87C0-E42755423B86}">
       <dsp:nvSpPr>
         <dsp:cNvPr id="0" name=""/>
@@ -8720,8 +6671,8 @@
       </dsp:nvSpPr>
       <dsp:spPr>
         <a:xfrm>
-          <a:off x="953194" y="557417"/>
-          <a:ext cx="914637" cy="914637"/>
+          <a:off x="271761" y="1726787"/>
+          <a:ext cx="1246605" cy="1134325"/>
         </a:xfrm>
         <a:prstGeom prst="ellipse">
           <a:avLst/>
@@ -8760,8 +6711,8 @@
       </dsp:nvSpPr>
       <dsp:spPr>
         <a:xfrm>
-          <a:off x="1145268" y="749491"/>
-          <a:ext cx="530489" cy="530489"/>
+          <a:off x="612190" y="2030844"/>
+          <a:ext cx="601266" cy="458607"/>
         </a:xfrm>
         <a:prstGeom prst="rect">
           <a:avLst/>
@@ -8817,8 +6768,8 @@
       </dsp:nvSpPr>
       <dsp:spPr>
         <a:xfrm>
-          <a:off x="1996981" y="235771"/>
-          <a:ext cx="2289620" cy="1557929"/>
+          <a:off x="1650879" y="1175984"/>
+          <a:ext cx="2600334" cy="1709720"/>
         </a:xfrm>
         <a:prstGeom prst="rect">
           <a:avLst/>
@@ -8847,7 +6798,7 @@
         </a:bodyPr>
         <a:lstStyle/>
         <a:p>
-          <a:pPr marL="0" lvl="0" indent="0" algn="l" defTabSz="1066800">
+          <a:pPr marL="0" lvl="0" indent="0" algn="l" defTabSz="977900">
             <a:lnSpc>
               <a:spcPct val="100000"/>
             </a:lnSpc>
@@ -8860,14 +6811,14 @@
             <a:buNone/>
           </a:pPr>
           <a:r>
-            <a:rPr lang="en-US" sz="2400" kern="1200" dirty="0"/>
+            <a:rPr lang="en-US" sz="2200" kern="1200" dirty="0"/>
             <a:t>This project is appropriate for user who needs a place to save PDF files.</a:t>
           </a:r>
         </a:p>
       </dsp:txBody>
       <dsp:txXfrm>
-        <a:off x="1996981" y="235771"/>
-        <a:ext cx="2289620" cy="1557929"/>
+        <a:off x="1650879" y="1175984"/>
+        <a:ext cx="2600334" cy="1709720"/>
       </dsp:txXfrm>
     </dsp:sp>
     <dsp:sp modelId="{3C9ACCA1-0FED-4280-9947-A5A590C3FB33}">
@@ -8877,8 +6828,8 @@
       </dsp:nvSpPr>
       <dsp:spPr>
         <a:xfrm>
-          <a:off x="4333782" y="566298"/>
-          <a:ext cx="914637" cy="914637"/>
+          <a:off x="4554649" y="1765105"/>
+          <a:ext cx="1293763" cy="902713"/>
         </a:xfrm>
         <a:prstGeom prst="ellipse">
           <a:avLst/>
@@ -8917,8 +6868,8 @@
       </dsp:nvSpPr>
       <dsp:spPr>
         <a:xfrm>
-          <a:off x="4516981" y="749491"/>
-          <a:ext cx="530489" cy="530489"/>
+          <a:off x="4897024" y="1979480"/>
+          <a:ext cx="672057" cy="458607"/>
         </a:xfrm>
         <a:prstGeom prst="rect">
           <a:avLst/>
@@ -8974,8 +6925,8 @@
       </dsp:nvSpPr>
       <dsp:spPr>
         <a:xfrm>
-          <a:off x="5592640" y="24828"/>
-          <a:ext cx="2516424" cy="1979815"/>
+          <a:off x="6700571" y="1335259"/>
+          <a:ext cx="2175444" cy="1711546"/>
         </a:xfrm>
         <a:prstGeom prst="rect">
           <a:avLst/>
@@ -9004,7 +6955,7 @@
         </a:bodyPr>
         <a:lstStyle/>
         <a:p>
-          <a:pPr marL="0" lvl="0" indent="0" algn="l" defTabSz="889000">
+          <a:pPr marL="0" lvl="0" indent="0" algn="l" defTabSz="977900">
             <a:lnSpc>
               <a:spcPct val="100000"/>
             </a:lnSpc>
@@ -9017,328 +6968,14 @@
             <a:buNone/>
           </a:pPr>
           <a:r>
-            <a:rPr lang="en-US" sz="2000" kern="1200" dirty="0"/>
+            <a:rPr lang="en-US" sz="2200" kern="1200" dirty="0"/>
             <a:t>Based on the project's features, we can say that it makes it simple for users to track down files by performing searching operations and adding comments for reference.</a:t>
           </a:r>
         </a:p>
       </dsp:txBody>
       <dsp:txXfrm>
-        <a:off x="5592640" y="24828"/>
-        <a:ext cx="2516424" cy="1979815"/>
-      </dsp:txXfrm>
-    </dsp:sp>
-    <dsp:sp modelId="{38868374-3CB9-4600-A562-3E4134B23698}">
-      <dsp:nvSpPr>
-        <dsp:cNvPr id="0" name=""/>
-        <dsp:cNvSpPr/>
-      </dsp:nvSpPr>
-      <dsp:spPr>
-        <a:xfrm>
-          <a:off x="953194" y="3116866"/>
-          <a:ext cx="914637" cy="914637"/>
-        </a:xfrm>
-        <a:prstGeom prst="ellipse">
-          <a:avLst/>
-        </a:prstGeom>
-        <a:solidFill>
-          <a:schemeClr val="accent1">
-            <a:tint val="40000"/>
-            <a:hueOff val="0"/>
-            <a:satOff val="0"/>
-            <a:lumOff val="0"/>
-            <a:alphaOff val="0"/>
-          </a:schemeClr>
-        </a:solidFill>
-        <a:ln>
-          <a:noFill/>
-        </a:ln>
-        <a:effectLst/>
-      </dsp:spPr>
-      <dsp:style>
-        <a:lnRef idx="0">
-          <a:scrgbClr r="0" g="0" b="0"/>
-        </a:lnRef>
-        <a:fillRef idx="1">
-          <a:scrgbClr r="0" g="0" b="0"/>
-        </a:fillRef>
-        <a:effectRef idx="0">
-          <a:scrgbClr r="0" g="0" b="0"/>
-        </a:effectRef>
-        <a:fontRef idx="minor"/>
-      </dsp:style>
-    </dsp:sp>
-    <dsp:sp modelId="{A61FAC3D-6C43-4E88-A6C6-AFA73BBCAF46}">
-      <dsp:nvSpPr>
-        <dsp:cNvPr id="0" name=""/>
-        <dsp:cNvSpPr/>
-      </dsp:nvSpPr>
-      <dsp:spPr>
-        <a:xfrm>
-          <a:off x="1145268" y="3308939"/>
-          <a:ext cx="530489" cy="530489"/>
-        </a:xfrm>
-        <a:prstGeom prst="rect">
-          <a:avLst/>
-        </a:prstGeom>
-        <a:blipFill>
-          <a:blip xmlns:r="http://schemas.openxmlformats.org/officeDocument/2006/relationships" r:embed="rId5">
-            <a:extLst>
-              <a:ext uri="{28A0092B-C50C-407E-A947-70E740481C1C}">
-                <a14:useLocalDpi xmlns:a14="http://schemas.microsoft.com/office/drawing/2010/main" val="0"/>
-              </a:ext>
-              <a:ext uri="{96DAC541-7B7A-43D3-8B79-37D633B846F1}">
-                <asvg:svgBlip xmlns:asvg="http://schemas.microsoft.com/office/drawing/2016/SVG/main" r:embed="rId6"/>
-              </a:ext>
-            </a:extLst>
-          </a:blip>
-          <a:stretch>
-            <a:fillRect/>
-          </a:stretch>
-        </a:blipFill>
-        <a:ln w="12700" cap="flat" cmpd="sng" algn="ctr">
-          <a:solidFill>
-            <a:schemeClr val="lt1">
-              <a:hueOff val="0"/>
-              <a:satOff val="0"/>
-              <a:lumOff val="0"/>
-              <a:alphaOff val="0"/>
-            </a:schemeClr>
-          </a:solidFill>
-          <a:prstDash val="solid"/>
-          <a:miter lim="800000"/>
-        </a:ln>
-        <a:effectLst/>
-      </dsp:spPr>
-      <dsp:style>
-        <a:lnRef idx="2">
-          <a:scrgbClr r="0" g="0" b="0"/>
-        </a:lnRef>
-        <a:fillRef idx="1">
-          <a:scrgbClr r="0" g="0" b="0"/>
-        </a:fillRef>
-        <a:effectRef idx="0">
-          <a:scrgbClr r="0" g="0" b="0"/>
-        </a:effectRef>
-        <a:fontRef idx="minor">
-          <a:schemeClr val="lt1"/>
-        </a:fontRef>
-      </dsp:style>
-    </dsp:sp>
-    <dsp:sp modelId="{036E5CE2-62EE-4D20-A470-F19465AC7B48}">
-      <dsp:nvSpPr>
-        <dsp:cNvPr id="0" name=""/>
-        <dsp:cNvSpPr/>
-      </dsp:nvSpPr>
-      <dsp:spPr>
-        <a:xfrm>
-          <a:off x="1925134" y="2969225"/>
-          <a:ext cx="2433313" cy="1209919"/>
-        </a:xfrm>
-        <a:prstGeom prst="rect">
-          <a:avLst/>
-        </a:prstGeom>
-        <a:noFill/>
-        <a:ln>
-          <a:noFill/>
-        </a:ln>
-        <a:effectLst/>
-      </dsp:spPr>
-      <dsp:style>
-        <a:lnRef idx="0">
-          <a:scrgbClr r="0" g="0" b="0"/>
-        </a:lnRef>
-        <a:fillRef idx="0">
-          <a:scrgbClr r="0" g="0" b="0"/>
-        </a:fillRef>
-        <a:effectRef idx="0">
-          <a:scrgbClr r="0" g="0" b="0"/>
-        </a:effectRef>
-        <a:fontRef idx="minor"/>
-      </dsp:style>
-      <dsp:txBody>
-        <a:bodyPr spcFirstLastPara="0" vert="horz" wrap="square" lIns="0" tIns="0" rIns="0" bIns="0" numCol="1" spcCol="1270" anchor="ctr" anchorCtr="0">
-          <a:noAutofit/>
-        </a:bodyPr>
-        <a:lstStyle/>
-        <a:p>
-          <a:pPr marL="0" lvl="0" indent="0" algn="l" defTabSz="1066800">
-            <a:lnSpc>
-              <a:spcPct val="100000"/>
-            </a:lnSpc>
-            <a:spcBef>
-              <a:spcPct val="0"/>
-            </a:spcBef>
-            <a:spcAft>
-              <a:spcPct val="35000"/>
-            </a:spcAft>
-            <a:buNone/>
-          </a:pPr>
-          <a:r>
-            <a:rPr lang="en-US" sz="2400" kern="1200" dirty="0"/>
-            <a:t>We performed tasks according to the schedule.</a:t>
-          </a:r>
-        </a:p>
-      </dsp:txBody>
-      <dsp:txXfrm>
-        <a:off x="1925134" y="2969225"/>
-        <a:ext cx="2433313" cy="1209919"/>
-      </dsp:txXfrm>
-    </dsp:sp>
-    <dsp:sp modelId="{83CB8888-72D7-43E8-81BF-1D8A2939822F}">
-      <dsp:nvSpPr>
-        <dsp:cNvPr id="0" name=""/>
-        <dsp:cNvSpPr/>
-      </dsp:nvSpPr>
-      <dsp:spPr>
-        <a:xfrm>
-          <a:off x="4378994" y="3143500"/>
-          <a:ext cx="914637" cy="914637"/>
-        </a:xfrm>
-        <a:prstGeom prst="ellipse">
-          <a:avLst/>
-        </a:prstGeom>
-        <a:solidFill>
-          <a:schemeClr val="accent1">
-            <a:tint val="40000"/>
-            <a:hueOff val="0"/>
-            <a:satOff val="0"/>
-            <a:lumOff val="0"/>
-            <a:alphaOff val="0"/>
-          </a:schemeClr>
-        </a:solidFill>
-        <a:ln>
-          <a:noFill/>
-        </a:ln>
-        <a:effectLst/>
-      </dsp:spPr>
-      <dsp:style>
-        <a:lnRef idx="0">
-          <a:scrgbClr r="0" g="0" b="0"/>
-        </a:lnRef>
-        <a:fillRef idx="1">
-          <a:scrgbClr r="0" g="0" b="0"/>
-        </a:fillRef>
-        <a:effectRef idx="0">
-          <a:scrgbClr r="0" g="0" b="0"/>
-        </a:effectRef>
-        <a:fontRef idx="minor"/>
-      </dsp:style>
-    </dsp:sp>
-    <dsp:sp modelId="{235330C8-40EF-4AC4-AE6B-292B25A9846A}">
-      <dsp:nvSpPr>
-        <dsp:cNvPr id="0" name=""/>
-        <dsp:cNvSpPr/>
-      </dsp:nvSpPr>
-      <dsp:spPr>
-        <a:xfrm>
-          <a:off x="4597702" y="3308939"/>
-          <a:ext cx="530489" cy="530489"/>
-        </a:xfrm>
-        <a:prstGeom prst="rect">
-          <a:avLst/>
-        </a:prstGeom>
-        <a:blipFill>
-          <a:blip xmlns:r="http://schemas.openxmlformats.org/officeDocument/2006/relationships" r:embed="rId7">
-            <a:extLst>
-              <a:ext uri="{28A0092B-C50C-407E-A947-70E740481C1C}">
-                <a14:useLocalDpi xmlns:a14="http://schemas.microsoft.com/office/drawing/2010/main" val="0"/>
-              </a:ext>
-              <a:ext uri="{96DAC541-7B7A-43D3-8B79-37D633B846F1}">
-                <asvg:svgBlip xmlns:asvg="http://schemas.microsoft.com/office/drawing/2016/SVG/main" r:embed="rId8"/>
-              </a:ext>
-            </a:extLst>
-          </a:blip>
-          <a:stretch>
-            <a:fillRect/>
-          </a:stretch>
-        </a:blipFill>
-        <a:ln w="12700" cap="flat" cmpd="sng" algn="ctr">
-          <a:solidFill>
-            <a:schemeClr val="lt1">
-              <a:hueOff val="0"/>
-              <a:satOff val="0"/>
-              <a:lumOff val="0"/>
-              <a:alphaOff val="0"/>
-            </a:schemeClr>
-          </a:solidFill>
-          <a:prstDash val="solid"/>
-          <a:miter lim="800000"/>
-        </a:ln>
-        <a:effectLst/>
-      </dsp:spPr>
-      <dsp:style>
-        <a:lnRef idx="2">
-          <a:scrgbClr r="0" g="0" b="0"/>
-        </a:lnRef>
-        <a:fillRef idx="1">
-          <a:scrgbClr r="0" g="0" b="0"/>
-        </a:fillRef>
-        <a:effectRef idx="0">
-          <a:scrgbClr r="0" g="0" b="0"/>
-        </a:effectRef>
-        <a:fontRef idx="minor">
-          <a:schemeClr val="lt1"/>
-        </a:fontRef>
-      </dsp:style>
-    </dsp:sp>
-    <dsp:sp modelId="{350CE0F6-6733-4BEC-9676-B681153761CB}">
-      <dsp:nvSpPr>
-        <dsp:cNvPr id="0" name=""/>
-        <dsp:cNvSpPr/>
-      </dsp:nvSpPr>
-      <dsp:spPr>
-        <a:xfrm>
-          <a:off x="5556593" y="2755630"/>
-          <a:ext cx="2732211" cy="1637109"/>
-        </a:xfrm>
-        <a:prstGeom prst="rect">
-          <a:avLst/>
-        </a:prstGeom>
-        <a:noFill/>
-        <a:ln>
-          <a:noFill/>
-        </a:ln>
-        <a:effectLst/>
-      </dsp:spPr>
-      <dsp:style>
-        <a:lnRef idx="0">
-          <a:scrgbClr r="0" g="0" b="0"/>
-        </a:lnRef>
-        <a:fillRef idx="0">
-          <a:scrgbClr r="0" g="0" b="0"/>
-        </a:fillRef>
-        <a:effectRef idx="0">
-          <a:scrgbClr r="0" g="0" b="0"/>
-        </a:effectRef>
-        <a:fontRef idx="minor"/>
-      </dsp:style>
-      <dsp:txBody>
-        <a:bodyPr spcFirstLastPara="0" vert="horz" wrap="square" lIns="0" tIns="0" rIns="0" bIns="0" numCol="1" spcCol="1270" anchor="ctr" anchorCtr="0">
-          <a:noAutofit/>
-        </a:bodyPr>
-        <a:lstStyle/>
-        <a:p>
-          <a:pPr marL="0" lvl="0" indent="0" algn="l" defTabSz="1066800">
-            <a:lnSpc>
-              <a:spcPct val="100000"/>
-            </a:lnSpc>
-            <a:spcBef>
-              <a:spcPct val="0"/>
-            </a:spcBef>
-            <a:spcAft>
-              <a:spcPct val="35000"/>
-            </a:spcAft>
-            <a:buNone/>
-          </a:pPr>
-          <a:r>
-            <a:rPr lang="en-US" sz="2400" kern="1200" dirty="0"/>
-            <a:t>We have successfully completed our project on time.</a:t>
-          </a:r>
-        </a:p>
-      </dsp:txBody>
-      <dsp:txXfrm>
-        <a:off x="5556593" y="2755630"/>
-        <a:ext cx="2732211" cy="1637109"/>
+        <a:off x="6700571" y="1335259"/>
+        <a:ext cx="2175444" cy="1711546"/>
       </dsp:txXfrm>
     </dsp:sp>
   </dsp:spTree>
@@ -10268,218 +7905,6 @@
 </dgm:layoutDef>
 </file>
 
-<file path=ppt/diagrams/layout5.xml><?xml version="1.0" encoding="utf-8"?>
-<dgm:layoutDef xmlns:dgm="http://schemas.openxmlformats.org/drawingml/2006/diagram" xmlns:a="http://schemas.openxmlformats.org/drawingml/2006/main" uniqueId="urn:microsoft.com/office/officeart/2018/2/layout/IconCircleList">
-  <dgm:title val="Icon Circle List"/>
-  <dgm:desc val="Use to show non-sequential or grouped chunks of information accompanied by related visuals. Circular shapes can hold an icon or small picture and corresponding text box shows Level 1 text. Works best for icons or small pictures with medium-length descriptions."/>
-  <dgm:catLst>
-    <dgm:cat type="icon" pri="500"/>
-  </dgm:catLst>
-  <dgm:sampData useDef="1">
-    <dgm:dataModel>
-      <dgm:ptLst/>
-      <dgm:bg/>
-      <dgm:whole/>
-    </dgm:dataModel>
-  </dgm:sampData>
-  <dgm:styleData useDef="1">
-    <dgm:dataModel>
-      <dgm:ptLst/>
-      <dgm:bg/>
-      <dgm:whole/>
-    </dgm:dataModel>
-  </dgm:styleData>
-  <dgm:clrData useDef="1">
-    <dgm:dataModel>
-      <dgm:ptLst/>
-      <dgm:bg/>
-      <dgm:whole/>
-    </dgm:dataModel>
-  </dgm:clrData>
-  <dgm:layoutNode name="root">
-    <dgm:varLst>
-      <dgm:dir/>
-      <dgm:resizeHandles val="exact"/>
-    </dgm:varLst>
-    <dgm:alg type="sp"/>
-    <dgm:shape xmlns:r="http://schemas.openxmlformats.org/officeDocument/2006/relationships" r:blip="">
-      <dgm:adjLst/>
-    </dgm:shape>
-    <dgm:presOf/>
-    <dgm:choose name="Name0">
-      <dgm:if name="Name1" axis="ch" ptType="node" func="cnt" op="lte" val="3">
-        <dgm:constrLst>
-          <dgm:constr type="w" for="ch" forName="container" refType="w"/>
-          <dgm:constr type="h" for="ch" forName="container" refType="h" fact="0.4"/>
-        </dgm:constrLst>
-      </dgm:if>
-      <dgm:else name="Name2">
-        <dgm:constrLst>
-          <dgm:constr type="w" for="ch" forName="container" refType="w"/>
-          <dgm:constr type="h" for="ch" forName="container" refType="h"/>
-        </dgm:constrLst>
-      </dgm:else>
-    </dgm:choose>
-    <dgm:ruleLst>
-      <dgm:rule type="h" for="ch" forName="container" val="INF" fact="NaN" max="NaN"/>
-    </dgm:ruleLst>
-    <dgm:layoutNode name="container">
-      <dgm:varLst>
-        <dgm:dir/>
-        <dgm:resizeHandles val="exact"/>
-      </dgm:varLst>
-      <dgm:choose name="Name3">
-        <dgm:if name="Name4" axis="self" func="var" arg="dir" op="equ" val="norm">
-          <dgm:alg type="snake">
-            <dgm:param type="grDir" val="tL"/>
-            <dgm:param type="flowDir" val="row"/>
-            <dgm:param type="contDir" val="sameDir"/>
-          </dgm:alg>
-        </dgm:if>
-        <dgm:else name="Name5">
-          <dgm:alg type="snake">
-            <dgm:param type="grDir" val="tR"/>
-            <dgm:param type="flowDir" val="row"/>
-            <dgm:param type="contDir" val="sameDir"/>
-          </dgm:alg>
-        </dgm:else>
-      </dgm:choose>
-      <dgm:shape xmlns:r="http://schemas.openxmlformats.org/officeDocument/2006/relationships" r:blip="">
-        <dgm:adjLst/>
-      </dgm:shape>
-      <dgm:presOf/>
-      <dgm:constrLst>
-        <dgm:constr type="w" for="ch" forName="compNode" refType="w"/>
-        <dgm:constr type="h" for="ch" forName="compNode" refType="w" fact="0.28"/>
-        <dgm:constr type="w" for="ch" forName="sibTrans" refType="w" refFor="ch" refForName="compNode" fact="0.115"/>
-        <dgm:constr type="sp" refType="h" op="equ" fact="0.17"/>
-        <dgm:constr type="primFontSz" for="des" ptType="node" op="equ" val="24"/>
-        <dgm:constr type="h" for="des" forName="compNode" op="equ"/>
-        <dgm:constr type="h" for="des" forName="iconBgRect" op="equ"/>
-      </dgm:constrLst>
-      <dgm:ruleLst>
-        <dgm:rule type="w" for="ch" forName="compNode" val="60" fact="NaN" max="NaN"/>
-      </dgm:ruleLst>
-      <dgm:forEach name="Name6" axis="ch" ptType="node">
-        <dgm:layoutNode name="compNode">
-          <dgm:alg type="composite"/>
-          <dgm:shape xmlns:r="http://schemas.openxmlformats.org/officeDocument/2006/relationships" r:blip="">
-            <dgm:adjLst/>
-          </dgm:shape>
-          <dgm:presOf axis="self"/>
-          <dgm:constrLst>
-            <dgm:constr type="w" for="ch" forName="iconBgRect" refType="w" fact="0.28"/>
-            <dgm:constr type="h" for="ch" forName="iconBgRect" refType="w" refFor="ch" refForName="iconBgRect"/>
-            <dgm:constr type="t" for="ch" forName="iconBgRect"/>
-            <dgm:constr type="l" for="ch" forName="iconBgRect"/>
-            <dgm:constr type="w" for="ch" forName="iconRect" refType="w" refFor="ch" refForName="iconBgRect" fact="0.58"/>
-            <dgm:constr type="h" for="ch" forName="iconRect" refType="w" refFor="ch" refForName="iconRect"/>
-            <dgm:constr type="ctrX" for="ch" forName="iconRect" refType="ctrX" refFor="ch" refForName="iconBgRect"/>
-            <dgm:constr type="ctrY" for="ch" forName="iconRect" refType="ctrY" refFor="ch" refForName="iconBgRect"/>
-            <dgm:constr type="w" for="ch" forName="spaceRect" refType="w" fact="0.06"/>
-            <dgm:constr type="h" for="ch" forName="spaceRect" refType="h" refFor="ch" refForName="iconBgRect"/>
-            <dgm:constr type="t" for="ch" forName="spaceRect" refType="t" refFor="ch" refForName="iconBgRect"/>
-            <dgm:constr type="l" for="ch" forName="spaceRect" refType="r" refFor="ch" refForName="iconBgRect"/>
-            <dgm:constr type="h" for="ch" forName="textRect" refType="h" refFor="ch" refForName="iconBgRect"/>
-            <dgm:constr type="t" for="ch" forName="textRect" refType="t" refFor="ch" refForName="iconBgRect"/>
-            <dgm:constr type="l" for="ch" forName="textRect" refType="r" refFor="ch" refForName="spaceRect"/>
-          </dgm:constrLst>
-          <dgm:ruleLst/>
-          <dgm:layoutNode name="iconBgRect" styleLbl="bgShp">
-            <dgm:alg type="sp"/>
-            <dgm:shape xmlns:r="http://schemas.openxmlformats.org/officeDocument/2006/relationships" type="ellipse" r:blip="">
-              <dgm:adjLst/>
-            </dgm:shape>
-            <dgm:presOf/>
-            <dgm:constrLst/>
-            <dgm:ruleLst/>
-          </dgm:layoutNode>
-          <dgm:layoutNode name="iconRect" styleLbl="node1">
-            <dgm:alg type="sp"/>
-            <dgm:shape xmlns:r="http://schemas.openxmlformats.org/officeDocument/2006/relationships" type="rect" r:blip="" blipPhldr="1">
-              <dgm:adjLst/>
-            </dgm:shape>
-            <dgm:presOf/>
-            <dgm:constrLst/>
-            <dgm:ruleLst/>
-          </dgm:layoutNode>
-          <dgm:layoutNode name="spaceRect">
-            <dgm:alg type="sp"/>
-            <dgm:shape xmlns:r="http://schemas.openxmlformats.org/officeDocument/2006/relationships" r:blip="">
-              <dgm:adjLst/>
-            </dgm:shape>
-            <dgm:presOf/>
-            <dgm:constrLst/>
-            <dgm:ruleLst/>
-          </dgm:layoutNode>
-          <dgm:layoutNode name="textRect" styleLbl="revTx">
-            <dgm:varLst>
-              <dgm:chMax val="1"/>
-              <dgm:chPref val="1"/>
-            </dgm:varLst>
-            <dgm:choose name="Name7">
-              <dgm:if name="Name8" func="var" arg="dir" op="equ" val="norm">
-                <dgm:alg type="tx">
-                  <dgm:param type="txAnchorVert" val="mid"/>
-                  <dgm:param type="parTxLTRAlign" val="l"/>
-                  <dgm:param type="shpTxLTRAlignCh" val="l"/>
-                  <dgm:param type="parTxRTLAlign" val="l"/>
-                  <dgm:param type="shpTxRTLAlignCh" val="l"/>
-                </dgm:alg>
-              </dgm:if>
-              <dgm:else name="Name9">
-                <dgm:alg type="tx">
-                  <dgm:param type="txAnchorVert" val="mid"/>
-                  <dgm:param type="parTxLTRAlign" val="r"/>
-                  <dgm:param type="shpTxLTRAlignCh" val="r"/>
-                  <dgm:param type="parTxRTLAlign" val="r"/>
-                  <dgm:param type="shpTxRTLAlignCh" val="r"/>
-                </dgm:alg>
-              </dgm:else>
-            </dgm:choose>
-            <dgm:shape xmlns:r="http://schemas.openxmlformats.org/officeDocument/2006/relationships" type="rect" r:blip="">
-              <dgm:adjLst/>
-            </dgm:shape>
-            <dgm:presOf axis="self" ptType="node"/>
-            <dgm:constrLst>
-              <dgm:constr type="lMarg"/>
-              <dgm:constr type="rMarg"/>
-              <dgm:constr type="tMarg"/>
-              <dgm:constr type="bMarg"/>
-            </dgm:constrLst>
-            <dgm:ruleLst>
-              <dgm:rule type="primFontSz" val="11" fact="NaN" max="NaN"/>
-            </dgm:ruleLst>
-          </dgm:layoutNode>
-        </dgm:layoutNode>
-        <dgm:forEach name="Name10" axis="followSib" ptType="sibTrans" cnt="1">
-          <dgm:layoutNode name="sibTrans">
-            <dgm:alg type="sp"/>
-            <dgm:shape xmlns:r="http://schemas.openxmlformats.org/officeDocument/2006/relationships" type="rect" r:blip="" hideGeom="1">
-              <dgm:adjLst/>
-            </dgm:shape>
-            <dgm:presOf axis="self"/>
-            <dgm:constrLst/>
-            <dgm:ruleLst/>
-          </dgm:layoutNode>
-        </dgm:forEach>
-      </dgm:forEach>
-    </dgm:layoutNode>
-  </dgm:layoutNode>
-  <dgm:extLst>
-    <a:ext uri="{68A01E43-0DF5-4B5B-8FA6-DAF915123BFB}">
-      <dgm1612:lstStyle xmlns:dgm1612="http://schemas.microsoft.com/office/drawing/2016/12/diagram">
-        <a:lvl1pPr>
-          <a:lnSpc>
-            <a:spcPct val="100000"/>
-          </a:lnSpc>
-        </a:lvl1pPr>
-      </dgm1612:lstStyle>
-    </a:ext>
-  </dgm:extLst>
-</dgm:layoutDef>
-</file>
-
 <file path=ppt/diagrams/quickStyle1.xml><?xml version="1.0" encoding="utf-8"?>
 <dgm:styleDef xmlns:dgm="http://schemas.openxmlformats.org/drawingml/2006/diagram" xmlns:a="http://schemas.openxmlformats.org/drawingml/2006/main" uniqueId="urn:microsoft.com/office/officeart/2005/8/quickstyle/simple4">
   <dgm:title val=""/>
@@ -13583,1040 +11008,6 @@
 </file>
 
 <file path=ppt/diagrams/quickStyle4.xml><?xml version="1.0" encoding="utf-8"?>
-<dgm:styleDef xmlns:dgm="http://schemas.openxmlformats.org/drawingml/2006/diagram" xmlns:a="http://schemas.openxmlformats.org/drawingml/2006/main" uniqueId="urn:microsoft.com/office/officeart/2005/8/quickstyle/simple1">
-  <dgm:title val=""/>
-  <dgm:desc val=""/>
-  <dgm:catLst>
-    <dgm:cat type="simple" pri="10100"/>
-  </dgm:catLst>
-  <dgm:scene3d>
-    <a:camera prst="orthographicFront"/>
-    <a:lightRig rig="threePt" dir="t"/>
-  </dgm:scene3d>
-  <dgm:styleLbl name="node0">
-    <dgm:scene3d>
-      <a:camera prst="orthographicFront"/>
-      <a:lightRig rig="threePt" dir="t"/>
-    </dgm:scene3d>
-    <dgm:sp3d/>
-    <dgm:txPr/>
-    <dgm:style>
-      <a:lnRef idx="2">
-        <a:scrgbClr r="0" g="0" b="0"/>
-      </a:lnRef>
-      <a:fillRef idx="1">
-        <a:scrgbClr r="0" g="0" b="0"/>
-      </a:fillRef>
-      <a:effectRef idx="0">
-        <a:scrgbClr r="0" g="0" b="0"/>
-      </a:effectRef>
-      <a:fontRef idx="minor">
-        <a:schemeClr val="lt1"/>
-      </a:fontRef>
-    </dgm:style>
-  </dgm:styleLbl>
-  <dgm:styleLbl name="lnNode1">
-    <dgm:scene3d>
-      <a:camera prst="orthographicFront"/>
-      <a:lightRig rig="threePt" dir="t"/>
-    </dgm:scene3d>
-    <dgm:sp3d/>
-    <dgm:txPr/>
-    <dgm:style>
-      <a:lnRef idx="2">
-        <a:scrgbClr r="0" g="0" b="0"/>
-      </a:lnRef>
-      <a:fillRef idx="1">
-        <a:scrgbClr r="0" g="0" b="0"/>
-      </a:fillRef>
-      <a:effectRef idx="0">
-        <a:scrgbClr r="0" g="0" b="0"/>
-      </a:effectRef>
-      <a:fontRef idx="minor">
-        <a:schemeClr val="lt1"/>
-      </a:fontRef>
-    </dgm:style>
-  </dgm:styleLbl>
-  <dgm:styleLbl name="vennNode1">
-    <dgm:scene3d>
-      <a:camera prst="orthographicFront"/>
-      <a:lightRig rig="threePt" dir="t"/>
-    </dgm:scene3d>
-    <dgm:sp3d/>
-    <dgm:txPr/>
-    <dgm:style>
-      <a:lnRef idx="2">
-        <a:scrgbClr r="0" g="0" b="0"/>
-      </a:lnRef>
-      <a:fillRef idx="1">
-        <a:scrgbClr r="0" g="0" b="0"/>
-      </a:fillRef>
-      <a:effectRef idx="0">
-        <a:scrgbClr r="0" g="0" b="0"/>
-      </a:effectRef>
-      <a:fontRef idx="minor">
-        <a:schemeClr val="tx1"/>
-      </a:fontRef>
-    </dgm:style>
-  </dgm:styleLbl>
-  <dgm:styleLbl name="alignNode1">
-    <dgm:scene3d>
-      <a:camera prst="orthographicFront"/>
-      <a:lightRig rig="threePt" dir="t"/>
-    </dgm:scene3d>
-    <dgm:sp3d/>
-    <dgm:txPr/>
-    <dgm:style>
-      <a:lnRef idx="2">
-        <a:scrgbClr r="0" g="0" b="0"/>
-      </a:lnRef>
-      <a:fillRef idx="1">
-        <a:scrgbClr r="0" g="0" b="0"/>
-      </a:fillRef>
-      <a:effectRef idx="0">
-        <a:scrgbClr r="0" g="0" b="0"/>
-      </a:effectRef>
-      <a:fontRef idx="minor">
-        <a:schemeClr val="lt1"/>
-      </a:fontRef>
-    </dgm:style>
-  </dgm:styleLbl>
-  <dgm:styleLbl name="node1">
-    <dgm:scene3d>
-      <a:camera prst="orthographicFront"/>
-      <a:lightRig rig="threePt" dir="t"/>
-    </dgm:scene3d>
-    <dgm:sp3d/>
-    <dgm:txPr/>
-    <dgm:style>
-      <a:lnRef idx="2">
-        <a:scrgbClr r="0" g="0" b="0"/>
-      </a:lnRef>
-      <a:fillRef idx="1">
-        <a:scrgbClr r="0" g="0" b="0"/>
-      </a:fillRef>
-      <a:effectRef idx="0">
-        <a:scrgbClr r="0" g="0" b="0"/>
-      </a:effectRef>
-      <a:fontRef idx="minor">
-        <a:schemeClr val="lt1"/>
-      </a:fontRef>
-    </dgm:style>
-  </dgm:styleLbl>
-  <dgm:styleLbl name="node2">
-    <dgm:scene3d>
-      <a:camera prst="orthographicFront"/>
-      <a:lightRig rig="threePt" dir="t"/>
-    </dgm:scene3d>
-    <dgm:sp3d/>
-    <dgm:txPr/>
-    <dgm:style>
-      <a:lnRef idx="2">
-        <a:scrgbClr r="0" g="0" b="0"/>
-      </a:lnRef>
-      <a:fillRef idx="1">
-        <a:scrgbClr r="0" g="0" b="0"/>
-      </a:fillRef>
-      <a:effectRef idx="0">
-        <a:scrgbClr r="0" g="0" b="0"/>
-      </a:effectRef>
-      <a:fontRef idx="minor">
-        <a:schemeClr val="lt1"/>
-      </a:fontRef>
-    </dgm:style>
-  </dgm:styleLbl>
-  <dgm:styleLbl name="node3">
-    <dgm:scene3d>
-      <a:camera prst="orthographicFront"/>
-      <a:lightRig rig="threePt" dir="t"/>
-    </dgm:scene3d>
-    <dgm:sp3d/>
-    <dgm:txPr/>
-    <dgm:style>
-      <a:lnRef idx="2">
-        <a:scrgbClr r="0" g="0" b="0"/>
-      </a:lnRef>
-      <a:fillRef idx="1">
-        <a:scrgbClr r="0" g="0" b="0"/>
-      </a:fillRef>
-      <a:effectRef idx="0">
-        <a:scrgbClr r="0" g="0" b="0"/>
-      </a:effectRef>
-      <a:fontRef idx="minor">
-        <a:schemeClr val="lt1"/>
-      </a:fontRef>
-    </dgm:style>
-  </dgm:styleLbl>
-  <dgm:styleLbl name="node4">
-    <dgm:scene3d>
-      <a:camera prst="orthographicFront"/>
-      <a:lightRig rig="threePt" dir="t"/>
-    </dgm:scene3d>
-    <dgm:sp3d/>
-    <dgm:txPr/>
-    <dgm:style>
-      <a:lnRef idx="2">
-        <a:scrgbClr r="0" g="0" b="0"/>
-      </a:lnRef>
-      <a:fillRef idx="1">
-        <a:scrgbClr r="0" g="0" b="0"/>
-      </a:fillRef>
-      <a:effectRef idx="0">
-        <a:scrgbClr r="0" g="0" b="0"/>
-      </a:effectRef>
-      <a:fontRef idx="minor">
-        <a:schemeClr val="lt1"/>
-      </a:fontRef>
-    </dgm:style>
-  </dgm:styleLbl>
-  <dgm:styleLbl name="fgImgPlace1">
-    <dgm:scene3d>
-      <a:camera prst="orthographicFront"/>
-      <a:lightRig rig="threePt" dir="t"/>
-    </dgm:scene3d>
-    <dgm:sp3d/>
-    <dgm:txPr/>
-    <dgm:style>
-      <a:lnRef idx="2">
-        <a:scrgbClr r="0" g="0" b="0"/>
-      </a:lnRef>
-      <a:fillRef idx="1">
-        <a:scrgbClr r="0" g="0" b="0"/>
-      </a:fillRef>
-      <a:effectRef idx="0">
-        <a:scrgbClr r="0" g="0" b="0"/>
-      </a:effectRef>
-      <a:fontRef idx="minor"/>
-    </dgm:style>
-  </dgm:styleLbl>
-  <dgm:styleLbl name="alignImgPlace1">
-    <dgm:scene3d>
-      <a:camera prst="orthographicFront"/>
-      <a:lightRig rig="threePt" dir="t"/>
-    </dgm:scene3d>
-    <dgm:sp3d/>
-    <dgm:txPr/>
-    <dgm:style>
-      <a:lnRef idx="2">
-        <a:scrgbClr r="0" g="0" b="0"/>
-      </a:lnRef>
-      <a:fillRef idx="1">
-        <a:scrgbClr r="0" g="0" b="0"/>
-      </a:fillRef>
-      <a:effectRef idx="0">
-        <a:scrgbClr r="0" g="0" b="0"/>
-      </a:effectRef>
-      <a:fontRef idx="minor"/>
-    </dgm:style>
-  </dgm:styleLbl>
-  <dgm:styleLbl name="bgImgPlace1">
-    <dgm:scene3d>
-      <a:camera prst="orthographicFront"/>
-      <a:lightRig rig="threePt" dir="t"/>
-    </dgm:scene3d>
-    <dgm:sp3d/>
-    <dgm:txPr/>
-    <dgm:style>
-      <a:lnRef idx="2">
-        <a:scrgbClr r="0" g="0" b="0"/>
-      </a:lnRef>
-      <a:fillRef idx="1">
-        <a:scrgbClr r="0" g="0" b="0"/>
-      </a:fillRef>
-      <a:effectRef idx="0">
-        <a:scrgbClr r="0" g="0" b="0"/>
-      </a:effectRef>
-      <a:fontRef idx="minor"/>
-    </dgm:style>
-  </dgm:styleLbl>
-  <dgm:styleLbl name="sibTrans2D1">
-    <dgm:scene3d>
-      <a:camera prst="orthographicFront"/>
-      <a:lightRig rig="threePt" dir="t"/>
-    </dgm:scene3d>
-    <dgm:sp3d/>
-    <dgm:txPr/>
-    <dgm:style>
-      <a:lnRef idx="0">
-        <a:scrgbClr r="0" g="0" b="0"/>
-      </a:lnRef>
-      <a:fillRef idx="1">
-        <a:scrgbClr r="0" g="0" b="0"/>
-      </a:fillRef>
-      <a:effectRef idx="0">
-        <a:scrgbClr r="0" g="0" b="0"/>
-      </a:effectRef>
-      <a:fontRef idx="minor">
-        <a:schemeClr val="lt1"/>
-      </a:fontRef>
-    </dgm:style>
-  </dgm:styleLbl>
-  <dgm:styleLbl name="fgSibTrans2D1">
-    <dgm:scene3d>
-      <a:camera prst="orthographicFront"/>
-      <a:lightRig rig="threePt" dir="t"/>
-    </dgm:scene3d>
-    <dgm:sp3d/>
-    <dgm:txPr/>
-    <dgm:style>
-      <a:lnRef idx="0">
-        <a:scrgbClr r="0" g="0" b="0"/>
-      </a:lnRef>
-      <a:fillRef idx="1">
-        <a:scrgbClr r="0" g="0" b="0"/>
-      </a:fillRef>
-      <a:effectRef idx="0">
-        <a:scrgbClr r="0" g="0" b="0"/>
-      </a:effectRef>
-      <a:fontRef idx="minor">
-        <a:schemeClr val="lt1"/>
-      </a:fontRef>
-    </dgm:style>
-  </dgm:styleLbl>
-  <dgm:styleLbl name="bgSibTrans2D1">
-    <dgm:scene3d>
-      <a:camera prst="orthographicFront"/>
-      <a:lightRig rig="threePt" dir="t"/>
-    </dgm:scene3d>
-    <dgm:sp3d/>
-    <dgm:txPr/>
-    <dgm:style>
-      <a:lnRef idx="0">
-        <a:scrgbClr r="0" g="0" b="0"/>
-      </a:lnRef>
-      <a:fillRef idx="1">
-        <a:scrgbClr r="0" g="0" b="0"/>
-      </a:fillRef>
-      <a:effectRef idx="0">
-        <a:scrgbClr r="0" g="0" b="0"/>
-      </a:effectRef>
-      <a:fontRef idx="minor">
-        <a:schemeClr val="lt1"/>
-      </a:fontRef>
-    </dgm:style>
-  </dgm:styleLbl>
-  <dgm:styleLbl name="sibTrans1D1">
-    <dgm:scene3d>
-      <a:camera prst="orthographicFront"/>
-      <a:lightRig rig="threePt" dir="t"/>
-    </dgm:scene3d>
-    <dgm:sp3d/>
-    <dgm:txPr/>
-    <dgm:style>
-      <a:lnRef idx="1">
-        <a:scrgbClr r="0" g="0" b="0"/>
-      </a:lnRef>
-      <a:fillRef idx="0">
-        <a:scrgbClr r="0" g="0" b="0"/>
-      </a:fillRef>
-      <a:effectRef idx="0">
-        <a:scrgbClr r="0" g="0" b="0"/>
-      </a:effectRef>
-      <a:fontRef idx="minor"/>
-    </dgm:style>
-  </dgm:styleLbl>
-  <dgm:styleLbl name="callout">
-    <dgm:scene3d>
-      <a:camera prst="orthographicFront"/>
-      <a:lightRig rig="threePt" dir="t"/>
-    </dgm:scene3d>
-    <dgm:sp3d/>
-    <dgm:txPr/>
-    <dgm:style>
-      <a:lnRef idx="2">
-        <a:scrgbClr r="0" g="0" b="0"/>
-      </a:lnRef>
-      <a:fillRef idx="1">
-        <a:scrgbClr r="0" g="0" b="0"/>
-      </a:fillRef>
-      <a:effectRef idx="0">
-        <a:scrgbClr r="0" g="0" b="0"/>
-      </a:effectRef>
-      <a:fontRef idx="minor"/>
-    </dgm:style>
-  </dgm:styleLbl>
-  <dgm:styleLbl name="asst0">
-    <dgm:scene3d>
-      <a:camera prst="orthographicFront"/>
-      <a:lightRig rig="threePt" dir="t"/>
-    </dgm:scene3d>
-    <dgm:sp3d/>
-    <dgm:txPr/>
-    <dgm:style>
-      <a:lnRef idx="2">
-        <a:scrgbClr r="0" g="0" b="0"/>
-      </a:lnRef>
-      <a:fillRef idx="1">
-        <a:scrgbClr r="0" g="0" b="0"/>
-      </a:fillRef>
-      <a:effectRef idx="0">
-        <a:scrgbClr r="0" g="0" b="0"/>
-      </a:effectRef>
-      <a:fontRef idx="minor">
-        <a:schemeClr val="lt1"/>
-      </a:fontRef>
-    </dgm:style>
-  </dgm:styleLbl>
-  <dgm:styleLbl name="asst1">
-    <dgm:scene3d>
-      <a:camera prst="orthographicFront"/>
-      <a:lightRig rig="threePt" dir="t"/>
-    </dgm:scene3d>
-    <dgm:sp3d/>
-    <dgm:txPr/>
-    <dgm:style>
-      <a:lnRef idx="2">
-        <a:scrgbClr r="0" g="0" b="0"/>
-      </a:lnRef>
-      <a:fillRef idx="1">
-        <a:scrgbClr r="0" g="0" b="0"/>
-      </a:fillRef>
-      <a:effectRef idx="0">
-        <a:scrgbClr r="0" g="0" b="0"/>
-      </a:effectRef>
-      <a:fontRef idx="minor">
-        <a:schemeClr val="lt1"/>
-      </a:fontRef>
-    </dgm:style>
-  </dgm:styleLbl>
-  <dgm:styleLbl name="asst2">
-    <dgm:scene3d>
-      <a:camera prst="orthographicFront"/>
-      <a:lightRig rig="threePt" dir="t"/>
-    </dgm:scene3d>
-    <dgm:sp3d/>
-    <dgm:txPr/>
-    <dgm:style>
-      <a:lnRef idx="2">
-        <a:scrgbClr r="0" g="0" b="0"/>
-      </a:lnRef>
-      <a:fillRef idx="1">
-        <a:scrgbClr r="0" g="0" b="0"/>
-      </a:fillRef>
-      <a:effectRef idx="0">
-        <a:scrgbClr r="0" g="0" b="0"/>
-      </a:effectRef>
-      <a:fontRef idx="minor">
-        <a:schemeClr val="lt1"/>
-      </a:fontRef>
-    </dgm:style>
-  </dgm:styleLbl>
-  <dgm:styleLbl name="asst3">
-    <dgm:scene3d>
-      <a:camera prst="orthographicFront"/>
-      <a:lightRig rig="threePt" dir="t"/>
-    </dgm:scene3d>
-    <dgm:sp3d/>
-    <dgm:txPr/>
-    <dgm:style>
-      <a:lnRef idx="2">
-        <a:scrgbClr r="0" g="0" b="0"/>
-      </a:lnRef>
-      <a:fillRef idx="1">
-        <a:scrgbClr r="0" g="0" b="0"/>
-      </a:fillRef>
-      <a:effectRef idx="0">
-        <a:scrgbClr r="0" g="0" b="0"/>
-      </a:effectRef>
-      <a:fontRef idx="minor">
-        <a:schemeClr val="lt1"/>
-      </a:fontRef>
-    </dgm:style>
-  </dgm:styleLbl>
-  <dgm:styleLbl name="asst4">
-    <dgm:scene3d>
-      <a:camera prst="orthographicFront"/>
-      <a:lightRig rig="threePt" dir="t"/>
-    </dgm:scene3d>
-    <dgm:sp3d/>
-    <dgm:txPr/>
-    <dgm:style>
-      <a:lnRef idx="2">
-        <a:scrgbClr r="0" g="0" b="0"/>
-      </a:lnRef>
-      <a:fillRef idx="1">
-        <a:scrgbClr r="0" g="0" b="0"/>
-      </a:fillRef>
-      <a:effectRef idx="0">
-        <a:scrgbClr r="0" g="0" b="0"/>
-      </a:effectRef>
-      <a:fontRef idx="minor">
-        <a:schemeClr val="lt1"/>
-      </a:fontRef>
-    </dgm:style>
-  </dgm:styleLbl>
-  <dgm:styleLbl name="parChTrans2D1">
-    <dgm:scene3d>
-      <a:camera prst="orthographicFront"/>
-      <a:lightRig rig="threePt" dir="t"/>
-    </dgm:scene3d>
-    <dgm:sp3d/>
-    <dgm:txPr/>
-    <dgm:style>
-      <a:lnRef idx="2">
-        <a:scrgbClr r="0" g="0" b="0"/>
-      </a:lnRef>
-      <a:fillRef idx="1">
-        <a:scrgbClr r="0" g="0" b="0"/>
-      </a:fillRef>
-      <a:effectRef idx="0">
-        <a:scrgbClr r="0" g="0" b="0"/>
-      </a:effectRef>
-      <a:fontRef idx="minor">
-        <a:schemeClr val="lt1"/>
-      </a:fontRef>
-    </dgm:style>
-  </dgm:styleLbl>
-  <dgm:styleLbl name="parChTrans2D2">
-    <dgm:scene3d>
-      <a:camera prst="orthographicFront"/>
-      <a:lightRig rig="threePt" dir="t"/>
-    </dgm:scene3d>
-    <dgm:sp3d/>
-    <dgm:txPr/>
-    <dgm:style>
-      <a:lnRef idx="2">
-        <a:scrgbClr r="0" g="0" b="0"/>
-      </a:lnRef>
-      <a:fillRef idx="1">
-        <a:scrgbClr r="0" g="0" b="0"/>
-      </a:fillRef>
-      <a:effectRef idx="0">
-        <a:scrgbClr r="0" g="0" b="0"/>
-      </a:effectRef>
-      <a:fontRef idx="minor">
-        <a:schemeClr val="lt1"/>
-      </a:fontRef>
-    </dgm:style>
-  </dgm:styleLbl>
-  <dgm:styleLbl name="parChTrans2D3">
-    <dgm:scene3d>
-      <a:camera prst="orthographicFront"/>
-      <a:lightRig rig="threePt" dir="t"/>
-    </dgm:scene3d>
-    <dgm:sp3d/>
-    <dgm:txPr/>
-    <dgm:style>
-      <a:lnRef idx="2">
-        <a:scrgbClr r="0" g="0" b="0"/>
-      </a:lnRef>
-      <a:fillRef idx="1">
-        <a:scrgbClr r="0" g="0" b="0"/>
-      </a:fillRef>
-      <a:effectRef idx="0">
-        <a:scrgbClr r="0" g="0" b="0"/>
-      </a:effectRef>
-      <a:fontRef idx="minor">
-        <a:schemeClr val="lt1"/>
-      </a:fontRef>
-    </dgm:style>
-  </dgm:styleLbl>
-  <dgm:styleLbl name="parChTrans2D4">
-    <dgm:scene3d>
-      <a:camera prst="orthographicFront"/>
-      <a:lightRig rig="threePt" dir="t"/>
-    </dgm:scene3d>
-    <dgm:sp3d/>
-    <dgm:txPr/>
-    <dgm:style>
-      <a:lnRef idx="2">
-        <a:scrgbClr r="0" g="0" b="0"/>
-      </a:lnRef>
-      <a:fillRef idx="1">
-        <a:scrgbClr r="0" g="0" b="0"/>
-      </a:fillRef>
-      <a:effectRef idx="0">
-        <a:scrgbClr r="0" g="0" b="0"/>
-      </a:effectRef>
-      <a:fontRef idx="minor">
-        <a:schemeClr val="lt1"/>
-      </a:fontRef>
-    </dgm:style>
-  </dgm:styleLbl>
-  <dgm:styleLbl name="parChTrans1D1">
-    <dgm:scene3d>
-      <a:camera prst="orthographicFront"/>
-      <a:lightRig rig="threePt" dir="t"/>
-    </dgm:scene3d>
-    <dgm:sp3d/>
-    <dgm:txPr/>
-    <dgm:style>
-      <a:lnRef idx="2">
-        <a:scrgbClr r="0" g="0" b="0"/>
-      </a:lnRef>
-      <a:fillRef idx="0">
-        <a:scrgbClr r="0" g="0" b="0"/>
-      </a:fillRef>
-      <a:effectRef idx="0">
-        <a:scrgbClr r="0" g="0" b="0"/>
-      </a:effectRef>
-      <a:fontRef idx="minor"/>
-    </dgm:style>
-  </dgm:styleLbl>
-  <dgm:styleLbl name="parChTrans1D2">
-    <dgm:scene3d>
-      <a:camera prst="orthographicFront"/>
-      <a:lightRig rig="threePt" dir="t"/>
-    </dgm:scene3d>
-    <dgm:sp3d/>
-    <dgm:txPr/>
-    <dgm:style>
-      <a:lnRef idx="2">
-        <a:scrgbClr r="0" g="0" b="0"/>
-      </a:lnRef>
-      <a:fillRef idx="0">
-        <a:scrgbClr r="0" g="0" b="0"/>
-      </a:fillRef>
-      <a:effectRef idx="0">
-        <a:scrgbClr r="0" g="0" b="0"/>
-      </a:effectRef>
-      <a:fontRef idx="minor"/>
-    </dgm:style>
-  </dgm:styleLbl>
-  <dgm:styleLbl name="parChTrans1D3">
-    <dgm:scene3d>
-      <a:camera prst="orthographicFront"/>
-      <a:lightRig rig="threePt" dir="t"/>
-    </dgm:scene3d>
-    <dgm:sp3d/>
-    <dgm:txPr/>
-    <dgm:style>
-      <a:lnRef idx="2">
-        <a:scrgbClr r="0" g="0" b="0"/>
-      </a:lnRef>
-      <a:fillRef idx="0">
-        <a:scrgbClr r="0" g="0" b="0"/>
-      </a:fillRef>
-      <a:effectRef idx="0">
-        <a:scrgbClr r="0" g="0" b="0"/>
-      </a:effectRef>
-      <a:fontRef idx="minor"/>
-    </dgm:style>
-  </dgm:styleLbl>
-  <dgm:styleLbl name="parChTrans1D4">
-    <dgm:scene3d>
-      <a:camera prst="orthographicFront"/>
-      <a:lightRig rig="threePt" dir="t"/>
-    </dgm:scene3d>
-    <dgm:sp3d/>
-    <dgm:txPr/>
-    <dgm:style>
-      <a:lnRef idx="2">
-        <a:scrgbClr r="0" g="0" b="0"/>
-      </a:lnRef>
-      <a:fillRef idx="0">
-        <a:scrgbClr r="0" g="0" b="0"/>
-      </a:fillRef>
-      <a:effectRef idx="0">
-        <a:scrgbClr r="0" g="0" b="0"/>
-      </a:effectRef>
-      <a:fontRef idx="minor"/>
-    </dgm:style>
-  </dgm:styleLbl>
-  <dgm:styleLbl name="fgAcc1">
-    <dgm:scene3d>
-      <a:camera prst="orthographicFront"/>
-      <a:lightRig rig="threePt" dir="t"/>
-    </dgm:scene3d>
-    <dgm:sp3d/>
-    <dgm:txPr/>
-    <dgm:style>
-      <a:lnRef idx="2">
-        <a:scrgbClr r="0" g="0" b="0"/>
-      </a:lnRef>
-      <a:fillRef idx="1">
-        <a:scrgbClr r="0" g="0" b="0"/>
-      </a:fillRef>
-      <a:effectRef idx="0">
-        <a:scrgbClr r="0" g="0" b="0"/>
-      </a:effectRef>
-      <a:fontRef idx="minor"/>
-    </dgm:style>
-  </dgm:styleLbl>
-  <dgm:styleLbl name="conFgAcc1">
-    <dgm:scene3d>
-      <a:camera prst="orthographicFront"/>
-      <a:lightRig rig="threePt" dir="t"/>
-    </dgm:scene3d>
-    <dgm:sp3d/>
-    <dgm:txPr/>
-    <dgm:style>
-      <a:lnRef idx="2">
-        <a:scrgbClr r="0" g="0" b="0"/>
-      </a:lnRef>
-      <a:fillRef idx="1">
-        <a:scrgbClr r="0" g="0" b="0"/>
-      </a:fillRef>
-      <a:effectRef idx="0">
-        <a:scrgbClr r="0" g="0" b="0"/>
-      </a:effectRef>
-      <a:fontRef idx="minor"/>
-    </dgm:style>
-  </dgm:styleLbl>
-  <dgm:styleLbl name="alignAcc1">
-    <dgm:scene3d>
-      <a:camera prst="orthographicFront"/>
-      <a:lightRig rig="threePt" dir="t"/>
-    </dgm:scene3d>
-    <dgm:sp3d/>
-    <dgm:txPr/>
-    <dgm:style>
-      <a:lnRef idx="2">
-        <a:scrgbClr r="0" g="0" b="0"/>
-      </a:lnRef>
-      <a:fillRef idx="1">
-        <a:scrgbClr r="0" g="0" b="0"/>
-      </a:fillRef>
-      <a:effectRef idx="0">
-        <a:scrgbClr r="0" g="0" b="0"/>
-      </a:effectRef>
-      <a:fontRef idx="minor"/>
-    </dgm:style>
-  </dgm:styleLbl>
-  <dgm:styleLbl name="trAlignAcc1">
-    <dgm:scene3d>
-      <a:camera prst="orthographicFront"/>
-      <a:lightRig rig="threePt" dir="t"/>
-    </dgm:scene3d>
-    <dgm:sp3d/>
-    <dgm:txPr/>
-    <dgm:style>
-      <a:lnRef idx="1">
-        <a:scrgbClr r="0" g="0" b="0"/>
-      </a:lnRef>
-      <a:fillRef idx="1">
-        <a:scrgbClr r="0" g="0" b="0"/>
-      </a:fillRef>
-      <a:effectRef idx="0">
-        <a:scrgbClr r="0" g="0" b="0"/>
-      </a:effectRef>
-      <a:fontRef idx="minor"/>
-    </dgm:style>
-  </dgm:styleLbl>
-  <dgm:styleLbl name="bgAcc1">
-    <dgm:scene3d>
-      <a:camera prst="orthographicFront"/>
-      <a:lightRig rig="threePt" dir="t"/>
-    </dgm:scene3d>
-    <dgm:sp3d/>
-    <dgm:txPr/>
-    <dgm:style>
-      <a:lnRef idx="2">
-        <a:scrgbClr r="0" g="0" b="0"/>
-      </a:lnRef>
-      <a:fillRef idx="1">
-        <a:scrgbClr r="0" g="0" b="0"/>
-      </a:fillRef>
-      <a:effectRef idx="0">
-        <a:scrgbClr r="0" g="0" b="0"/>
-      </a:effectRef>
-      <a:fontRef idx="minor"/>
-    </dgm:style>
-  </dgm:styleLbl>
-  <dgm:styleLbl name="solidFgAcc1">
-    <dgm:scene3d>
-      <a:camera prst="orthographicFront"/>
-      <a:lightRig rig="threePt" dir="t"/>
-    </dgm:scene3d>
-    <dgm:sp3d/>
-    <dgm:txPr/>
-    <dgm:style>
-      <a:lnRef idx="2">
-        <a:scrgbClr r="0" g="0" b="0"/>
-      </a:lnRef>
-      <a:fillRef idx="1">
-        <a:scrgbClr r="0" g="0" b="0"/>
-      </a:fillRef>
-      <a:effectRef idx="0">
-        <a:scrgbClr r="0" g="0" b="0"/>
-      </a:effectRef>
-      <a:fontRef idx="minor"/>
-    </dgm:style>
-  </dgm:styleLbl>
-  <dgm:styleLbl name="solidAlignAcc1">
-    <dgm:scene3d>
-      <a:camera prst="orthographicFront"/>
-      <a:lightRig rig="threePt" dir="t"/>
-    </dgm:scene3d>
-    <dgm:sp3d/>
-    <dgm:txPr/>
-    <dgm:style>
-      <a:lnRef idx="2">
-        <a:scrgbClr r="0" g="0" b="0"/>
-      </a:lnRef>
-      <a:fillRef idx="1">
-        <a:scrgbClr r="0" g="0" b="0"/>
-      </a:fillRef>
-      <a:effectRef idx="0">
-        <a:scrgbClr r="0" g="0" b="0"/>
-      </a:effectRef>
-      <a:fontRef idx="minor"/>
-    </dgm:style>
-  </dgm:styleLbl>
-  <dgm:styleLbl name="solidBgAcc1">
-    <dgm:scene3d>
-      <a:camera prst="orthographicFront"/>
-      <a:lightRig rig="threePt" dir="t"/>
-    </dgm:scene3d>
-    <dgm:sp3d/>
-    <dgm:txPr/>
-    <dgm:style>
-      <a:lnRef idx="2">
-        <a:scrgbClr r="0" g="0" b="0"/>
-      </a:lnRef>
-      <a:fillRef idx="1">
-        <a:scrgbClr r="0" g="0" b="0"/>
-      </a:fillRef>
-      <a:effectRef idx="0">
-        <a:scrgbClr r="0" g="0" b="0"/>
-      </a:effectRef>
-      <a:fontRef idx="minor"/>
-    </dgm:style>
-  </dgm:styleLbl>
-  <dgm:styleLbl name="fgAccFollowNode1">
-    <dgm:scene3d>
-      <a:camera prst="orthographicFront"/>
-      <a:lightRig rig="threePt" dir="t"/>
-    </dgm:scene3d>
-    <dgm:sp3d/>
-    <dgm:txPr/>
-    <dgm:style>
-      <a:lnRef idx="2">
-        <a:scrgbClr r="0" g="0" b="0"/>
-      </a:lnRef>
-      <a:fillRef idx="1">
-        <a:scrgbClr r="0" g="0" b="0"/>
-      </a:fillRef>
-      <a:effectRef idx="0">
-        <a:scrgbClr r="0" g="0" b="0"/>
-      </a:effectRef>
-      <a:fontRef idx="minor"/>
-    </dgm:style>
-  </dgm:styleLbl>
-  <dgm:styleLbl name="alignAccFollowNode1">
-    <dgm:scene3d>
-      <a:camera prst="orthographicFront"/>
-      <a:lightRig rig="threePt" dir="t"/>
-    </dgm:scene3d>
-    <dgm:sp3d/>
-    <dgm:txPr/>
-    <dgm:style>
-      <a:lnRef idx="2">
-        <a:scrgbClr r="0" g="0" b="0"/>
-      </a:lnRef>
-      <a:fillRef idx="1">
-        <a:scrgbClr r="0" g="0" b="0"/>
-      </a:fillRef>
-      <a:effectRef idx="0">
-        <a:scrgbClr r="0" g="0" b="0"/>
-      </a:effectRef>
-      <a:fontRef idx="minor"/>
-    </dgm:style>
-  </dgm:styleLbl>
-  <dgm:styleLbl name="bgAccFollowNode1">
-    <dgm:scene3d>
-      <a:camera prst="orthographicFront"/>
-      <a:lightRig rig="threePt" dir="t"/>
-    </dgm:scene3d>
-    <dgm:sp3d/>
-    <dgm:txPr/>
-    <dgm:style>
-      <a:lnRef idx="2">
-        <a:scrgbClr r="0" g="0" b="0"/>
-      </a:lnRef>
-      <a:fillRef idx="1">
-        <a:scrgbClr r="0" g="0" b="0"/>
-      </a:fillRef>
-      <a:effectRef idx="0">
-        <a:scrgbClr r="0" g="0" b="0"/>
-      </a:effectRef>
-      <a:fontRef idx="minor"/>
-    </dgm:style>
-  </dgm:styleLbl>
-  <dgm:styleLbl name="fgAcc0">
-    <dgm:scene3d>
-      <a:camera prst="orthographicFront"/>
-      <a:lightRig rig="threePt" dir="t"/>
-    </dgm:scene3d>
-    <dgm:sp3d/>
-    <dgm:txPr/>
-    <dgm:style>
-      <a:lnRef idx="2">
-        <a:scrgbClr r="0" g="0" b="0"/>
-      </a:lnRef>
-      <a:fillRef idx="1">
-        <a:scrgbClr r="0" g="0" b="0"/>
-      </a:fillRef>
-      <a:effectRef idx="0">
-        <a:scrgbClr r="0" g="0" b="0"/>
-      </a:effectRef>
-      <a:fontRef idx="minor"/>
-    </dgm:style>
-  </dgm:styleLbl>
-  <dgm:styleLbl name="fgAcc2">
-    <dgm:scene3d>
-      <a:camera prst="orthographicFront"/>
-      <a:lightRig rig="threePt" dir="t"/>
-    </dgm:scene3d>
-    <dgm:sp3d/>
-    <dgm:txPr/>
-    <dgm:style>
-      <a:lnRef idx="2">
-        <a:scrgbClr r="0" g="0" b="0"/>
-      </a:lnRef>
-      <a:fillRef idx="1">
-        <a:scrgbClr r="0" g="0" b="0"/>
-      </a:fillRef>
-      <a:effectRef idx="0">
-        <a:scrgbClr r="0" g="0" b="0"/>
-      </a:effectRef>
-      <a:fontRef idx="minor"/>
-    </dgm:style>
-  </dgm:styleLbl>
-  <dgm:styleLbl name="fgAcc3">
-    <dgm:scene3d>
-      <a:camera prst="orthographicFront"/>
-      <a:lightRig rig="threePt" dir="t"/>
-    </dgm:scene3d>
-    <dgm:sp3d/>
-    <dgm:txPr/>
-    <dgm:style>
-      <a:lnRef idx="2">
-        <a:scrgbClr r="0" g="0" b="0"/>
-      </a:lnRef>
-      <a:fillRef idx="1">
-        <a:scrgbClr r="0" g="0" b="0"/>
-      </a:fillRef>
-      <a:effectRef idx="0">
-        <a:scrgbClr r="0" g="0" b="0"/>
-      </a:effectRef>
-      <a:fontRef idx="minor"/>
-    </dgm:style>
-  </dgm:styleLbl>
-  <dgm:styleLbl name="fgAcc4">
-    <dgm:scene3d>
-      <a:camera prst="orthographicFront"/>
-      <a:lightRig rig="threePt" dir="t"/>
-    </dgm:scene3d>
-    <dgm:sp3d/>
-    <dgm:txPr/>
-    <dgm:style>
-      <a:lnRef idx="2">
-        <a:scrgbClr r="0" g="0" b="0"/>
-      </a:lnRef>
-      <a:fillRef idx="1">
-        <a:scrgbClr r="0" g="0" b="0"/>
-      </a:fillRef>
-      <a:effectRef idx="0">
-        <a:scrgbClr r="0" g="0" b="0"/>
-      </a:effectRef>
-      <a:fontRef idx="minor"/>
-    </dgm:style>
-  </dgm:styleLbl>
-  <dgm:styleLbl name="bgShp">
-    <dgm:scene3d>
-      <a:camera prst="orthographicFront"/>
-      <a:lightRig rig="threePt" dir="t"/>
-    </dgm:scene3d>
-    <dgm:sp3d/>
-    <dgm:txPr/>
-    <dgm:style>
-      <a:lnRef idx="0">
-        <a:scrgbClr r="0" g="0" b="0"/>
-      </a:lnRef>
-      <a:fillRef idx="1">
-        <a:scrgbClr r="0" g="0" b="0"/>
-      </a:fillRef>
-      <a:effectRef idx="0">
-        <a:scrgbClr r="0" g="0" b="0"/>
-      </a:effectRef>
-      <a:fontRef idx="minor"/>
-    </dgm:style>
-  </dgm:styleLbl>
-  <dgm:styleLbl name="dkBgShp">
-    <dgm:scene3d>
-      <a:camera prst="orthographicFront"/>
-      <a:lightRig rig="threePt" dir="t"/>
-    </dgm:scene3d>
-    <dgm:sp3d/>
-    <dgm:txPr/>
-    <dgm:style>
-      <a:lnRef idx="0">
-        <a:scrgbClr r="0" g="0" b="0"/>
-      </a:lnRef>
-      <a:fillRef idx="1">
-        <a:scrgbClr r="0" g="0" b="0"/>
-      </a:fillRef>
-      <a:effectRef idx="0">
-        <a:scrgbClr r="0" g="0" b="0"/>
-      </a:effectRef>
-      <a:fontRef idx="minor"/>
-    </dgm:style>
-  </dgm:styleLbl>
-  <dgm:styleLbl name="trBgShp">
-    <dgm:scene3d>
-      <a:camera prst="orthographicFront"/>
-      <a:lightRig rig="threePt" dir="t"/>
-    </dgm:scene3d>
-    <dgm:sp3d/>
-    <dgm:txPr/>
-    <dgm:style>
-      <a:lnRef idx="0">
-        <a:scrgbClr r="0" g="0" b="0"/>
-      </a:lnRef>
-      <a:fillRef idx="1">
-        <a:scrgbClr r="0" g="0" b="0"/>
-      </a:fillRef>
-      <a:effectRef idx="0">
-        <a:scrgbClr r="0" g="0" b="0"/>
-      </a:effectRef>
-      <a:fontRef idx="minor"/>
-    </dgm:style>
-  </dgm:styleLbl>
-  <dgm:styleLbl name="fgShp">
-    <dgm:scene3d>
-      <a:camera prst="orthographicFront"/>
-      <a:lightRig rig="threePt" dir="t"/>
-    </dgm:scene3d>
-    <dgm:sp3d/>
-    <dgm:txPr/>
-    <dgm:style>
-      <a:lnRef idx="2">
-        <a:scrgbClr r="0" g="0" b="0"/>
-      </a:lnRef>
-      <a:fillRef idx="1">
-        <a:scrgbClr r="0" g="0" b="0"/>
-      </a:fillRef>
-      <a:effectRef idx="0">
-        <a:scrgbClr r="0" g="0" b="0"/>
-      </a:effectRef>
-      <a:fontRef idx="minor"/>
-    </dgm:style>
-  </dgm:styleLbl>
-  <dgm:styleLbl name="revTx">
-    <dgm:scene3d>
-      <a:camera prst="orthographicFront"/>
-      <a:lightRig rig="threePt" dir="t"/>
-    </dgm:scene3d>
-    <dgm:sp3d/>
-    <dgm:txPr/>
-    <dgm:style>
-      <a:lnRef idx="0">
-        <a:scrgbClr r="0" g="0" b="0"/>
-      </a:lnRef>
-      <a:fillRef idx="0">
-        <a:scrgbClr r="0" g="0" b="0"/>
-      </a:fillRef>
-      <a:effectRef idx="0">
-        <a:scrgbClr r="0" g="0" b="0"/>
-      </a:effectRef>
-      <a:fontRef idx="minor"/>
-    </dgm:style>
-  </dgm:styleLbl>
-</dgm:styleDef>
-</file>
-
-<file path=ppt/diagrams/quickStyle5.xml><?xml version="1.0" encoding="utf-8"?>
 <dgm:styleDef xmlns:dgm="http://schemas.openxmlformats.org/drawingml/2006/diagram" xmlns:a="http://schemas.openxmlformats.org/drawingml/2006/main" uniqueId="urn:microsoft.com/office/officeart/2005/8/quickstyle/simple1">
   <dgm:title val=""/>
   <dgm:desc val=""/>
@@ -15732,7 +12123,7 @@
           <a:p>
             <a:fld id="{D99F7009-580C-4B5E-B886-9D366D30CAE7}" type="datetimeFigureOut">
               <a:rPr lang="en-US" smtClean="0"/>
-              <a:t>11/29/2022</a:t>
+              <a:t>11/30/2022</a:t>
             </a:fld>
             <a:endParaRPr lang="en-US"/>
           </a:p>
@@ -17246,7 +13637,7 @@
           <a:p>
             <a:fld id="{2B2AC3E9-A71D-49F1-B33B-56C3213DD8E9}" type="datetimeFigureOut">
               <a:rPr lang="en-US" smtClean="0"/>
-              <a:t>11/29/2022</a:t>
+              <a:t>11/30/2022</a:t>
             </a:fld>
             <a:endParaRPr lang="en-US"/>
           </a:p>
@@ -17444,7 +13835,7 @@
           <a:p>
             <a:fld id="{2B2AC3E9-A71D-49F1-B33B-56C3213DD8E9}" type="datetimeFigureOut">
               <a:rPr lang="en-US" smtClean="0"/>
-              <a:t>11/29/2022</a:t>
+              <a:t>11/30/2022</a:t>
             </a:fld>
             <a:endParaRPr lang="en-US"/>
           </a:p>
@@ -17652,7 +14043,7 @@
           <a:p>
             <a:fld id="{2B2AC3E9-A71D-49F1-B33B-56C3213DD8E9}" type="datetimeFigureOut">
               <a:rPr lang="en-US" smtClean="0"/>
-              <a:t>11/29/2022</a:t>
+              <a:t>11/30/2022</a:t>
             </a:fld>
             <a:endParaRPr lang="en-US"/>
           </a:p>
@@ -17850,7 +14241,7 @@
           <a:p>
             <a:fld id="{2B2AC3E9-A71D-49F1-B33B-56C3213DD8E9}" type="datetimeFigureOut">
               <a:rPr lang="en-US" smtClean="0"/>
-              <a:t>11/29/2022</a:t>
+              <a:t>11/30/2022</a:t>
             </a:fld>
             <a:endParaRPr lang="en-US"/>
           </a:p>
@@ -18125,7 +14516,7 @@
           <a:p>
             <a:fld id="{2B2AC3E9-A71D-49F1-B33B-56C3213DD8E9}" type="datetimeFigureOut">
               <a:rPr lang="en-US" smtClean="0"/>
-              <a:t>11/29/2022</a:t>
+              <a:t>11/30/2022</a:t>
             </a:fld>
             <a:endParaRPr lang="en-US"/>
           </a:p>
@@ -18390,7 +14781,7 @@
           <a:p>
             <a:fld id="{2B2AC3E9-A71D-49F1-B33B-56C3213DD8E9}" type="datetimeFigureOut">
               <a:rPr lang="en-US" smtClean="0"/>
-              <a:t>11/29/2022</a:t>
+              <a:t>11/30/2022</a:t>
             </a:fld>
             <a:endParaRPr lang="en-US"/>
           </a:p>
@@ -18802,7 +15193,7 @@
           <a:p>
             <a:fld id="{2B2AC3E9-A71D-49F1-B33B-56C3213DD8E9}" type="datetimeFigureOut">
               <a:rPr lang="en-US" smtClean="0"/>
-              <a:t>11/29/2022</a:t>
+              <a:t>11/30/2022</a:t>
             </a:fld>
             <a:endParaRPr lang="en-US"/>
           </a:p>
@@ -18943,7 +15334,7 @@
           <a:p>
             <a:fld id="{2B2AC3E9-A71D-49F1-B33B-56C3213DD8E9}" type="datetimeFigureOut">
               <a:rPr lang="en-US" smtClean="0"/>
-              <a:t>11/29/2022</a:t>
+              <a:t>11/30/2022</a:t>
             </a:fld>
             <a:endParaRPr lang="en-US"/>
           </a:p>
@@ -19056,7 +15447,7 @@
           <a:p>
             <a:fld id="{2B2AC3E9-A71D-49F1-B33B-56C3213DD8E9}" type="datetimeFigureOut">
               <a:rPr lang="en-US" smtClean="0"/>
-              <a:t>11/29/2022</a:t>
+              <a:t>11/30/2022</a:t>
             </a:fld>
             <a:endParaRPr lang="en-US"/>
           </a:p>
@@ -19367,7 +15758,7 @@
           <a:p>
             <a:fld id="{2B2AC3E9-A71D-49F1-B33B-56C3213DD8E9}" type="datetimeFigureOut">
               <a:rPr lang="en-US" smtClean="0"/>
-              <a:t>11/29/2022</a:t>
+              <a:t>11/30/2022</a:t>
             </a:fld>
             <a:endParaRPr lang="en-US"/>
           </a:p>
@@ -19655,7 +16046,7 @@
           <a:p>
             <a:fld id="{2B2AC3E9-A71D-49F1-B33B-56C3213DD8E9}" type="datetimeFigureOut">
               <a:rPr lang="en-US" smtClean="0"/>
-              <a:t>11/29/2022</a:t>
+              <a:t>11/30/2022</a:t>
             </a:fld>
             <a:endParaRPr lang="en-US"/>
           </a:p>
@@ -19896,7 +16287,7 @@
           <a:p>
             <a:fld id="{2B2AC3E9-A71D-49F1-B33B-56C3213DD8E9}" type="datetimeFigureOut">
               <a:rPr lang="en-US" smtClean="0"/>
-              <a:t>11/29/2022</a:t>
+              <a:t>11/30/2022</a:t>
             </a:fld>
             <a:endParaRPr lang="en-US"/>
           </a:p>
@@ -21770,7 +18161,7 @@
         </p:spPr>
         <p:txBody>
           <a:bodyPr vert="horz" lIns="58643" tIns="29322" rIns="58643" bIns="29322" rtlCol="0" anchor="t">
-            <a:normAutofit lnSpcReduction="10000"/>
+            <a:normAutofit/>
           </a:bodyPr>
           <a:lstStyle/>
           <a:p>
@@ -21779,25 +18170,11 @@
               <a:buChar char="Ø"/>
             </a:pPr>
             <a:r>
-              <a:rPr lang="en-US" sz="2565">
+              <a:rPr lang="en-US" sz="2565" dirty="0">
                 <a:latin typeface="Times New Roman"/>
                 <a:cs typeface="Times New Roman"/>
               </a:rPr>
-              <a:t>Once the user has completed the registration successfully, the dashboard is displayed, and he can complete his desired operations of upload, search, view and logout of the account.</a:t>
-            </a:r>
-            <a:endParaRPr lang="en-US"/>
-          </a:p>
-          <a:p>
-            <a:pPr marL="366503" indent="-366503">
-              <a:buFont typeface="Wingdings" panose="020B0604020202020204" pitchFamily="34" charset="0"/>
-              <a:buChar char="Ø"/>
-            </a:pPr>
-            <a:r>
-              <a:rPr lang="en-US" sz="2565">
-                <a:latin typeface="Times New Roman"/>
-                <a:cs typeface="Times New Roman"/>
-              </a:rPr>
-              <a:t>Whenever the registered user comes back, he can access to the login page and enter the credentials, which he provided during registration process.</a:t>
+              <a:t>Login page is used to login to the application with credentials provided during registration.</a:t>
             </a:r>
           </a:p>
           <a:p>
@@ -21806,11 +18183,11 @@
               <a:buChar char="Ø"/>
             </a:pPr>
             <a:r>
-              <a:rPr lang="en-US" sz="2565">
+              <a:rPr lang="en-US" sz="2565" dirty="0">
                 <a:latin typeface="Times New Roman"/>
                 <a:cs typeface="Times New Roman"/>
               </a:rPr>
-              <a:t>The authentication details are stored in the firebase, so if the details matches, it will render the next page otherwise it will throw an error.</a:t>
+              <a:t>User needs to enter email address and password to login or can login with Google account.</a:t>
             </a:r>
           </a:p>
           <a:p>
@@ -21819,11 +18196,11 @@
               <a:buChar char="Ø"/>
             </a:pPr>
             <a:r>
-              <a:rPr lang="en-US" sz="2565">
+              <a:rPr lang="en-US" sz="2565" dirty="0">
                 <a:latin typeface="Times New Roman"/>
                 <a:cs typeface="Times New Roman"/>
               </a:rPr>
-              <a:t>In the Login page, we added a button called "Login With Google", where the user can directly login using his google account.</a:t>
+              <a:t>If user had forgotten his credentials, he/she can retrieve it by using forgot password link.</a:t>
             </a:r>
           </a:p>
           <a:p>
@@ -21832,22 +18209,12 @@
               <a:buChar char="Ø"/>
             </a:pPr>
             <a:r>
-              <a:rPr lang="en-US" sz="2565">
+              <a:rPr lang="en-US" sz="2565" dirty="0">
                 <a:latin typeface="Times New Roman"/>
                 <a:cs typeface="Times New Roman"/>
               </a:rPr>
-              <a:t>We added an option of forgot password to the login page when user forgets the password and click on forgot password user will be receiving an email to reset the password.</a:t>
+              <a:t>If user credentials doesn’t match with the one provided during registration an error will be popped up saying incorrect credentials.</a:t>
             </a:r>
-          </a:p>
-          <a:p>
-            <a:pPr marL="366503" indent="-366503">
-              <a:buFont typeface="Wingdings" panose="020B0604020202020204" pitchFamily="34" charset="0"/>
-              <a:buChar char="Ø"/>
-            </a:pPr>
-            <a:endParaRPr lang="en-US" sz="2565">
-              <a:latin typeface="Times New Roman"/>
-              <a:cs typeface="Times New Roman"/>
-            </a:endParaRPr>
           </a:p>
         </p:txBody>
       </p:sp>
@@ -23455,10 +19822,23 @@
               <a:buChar char="Ø"/>
             </a:pPr>
             <a:r>
-              <a:rPr lang="en-US" sz="2822"/>
-              <a:t>When the user get access to the application after successful login, User will be redirected to dashboard where user can see upload and search tabs. So, that user can navigate between the two tabs easily.</a:t>
+              <a:rPr lang="en-US" sz="2822" dirty="0">
+                <a:ea typeface="Calibri" panose="020F0502020204030204"/>
+                <a:cs typeface="Calibri"/>
+              </a:rPr>
+              <a:t>When user had successfully logged in using his credentials, user will be navigated to dashboard of the application.</a:t>
             </a:r>
-            <a:endParaRPr lang="en-US" sz="2822">
+          </a:p>
+          <a:p>
+            <a:pPr marL="228454" indent="-228454">
+              <a:buFont typeface="Wingdings" panose="020B0604020202020204" pitchFamily="34" charset="0"/>
+              <a:buChar char="Ø"/>
+            </a:pPr>
+            <a:r>
+              <a:rPr lang="en-US" sz="2822" dirty="0"/>
+              <a:t>In dashboard page user can view his username, email and logout button in Home bar.</a:t>
+            </a:r>
+            <a:endParaRPr lang="en-US" sz="2822" dirty="0">
               <a:ea typeface="Calibri" panose="020F0502020204030204"/>
               <a:cs typeface="Calibri"/>
             </a:endParaRPr>
@@ -23469,24 +19849,10 @@
               <a:buChar char="Ø"/>
             </a:pPr>
             <a:r>
-              <a:rPr lang="en-US" sz="2822"/>
-              <a:t>In dashboard page user can view his username, email and logout button in Home bar.</a:t>
+              <a:rPr lang="en-US" sz="2822" dirty="0"/>
+              <a:t>Upload has options to upload a paper and search has options to search for a particular paper from list of papers.</a:t>
             </a:r>
-            <a:endParaRPr lang="en-US" sz="2822">
-              <a:ea typeface="Calibri" panose="020F0502020204030204"/>
-              <a:cs typeface="Calibri"/>
-            </a:endParaRPr>
-          </a:p>
-          <a:p>
-            <a:pPr marL="228454" indent="-228454">
-              <a:buFont typeface="Wingdings" panose="020B0604020202020204" pitchFamily="34" charset="0"/>
-              <a:buChar char="Ø"/>
-            </a:pPr>
-            <a:r>
-              <a:rPr lang="en-US" sz="2822"/>
-              <a:t>Upload has options to upload a paper and search has options to view a paper and search a respective paper from a collection of papers.</a:t>
-            </a:r>
-            <a:endParaRPr lang="en-US" sz="2822">
+            <a:endParaRPr lang="en-US" sz="2822" dirty="0">
               <a:ea typeface="Calibri" panose="020F0502020204030204"/>
               <a:cs typeface="Calibri"/>
             </a:endParaRPr>
@@ -24628,7 +20994,7 @@
         <p:grpSpPr>
           <a:xfrm>
             <a:off x="-16798" y="496839"/>
-            <a:ext cx="8087280" cy="531016"/>
+            <a:ext cx="8459462" cy="531016"/>
             <a:chOff x="-16184" y="8640158"/>
             <a:chExt cx="4045716" cy="439420"/>
           </a:xfrm>
@@ -24920,20 +21286,6 @@
             </a:pPr>
             <a:r>
               <a:rPr lang="en-US" sz="2822" dirty="0"/>
-              <a:t>As the application has upload function for the user to upload a research paper.</a:t>
-            </a:r>
-            <a:endParaRPr lang="en-US" sz="2822" dirty="0">
-              <a:ea typeface="Calibri" panose="020F0502020204030204"/>
-              <a:cs typeface="Calibri"/>
-            </a:endParaRPr>
-          </a:p>
-          <a:p>
-            <a:pPr marL="439804" indent="-366503">
-              <a:buFont typeface="Wingdings" panose="020B0604020202020204" pitchFamily="34" charset="0"/>
-              <a:buChar char="Ø"/>
-            </a:pPr>
-            <a:r>
-              <a:rPr lang="en-US" sz="2822" dirty="0"/>
               <a:t>User need to upload the file in the pdf* format.</a:t>
             </a:r>
             <a:endParaRPr lang="en-US" sz="2822" dirty="0">
@@ -24948,7 +21300,7 @@
             </a:pPr>
             <a:r>
               <a:rPr lang="en-US" sz="2822" dirty="0"/>
-              <a:t>User must mention the year of publishing, title of the paper, technique used in the paper and title of the research paper.</a:t>
+              <a:t>User can further mention the year of publishing, title of the paper, technique used in the paper and title of the research paper.</a:t>
             </a:r>
             <a:endParaRPr lang="en-US" sz="2822" dirty="0">
               <a:ea typeface="Calibri" panose="020F0502020204030204"/>
@@ -24962,20 +21314,8 @@
             </a:pPr>
             <a:r>
               <a:rPr lang="en-US" sz="2822" dirty="0"/>
-              <a:t>When user clicks on submit button after entering all the above fields the data will be uploaded to </a:t>
+              <a:t>When user clicks on submit button the data will be uploaded to database in the firebase. </a:t>
             </a:r>
-            <a:r>
-              <a:rPr lang="en-US" sz="2822" dirty="0" err="1"/>
-              <a:t>firestore</a:t>
-            </a:r>
-            <a:r>
-              <a:rPr lang="en-US" sz="2822" dirty="0"/>
-              <a:t> database in the firebase. </a:t>
-            </a:r>
-            <a:endParaRPr lang="en-US" sz="2822" dirty="0">
-              <a:ea typeface="Calibri" panose="020F0502020204030204"/>
-              <a:cs typeface="Calibri" panose="020F0502020204030204"/>
-            </a:endParaRPr>
           </a:p>
           <a:p>
             <a:pPr marL="439804" indent="-366503">
@@ -24984,21 +21324,18 @@
             </a:pPr>
             <a:r>
               <a:rPr lang="en-US" sz="2822" dirty="0"/>
-              <a:t>Once it was uploaded user gets a popup that file has been uploaded successfully.</a:t>
+              <a:t>By mentioning all the above details of the paper, the uploaded paper will be unique with other list of papers. </a:t>
             </a:r>
-            <a:endParaRPr lang="en-US" sz="2822" dirty="0">
-              <a:ea typeface="Calibri"/>
-              <a:cs typeface="Calibri"/>
-            </a:endParaRPr>
+            <a:endParaRPr lang="en-US" sz="2052" dirty="0"/>
           </a:p>
           <a:p>
-            <a:pPr marL="183251" indent="-183251" algn="just">
-              <a:buFont typeface="Wingdings" panose="05000000000000000000" pitchFamily="2" charset="2"/>
+            <a:pPr marL="439804" indent="-366503">
+              <a:buFont typeface="Wingdings" panose="020B0604020202020204" pitchFamily="34" charset="0"/>
               <a:buChar char="Ø"/>
             </a:pPr>
-            <a:endParaRPr lang="en-US" sz="2052" dirty="0">
-              <a:latin typeface="Times New Roman" panose="02020603050405020304" pitchFamily="18" charset="0"/>
-              <a:ea typeface="Calibri" panose="020F0502020204030204" pitchFamily="34" charset="0"/>
+            <a:endParaRPr lang="en-US" sz="2822" dirty="0">
+              <a:ea typeface="Calibri" panose="020F0502020204030204"/>
+              <a:cs typeface="Calibri" panose="020F0502020204030204"/>
             </a:endParaRPr>
           </a:p>
         </p:txBody>
@@ -26190,7 +22527,7 @@
             </a:pPr>
             <a:r>
               <a:rPr lang="en-US" sz="2565" dirty="0"/>
-              <a:t>Once search page is opened user can see the list of all the uploaded papers in a list view.</a:t>
+              <a:t>In search page user can see the list of all uploaded papers in a list view.</a:t>
             </a:r>
             <a:endParaRPr lang="en-US" sz="2565" dirty="0">
               <a:ea typeface="Calibri" panose="020F0502020204030204"/>
@@ -26232,12 +22569,34 @@
             </a:pPr>
             <a:r>
               <a:rPr lang="en-US" sz="2565" dirty="0"/>
-              <a:t>User can see uploaded papers according to the sorting functions where he can view his research paper on the same page.</a:t>
+              <a:t>User can see uploaded papers according to the sorting functions.</a:t>
             </a:r>
-            <a:endParaRPr lang="en-US" sz="2565" dirty="0">
-              <a:ea typeface="Calibri" panose="020F0502020204030204"/>
-              <a:cs typeface="Calibri" panose="020F0502020204030204"/>
-            </a:endParaRPr>
+          </a:p>
+          <a:p>
+            <a:pPr marL="366503" indent="-366503">
+              <a:buFont typeface="Wingdings" panose="020B0604020202020204" pitchFamily="34" charset="0"/>
+              <a:buChar char="Ø"/>
+            </a:pPr>
+            <a:r>
+              <a:rPr lang="en-US" sz="2565" dirty="0">
+                <a:ea typeface="Calibri" panose="020F0502020204030204"/>
+                <a:cs typeface="Calibri" panose="020F0502020204030204"/>
+              </a:rPr>
+              <a:t>User can view the uploaded paper by clicking on view pdf option.</a:t>
+            </a:r>
+          </a:p>
+          <a:p>
+            <a:pPr marL="366503" indent="-366503">
+              <a:buFont typeface="Wingdings" panose="020B0604020202020204" pitchFamily="34" charset="0"/>
+              <a:buChar char="Ø"/>
+            </a:pPr>
+            <a:r>
+              <a:rPr lang="en-US" sz="2565" dirty="0">
+                <a:ea typeface="Calibri" panose="020F0502020204030204"/>
+                <a:cs typeface="Calibri" panose="020F0502020204030204"/>
+              </a:rPr>
+              <a:t>User can further add comments to the paper where the comments are stored by timestamp.</a:t>
+            </a:r>
           </a:p>
           <a:p>
             <a:pPr marL="293202" indent="-293202" algn="just">
@@ -28206,801 +24565,6 @@
   <p:cSld>
     <p:spTree>
       <p:nvGrpSpPr>
-        <p:cNvPr id="1" name=""/>
-        <p:cNvGrpSpPr/>
-        <p:nvPr/>
-      </p:nvGrpSpPr>
-      <p:grpSpPr>
-        <a:xfrm>
-          <a:off x="0" y="0"/>
-          <a:ext cx="0" cy="0"/>
-          <a:chOff x="0" y="0"/>
-          <a:chExt cx="0" cy="0"/>
-        </a:xfrm>
-      </p:grpSpPr>
-      <p:sp>
-        <p:nvSpPr>
-          <p:cNvPr id="5" name="Slide Number Placeholder 4">
-            <a:extLst>
-              <a:ext uri="{FF2B5EF4-FFF2-40B4-BE49-F238E27FC236}">
-                <a16:creationId xmlns:a16="http://schemas.microsoft.com/office/drawing/2014/main" id="{3BF606E2-E571-4B24-A34D-91C391538710}"/>
-              </a:ext>
-            </a:extLst>
-          </p:cNvPr>
-          <p:cNvSpPr>
-            <a:spLocks noGrp="1"/>
-          </p:cNvSpPr>
-          <p:nvPr>
-            <p:ph type="sldNum" sz="quarter" idx="12"/>
-          </p:nvPr>
-        </p:nvSpPr>
-        <p:spPr/>
-        <p:txBody>
-          <a:bodyPr/>
-          <a:lstStyle/>
-          <a:p>
-            <a:fld id="{00000000-1234-1234-1234-123412341234}" type="slidenum">
-              <a:rPr lang="en-US" smtClean="0"/>
-              <a:pPr/>
-              <a:t>18</a:t>
-            </a:fld>
-            <a:endParaRPr lang="en-US"/>
-          </a:p>
-        </p:txBody>
-      </p:sp>
-      <p:grpSp>
-        <p:nvGrpSpPr>
-          <p:cNvPr id="6" name="Google Shape;265;p22">
-            <a:extLst>
-              <a:ext uri="{FF2B5EF4-FFF2-40B4-BE49-F238E27FC236}">
-                <a16:creationId xmlns:a16="http://schemas.microsoft.com/office/drawing/2014/main" id="{17E3B7FA-74DF-4F2B-AA5A-6DA031F12614}"/>
-              </a:ext>
-            </a:extLst>
-          </p:cNvPr>
-          <p:cNvGrpSpPr/>
-          <p:nvPr/>
-        </p:nvGrpSpPr>
-        <p:grpSpPr>
-          <a:xfrm>
-            <a:off x="-16799" y="351725"/>
-            <a:ext cx="9665933" cy="531016"/>
-            <a:chOff x="-16184" y="8640158"/>
-            <a:chExt cx="4045716" cy="439420"/>
-          </a:xfrm>
-        </p:grpSpPr>
-        <p:sp>
-          <p:nvSpPr>
-            <p:cNvPr id="7" name="Google Shape;266;p22">
-              <a:extLst>
-                <a:ext uri="{FF2B5EF4-FFF2-40B4-BE49-F238E27FC236}">
-                  <a16:creationId xmlns:a16="http://schemas.microsoft.com/office/drawing/2014/main" id="{1B92C83D-764D-42F3-8CF5-81CB1D712CC3}"/>
-                </a:ext>
-              </a:extLst>
-            </p:cNvPr>
-            <p:cNvSpPr/>
-            <p:nvPr/>
-          </p:nvSpPr>
-          <p:spPr>
-            <a:xfrm>
-              <a:off x="-16184" y="8640158"/>
-              <a:ext cx="3923363" cy="439420"/>
-            </a:xfrm>
-            <a:custGeom>
-              <a:avLst/>
-              <a:gdLst/>
-              <a:ahLst/>
-              <a:cxnLst/>
-              <a:rect l="l" t="t" r="r" b="b"/>
-              <a:pathLst>
-                <a:path w="3844925" h="439420" extrusionOk="0">
-                  <a:moveTo>
-                    <a:pt x="0" y="439204"/>
-                  </a:moveTo>
-                  <a:lnTo>
-                    <a:pt x="3844798" y="439204"/>
-                  </a:lnTo>
-                  <a:lnTo>
-                    <a:pt x="3844798" y="0"/>
-                  </a:lnTo>
-                  <a:lnTo>
-                    <a:pt x="0" y="0"/>
-                  </a:lnTo>
-                  <a:lnTo>
-                    <a:pt x="0" y="439204"/>
-                  </a:lnTo>
-                  <a:close/>
-                </a:path>
-              </a:pathLst>
-            </a:custGeom>
-            <a:solidFill>
-              <a:srgbClr val="0073AC"/>
-            </a:solidFill>
-            <a:ln>
-              <a:noFill/>
-            </a:ln>
-            <a:effectLst>
-              <a:outerShdw blurRad="44450" dist="27940" dir="5400000" algn="ctr">
-                <a:srgbClr val="000000">
-                  <a:alpha val="31764"/>
-                </a:srgbClr>
-              </a:outerShdw>
-            </a:effectLst>
-          </p:spPr>
-          <p:txBody>
-            <a:bodyPr spcFirstLastPara="1" wrap="square" lIns="0" tIns="0" rIns="0" bIns="0" anchor="t" anchorCtr="0">
-              <a:noAutofit/>
-            </a:bodyPr>
-            <a:lstStyle/>
-            <a:p>
-              <a:pPr marL="293202" lvl="1" algn="ctr"/>
-              <a:r>
-                <a:rPr lang="en-US" sz="3463">
-                  <a:solidFill>
-                    <a:schemeClr val="lt1"/>
-                  </a:solidFill>
-                  <a:latin typeface="Calibri"/>
-                  <a:cs typeface="Calibri"/>
-                  <a:sym typeface="Calibri"/>
-                </a:rPr>
-                <a:t>Challenges Faced</a:t>
-              </a:r>
-              <a:endParaRPr sz="1154"/>
-            </a:p>
-            <a:p>
-              <a:pPr marL="293202" lvl="1" algn="ctr"/>
-              <a:endParaRPr sz="3463">
-                <a:solidFill>
-                  <a:schemeClr val="lt1"/>
-                </a:solidFill>
-                <a:latin typeface="Calibri"/>
-                <a:ea typeface="Calibri"/>
-                <a:cs typeface="Calibri"/>
-                <a:sym typeface="Calibri"/>
-              </a:endParaRPr>
-            </a:p>
-            <a:p>
-              <a:pPr marL="293202" lvl="1" algn="ctr"/>
-              <a:endParaRPr lang="en-US" sz="3463">
-                <a:solidFill>
-                  <a:schemeClr val="lt1"/>
-                </a:solidFill>
-                <a:latin typeface="Calibri"/>
-                <a:ea typeface="Calibri"/>
-                <a:cs typeface="Calibri"/>
-                <a:sym typeface="Calibri"/>
-              </a:endParaRPr>
-            </a:p>
-            <a:p>
-              <a:pPr marL="293202" lvl="1" algn="ctr"/>
-              <a:endParaRPr sz="3463">
-                <a:solidFill>
-                  <a:schemeClr val="lt1"/>
-                </a:solidFill>
-                <a:latin typeface="Calibri"/>
-                <a:ea typeface="Calibri"/>
-                <a:cs typeface="Calibri"/>
-                <a:sym typeface="Calibri"/>
-              </a:endParaRPr>
-            </a:p>
-          </p:txBody>
-        </p:sp>
-        <p:sp>
-          <p:nvSpPr>
-            <p:cNvPr id="8" name="Google Shape;267;p22">
-              <a:extLst>
-                <a:ext uri="{FF2B5EF4-FFF2-40B4-BE49-F238E27FC236}">
-                  <a16:creationId xmlns:a16="http://schemas.microsoft.com/office/drawing/2014/main" id="{2EDA102F-68FB-48A5-8DF9-1F7235A08077}"/>
-                </a:ext>
-              </a:extLst>
-            </p:cNvPr>
-            <p:cNvSpPr/>
-            <p:nvPr/>
-          </p:nvSpPr>
-          <p:spPr>
-            <a:xfrm>
-              <a:off x="3800173" y="8640158"/>
-              <a:ext cx="229359" cy="439420"/>
-            </a:xfrm>
-            <a:custGeom>
-              <a:avLst/>
-              <a:gdLst/>
-              <a:ahLst/>
-              <a:cxnLst/>
-              <a:rect l="l" t="t" r="r" b="b"/>
-              <a:pathLst>
-                <a:path w="439420" h="439420" extrusionOk="0">
-                  <a:moveTo>
-                    <a:pt x="219595" y="0"/>
-                  </a:moveTo>
-                  <a:lnTo>
-                    <a:pt x="175337" y="4461"/>
-                  </a:lnTo>
-                  <a:lnTo>
-                    <a:pt x="134116" y="17257"/>
-                  </a:lnTo>
-                  <a:lnTo>
-                    <a:pt x="96815" y="37505"/>
-                  </a:lnTo>
-                  <a:lnTo>
-                    <a:pt x="64315" y="64320"/>
-                  </a:lnTo>
-                  <a:lnTo>
-                    <a:pt x="37502" y="96820"/>
-                  </a:lnTo>
-                  <a:lnTo>
-                    <a:pt x="17256" y="134122"/>
-                  </a:lnTo>
-                  <a:lnTo>
-                    <a:pt x="4461" y="175341"/>
-                  </a:lnTo>
-                  <a:lnTo>
-                    <a:pt x="0" y="219595"/>
-                  </a:lnTo>
-                  <a:lnTo>
-                    <a:pt x="4461" y="263854"/>
-                  </a:lnTo>
-                  <a:lnTo>
-                    <a:pt x="17256" y="305076"/>
-                  </a:lnTo>
-                  <a:lnTo>
-                    <a:pt x="37502" y="342380"/>
-                  </a:lnTo>
-                  <a:lnTo>
-                    <a:pt x="64315" y="374881"/>
-                  </a:lnTo>
-                  <a:lnTo>
-                    <a:pt x="96815" y="401698"/>
-                  </a:lnTo>
-                  <a:lnTo>
-                    <a:pt x="134116" y="421945"/>
-                  </a:lnTo>
-                  <a:lnTo>
-                    <a:pt x="175337" y="434742"/>
-                  </a:lnTo>
-                  <a:lnTo>
-                    <a:pt x="219595" y="439204"/>
-                  </a:lnTo>
-                  <a:lnTo>
-                    <a:pt x="263854" y="434742"/>
-                  </a:lnTo>
-                  <a:lnTo>
-                    <a:pt x="305076" y="421945"/>
-                  </a:lnTo>
-                  <a:lnTo>
-                    <a:pt x="342380" y="401698"/>
-                  </a:lnTo>
-                  <a:lnTo>
-                    <a:pt x="374881" y="374881"/>
-                  </a:lnTo>
-                  <a:lnTo>
-                    <a:pt x="401698" y="342380"/>
-                  </a:lnTo>
-                  <a:lnTo>
-                    <a:pt x="421945" y="305076"/>
-                  </a:lnTo>
-                  <a:lnTo>
-                    <a:pt x="434742" y="263854"/>
-                  </a:lnTo>
-                  <a:lnTo>
-                    <a:pt x="439204" y="219595"/>
-                  </a:lnTo>
-                  <a:lnTo>
-                    <a:pt x="434742" y="175341"/>
-                  </a:lnTo>
-                  <a:lnTo>
-                    <a:pt x="421945" y="134122"/>
-                  </a:lnTo>
-                  <a:lnTo>
-                    <a:pt x="401698" y="96820"/>
-                  </a:lnTo>
-                  <a:lnTo>
-                    <a:pt x="374881" y="64320"/>
-                  </a:lnTo>
-                  <a:lnTo>
-                    <a:pt x="342380" y="37505"/>
-                  </a:lnTo>
-                  <a:lnTo>
-                    <a:pt x="305076" y="17257"/>
-                  </a:lnTo>
-                  <a:lnTo>
-                    <a:pt x="263854" y="4461"/>
-                  </a:lnTo>
-                  <a:lnTo>
-                    <a:pt x="219595" y="0"/>
-                  </a:lnTo>
-                  <a:close/>
-                </a:path>
-              </a:pathLst>
-            </a:custGeom>
-            <a:solidFill>
-              <a:srgbClr val="0073AC"/>
-            </a:solidFill>
-            <a:ln>
-              <a:noFill/>
-            </a:ln>
-            <a:effectLst>
-              <a:outerShdw blurRad="44450" dist="27940" dir="5400000" algn="ctr">
-                <a:srgbClr val="000000">
-                  <a:alpha val="31764"/>
-                </a:srgbClr>
-              </a:outerShdw>
-            </a:effectLst>
-          </p:spPr>
-          <p:txBody>
-            <a:bodyPr spcFirstLastPara="1" wrap="square" lIns="0" tIns="0" rIns="0" bIns="0" anchor="t" anchorCtr="0">
-              <a:noAutofit/>
-            </a:bodyPr>
-            <a:lstStyle/>
-            <a:p>
-              <a:endParaRPr sz="1154">
-                <a:solidFill>
-                  <a:schemeClr val="dk1"/>
-                </a:solidFill>
-                <a:latin typeface="Calibri"/>
-                <a:ea typeface="Calibri"/>
-                <a:cs typeface="Calibri"/>
-                <a:sym typeface="Calibri"/>
-              </a:endParaRPr>
-            </a:p>
-          </p:txBody>
-        </p:sp>
-      </p:grpSp>
-      <p:grpSp>
-        <p:nvGrpSpPr>
-          <p:cNvPr id="19" name="Google Shape;257;p22">
-            <a:extLst>
-              <a:ext uri="{FF2B5EF4-FFF2-40B4-BE49-F238E27FC236}">
-                <a16:creationId xmlns:a16="http://schemas.microsoft.com/office/drawing/2014/main" id="{7D810E79-3675-4633-B4EF-E3ACCA1D5CB8}"/>
-              </a:ext>
-            </a:extLst>
-          </p:cNvPr>
-          <p:cNvGrpSpPr/>
-          <p:nvPr/>
-        </p:nvGrpSpPr>
-        <p:grpSpPr>
-          <a:xfrm>
-            <a:off x="57" y="6410031"/>
-            <a:ext cx="12191887" cy="439824"/>
-            <a:chOff x="-2" y="9568581"/>
-            <a:chExt cx="19010314" cy="1112119"/>
-          </a:xfrm>
-        </p:grpSpPr>
-        <p:grpSp>
-          <p:nvGrpSpPr>
-            <p:cNvPr id="20" name="Google Shape;258;p22">
-              <a:extLst>
-                <a:ext uri="{FF2B5EF4-FFF2-40B4-BE49-F238E27FC236}">
-                  <a16:creationId xmlns:a16="http://schemas.microsoft.com/office/drawing/2014/main" id="{55B904F2-B73A-4AD1-8253-B243F6E8220C}"/>
-                </a:ext>
-              </a:extLst>
-            </p:cNvPr>
-            <p:cNvGrpSpPr/>
-            <p:nvPr/>
-          </p:nvGrpSpPr>
-          <p:grpSpPr>
-            <a:xfrm>
-              <a:off x="-2" y="9568581"/>
-              <a:ext cx="19010314" cy="1112119"/>
-              <a:chOff x="-324645" y="2222500"/>
-              <a:chExt cx="22261686" cy="1302327"/>
-            </a:xfrm>
-          </p:grpSpPr>
-          <p:sp>
-            <p:nvSpPr>
-              <p:cNvPr id="22" name="Google Shape;259;p22">
-                <a:extLst>
-                  <a:ext uri="{FF2B5EF4-FFF2-40B4-BE49-F238E27FC236}">
-                    <a16:creationId xmlns:a16="http://schemas.microsoft.com/office/drawing/2014/main" id="{71CB459E-DEFA-487E-987E-17E4EFED74C2}"/>
-                  </a:ext>
-                </a:extLst>
-              </p:cNvPr>
-              <p:cNvSpPr/>
-              <p:nvPr/>
-            </p:nvSpPr>
-            <p:spPr>
-              <a:xfrm>
-                <a:off x="-324645" y="2222500"/>
-                <a:ext cx="17644827" cy="1302327"/>
-              </a:xfrm>
-              <a:custGeom>
-                <a:avLst/>
-                <a:gdLst/>
-                <a:ahLst/>
-                <a:cxnLst/>
-                <a:rect l="l" t="t" r="r" b="b"/>
-                <a:pathLst>
-                  <a:path w="1892300" h="440055" extrusionOk="0">
-                    <a:moveTo>
-                      <a:pt x="0" y="439737"/>
-                    </a:moveTo>
-                    <a:lnTo>
-                      <a:pt x="1892300" y="439737"/>
-                    </a:lnTo>
-                    <a:lnTo>
-                      <a:pt x="1892300" y="0"/>
-                    </a:lnTo>
-                    <a:lnTo>
-                      <a:pt x="0" y="0"/>
-                    </a:lnTo>
-                    <a:lnTo>
-                      <a:pt x="0" y="439737"/>
-                    </a:lnTo>
-                    <a:close/>
-                  </a:path>
-                </a:pathLst>
-              </a:custGeom>
-              <a:solidFill>
-                <a:srgbClr val="FFF2CC"/>
-              </a:solidFill>
-              <a:ln>
-                <a:noFill/>
-              </a:ln>
-              <a:effectLst>
-                <a:outerShdw blurRad="44450" dist="27940" dir="5400000" algn="ctr">
-                  <a:srgbClr val="000000">
-                    <a:alpha val="31764"/>
-                  </a:srgbClr>
-                </a:outerShdw>
-              </a:effectLst>
-            </p:spPr>
-            <p:txBody>
-              <a:bodyPr spcFirstLastPara="1" wrap="square" lIns="0" tIns="0" rIns="0" bIns="0" anchor="t" anchorCtr="0">
-                <a:noAutofit/>
-              </a:bodyPr>
-              <a:lstStyle/>
-              <a:p>
-                <a:endParaRPr sz="1154">
-                  <a:solidFill>
-                    <a:schemeClr val="dk1"/>
-                  </a:solidFill>
-                  <a:latin typeface="Calibri"/>
-                  <a:ea typeface="Calibri"/>
-                  <a:cs typeface="Calibri"/>
-                  <a:sym typeface="Calibri"/>
-                </a:endParaRPr>
-              </a:p>
-            </p:txBody>
-          </p:sp>
-          <p:sp>
-            <p:nvSpPr>
-              <p:cNvPr id="23" name="Google Shape;260;p22">
-                <a:extLst>
-                  <a:ext uri="{FF2B5EF4-FFF2-40B4-BE49-F238E27FC236}">
-                    <a16:creationId xmlns:a16="http://schemas.microsoft.com/office/drawing/2014/main" id="{E2F37FCF-DB27-478D-A319-551C18D7A616}"/>
-                  </a:ext>
-                </a:extLst>
-              </p:cNvPr>
-              <p:cNvSpPr/>
-              <p:nvPr/>
-            </p:nvSpPr>
-            <p:spPr>
-              <a:xfrm>
-                <a:off x="20621789" y="2222500"/>
-                <a:ext cx="1315252" cy="1302327"/>
-              </a:xfrm>
-              <a:custGeom>
-                <a:avLst/>
-                <a:gdLst/>
-                <a:ahLst/>
-                <a:cxnLst/>
-                <a:rect l="l" t="t" r="r" b="b"/>
-                <a:pathLst>
-                  <a:path w="1883409" h="440055" extrusionOk="0">
-                    <a:moveTo>
-                      <a:pt x="0" y="0"/>
-                    </a:moveTo>
-                    <a:lnTo>
-                      <a:pt x="0" y="439737"/>
-                    </a:lnTo>
-                    <a:lnTo>
-                      <a:pt x="1883155" y="439737"/>
-                    </a:lnTo>
-                    <a:lnTo>
-                      <a:pt x="1883155" y="0"/>
-                    </a:lnTo>
-                    <a:lnTo>
-                      <a:pt x="0" y="0"/>
-                    </a:lnTo>
-                    <a:close/>
-                  </a:path>
-                </a:pathLst>
-              </a:custGeom>
-              <a:solidFill>
-                <a:srgbClr val="FF8200"/>
-              </a:solidFill>
-              <a:ln>
-                <a:noFill/>
-              </a:ln>
-              <a:effectLst>
-                <a:outerShdw blurRad="44450" dist="27940" dir="5400000" algn="ctr">
-                  <a:srgbClr val="000000">
-                    <a:alpha val="31764"/>
-                  </a:srgbClr>
-                </a:outerShdw>
-              </a:effectLst>
-            </p:spPr>
-            <p:txBody>
-              <a:bodyPr spcFirstLastPara="1" wrap="square" lIns="0" tIns="0" rIns="0" bIns="0" anchor="t" anchorCtr="0">
-                <a:noAutofit/>
-              </a:bodyPr>
-              <a:lstStyle/>
-              <a:p>
-                <a:endParaRPr sz="1154">
-                  <a:solidFill>
-                    <a:schemeClr val="dk1"/>
-                  </a:solidFill>
-                  <a:latin typeface="Calibri"/>
-                  <a:ea typeface="Calibri"/>
-                  <a:cs typeface="Calibri"/>
-                  <a:sym typeface="Calibri"/>
-                </a:endParaRPr>
-              </a:p>
-            </p:txBody>
-          </p:sp>
-        </p:grpSp>
-        <p:sp>
-          <p:nvSpPr>
-            <p:cNvPr id="21" name="Google Shape;261;p22">
-              <a:extLst>
-                <a:ext uri="{FF2B5EF4-FFF2-40B4-BE49-F238E27FC236}">
-                  <a16:creationId xmlns:a16="http://schemas.microsoft.com/office/drawing/2014/main" id="{372A3EBA-0506-49DC-B80D-CF43F073EB55}"/>
-                </a:ext>
-              </a:extLst>
-            </p:cNvPr>
-            <p:cNvSpPr/>
-            <p:nvPr/>
-          </p:nvSpPr>
-          <p:spPr>
-            <a:xfrm>
-              <a:off x="15067756" y="9568581"/>
-              <a:ext cx="2819400" cy="1112119"/>
-            </a:xfrm>
-            <a:custGeom>
-              <a:avLst/>
-              <a:gdLst/>
-              <a:ahLst/>
-              <a:cxnLst/>
-              <a:rect l="l" t="t" r="r" b="b"/>
-              <a:pathLst>
-                <a:path w="1883409" h="440055" extrusionOk="0">
-                  <a:moveTo>
-                    <a:pt x="0" y="0"/>
-                  </a:moveTo>
-                  <a:lnTo>
-                    <a:pt x="0" y="439737"/>
-                  </a:lnTo>
-                  <a:lnTo>
-                    <a:pt x="1883155" y="439737"/>
-                  </a:lnTo>
-                  <a:lnTo>
-                    <a:pt x="1883155" y="0"/>
-                  </a:lnTo>
-                  <a:lnTo>
-                    <a:pt x="0" y="0"/>
-                  </a:lnTo>
-                  <a:close/>
-                </a:path>
-              </a:pathLst>
-            </a:custGeom>
-            <a:solidFill>
-              <a:srgbClr val="FEE599"/>
-            </a:solidFill>
-            <a:ln>
-              <a:noFill/>
-            </a:ln>
-            <a:effectLst>
-              <a:outerShdw blurRad="44450" dist="27940" dir="5400000" algn="ctr">
-                <a:srgbClr val="000000">
-                  <a:alpha val="31764"/>
-                </a:srgbClr>
-              </a:outerShdw>
-            </a:effectLst>
-          </p:spPr>
-          <p:txBody>
-            <a:bodyPr spcFirstLastPara="1" wrap="square" lIns="0" tIns="0" rIns="0" bIns="0" anchor="t" anchorCtr="0">
-              <a:noAutofit/>
-            </a:bodyPr>
-            <a:lstStyle/>
-            <a:p>
-              <a:endParaRPr sz="1154">
-                <a:solidFill>
-                  <a:schemeClr val="dk1"/>
-                </a:solidFill>
-                <a:latin typeface="Calibri"/>
-                <a:ea typeface="Calibri"/>
-                <a:cs typeface="Calibri"/>
-                <a:sym typeface="Calibri"/>
-              </a:endParaRPr>
-            </a:p>
-          </p:txBody>
-        </p:sp>
-      </p:grpSp>
-      <p:sp>
-        <p:nvSpPr>
-          <p:cNvPr id="25" name="TextBox 24">
-            <a:extLst>
-              <a:ext uri="{FF2B5EF4-FFF2-40B4-BE49-F238E27FC236}">
-                <a16:creationId xmlns:a16="http://schemas.microsoft.com/office/drawing/2014/main" id="{536D4529-5487-4B94-9DB8-E14E3E37EA7A}"/>
-              </a:ext>
-            </a:extLst>
-          </p:cNvPr>
-          <p:cNvSpPr txBox="1"/>
-          <p:nvPr/>
-        </p:nvSpPr>
-        <p:spPr>
-          <a:xfrm>
-            <a:off x="267708" y="6415527"/>
-            <a:ext cx="6128932" cy="368691"/>
-          </a:xfrm>
-          <a:prstGeom prst="rect">
-            <a:avLst/>
-          </a:prstGeom>
-          <a:noFill/>
-        </p:spPr>
-        <p:txBody>
-          <a:bodyPr wrap="square">
-            <a:spAutoFit/>
-          </a:bodyPr>
-          <a:lstStyle/>
-          <a:p>
-            <a:r>
-              <a:rPr lang="en-US" sz="1796">
-                <a:latin typeface="Times New Roman" panose="02020603050405020304" pitchFamily="18" charset="0"/>
-                <a:ea typeface="Calibri"/>
-                <a:cs typeface="Times New Roman" panose="02020603050405020304" pitchFamily="18" charset="0"/>
-                <a:sym typeface="Calibri"/>
-              </a:rPr>
-              <a:t> Research Content Management</a:t>
-            </a:r>
-          </a:p>
-        </p:txBody>
-      </p:sp>
-      <p:sp>
-        <p:nvSpPr>
-          <p:cNvPr id="27" name="TextBox 26">
-            <a:extLst>
-              <a:ext uri="{FF2B5EF4-FFF2-40B4-BE49-F238E27FC236}">
-                <a16:creationId xmlns:a16="http://schemas.microsoft.com/office/drawing/2014/main" id="{8ADEC2A7-0715-4015-A001-AAB24EB0FB68}"/>
-              </a:ext>
-            </a:extLst>
-          </p:cNvPr>
-          <p:cNvSpPr txBox="1"/>
-          <p:nvPr/>
-        </p:nvSpPr>
-        <p:spPr>
-          <a:xfrm>
-            <a:off x="9931115" y="6480071"/>
-            <a:ext cx="6128932" cy="368691"/>
-          </a:xfrm>
-          <a:prstGeom prst="rect">
-            <a:avLst/>
-          </a:prstGeom>
-          <a:noFill/>
-        </p:spPr>
-        <p:txBody>
-          <a:bodyPr wrap="square">
-            <a:spAutoFit/>
-          </a:bodyPr>
-          <a:lstStyle/>
-          <a:p>
-            <a:r>
-              <a:rPr lang="en-US" sz="1796">
-                <a:solidFill>
-                  <a:schemeClr val="dk1"/>
-                </a:solidFill>
-                <a:latin typeface="Times New Roman"/>
-                <a:ea typeface="Calibri"/>
-                <a:cs typeface="Times New Roman"/>
-                <a:sym typeface="Times New Roman"/>
-              </a:rPr>
-              <a:t>06/02/2022</a:t>
-            </a:r>
-            <a:endParaRPr lang="en-US" sz="1796">
-              <a:solidFill>
-                <a:schemeClr val="dk1"/>
-              </a:solidFill>
-              <a:latin typeface="Calibri"/>
-              <a:ea typeface="Calibri"/>
-              <a:cs typeface="Calibri"/>
-              <a:sym typeface="Calibri"/>
-            </a:endParaRPr>
-          </a:p>
-        </p:txBody>
-      </p:sp>
-      <p:sp>
-        <p:nvSpPr>
-          <p:cNvPr id="29" name="TextBox 28">
-            <a:extLst>
-              <a:ext uri="{FF2B5EF4-FFF2-40B4-BE49-F238E27FC236}">
-                <a16:creationId xmlns:a16="http://schemas.microsoft.com/office/drawing/2014/main" id="{A354CB08-1885-458B-954D-1E6D7BE9080F}"/>
-              </a:ext>
-            </a:extLst>
-          </p:cNvPr>
-          <p:cNvSpPr txBox="1"/>
-          <p:nvPr/>
-        </p:nvSpPr>
-        <p:spPr>
-          <a:xfrm>
-            <a:off x="11446478" y="6480071"/>
-            <a:ext cx="534862" cy="368691"/>
-          </a:xfrm>
-          <a:prstGeom prst="rect">
-            <a:avLst/>
-          </a:prstGeom>
-          <a:noFill/>
-        </p:spPr>
-        <p:txBody>
-          <a:bodyPr wrap="square">
-            <a:spAutoFit/>
-          </a:bodyPr>
-          <a:lstStyle/>
-          <a:p>
-            <a:pPr algn="r"/>
-            <a:fld id="{00000000-1234-1234-1234-123412341234}" type="slidenum">
-              <a:rPr lang="en-US" sz="1796">
-                <a:solidFill>
-                  <a:schemeClr val="lt1"/>
-                </a:solidFill>
-                <a:latin typeface="Times New Roman" panose="02020603050405020304" pitchFamily="18" charset="0"/>
-                <a:ea typeface="Calibri"/>
-                <a:cs typeface="Times New Roman" panose="02020603050405020304" pitchFamily="18" charset="0"/>
-                <a:sym typeface="Calibri"/>
-              </a:rPr>
-              <a:pPr algn="r"/>
-              <a:t>18</a:t>
-            </a:fld>
-            <a:endParaRPr lang="en-US" sz="1796">
-              <a:solidFill>
-                <a:schemeClr val="lt1"/>
-              </a:solidFill>
-              <a:latin typeface="Times New Roman" panose="02020603050405020304" pitchFamily="18" charset="0"/>
-              <a:ea typeface="Calibri"/>
-              <a:cs typeface="Times New Roman" panose="02020603050405020304" pitchFamily="18" charset="0"/>
-              <a:sym typeface="Calibri"/>
-            </a:endParaRPr>
-          </a:p>
-        </p:txBody>
-      </p:sp>
-      <p:graphicFrame>
-        <p:nvGraphicFramePr>
-          <p:cNvPr id="31" name="Text Placeholder 2">
-            <a:extLst>
-              <a:ext uri="{FF2B5EF4-FFF2-40B4-BE49-F238E27FC236}">
-                <a16:creationId xmlns:a16="http://schemas.microsoft.com/office/drawing/2014/main" id="{EDDD35E0-6002-ED2B-E607-CF3848BFA294}"/>
-              </a:ext>
-            </a:extLst>
-          </p:cNvPr>
-          <p:cNvGraphicFramePr/>
-          <p:nvPr/>
-        </p:nvGraphicFramePr>
-        <p:xfrm>
-          <a:off x="689115" y="1451420"/>
-          <a:ext cx="9242000" cy="4417568"/>
-        </p:xfrm>
-        <a:graphic>
-          <a:graphicData uri="http://schemas.openxmlformats.org/drawingml/2006/diagram">
-            <dgm:relIds xmlns:dgm="http://schemas.openxmlformats.org/drawingml/2006/diagram" xmlns:r="http://schemas.openxmlformats.org/officeDocument/2006/relationships" r:dm="rId2" r:lo="rId3" r:qs="rId4" r:cs="rId5"/>
-          </a:graphicData>
-        </a:graphic>
-      </p:graphicFrame>
-    </p:spTree>
-    <p:extLst>
-      <p:ext uri="{BB962C8B-B14F-4D97-AF65-F5344CB8AC3E}">
-        <p14:creationId xmlns:p14="http://schemas.microsoft.com/office/powerpoint/2010/main" val="2890276785"/>
-      </p:ext>
-    </p:extLst>
-  </p:cSld>
-  <p:clrMapOvr>
-    <a:masterClrMapping/>
-  </p:clrMapOvr>
-</p:sld>
-</file>
-
-<file path=ppt/slides/slide19.xml><?xml version="1.0" encoding="utf-8"?>
-<p:sld xmlns:a="http://schemas.openxmlformats.org/drawingml/2006/main" xmlns:r="http://schemas.openxmlformats.org/officeDocument/2006/relationships" xmlns:p="http://schemas.openxmlformats.org/presentationml/2006/main">
-  <p:cSld>
-    <p:spTree>
-      <p:nvGrpSpPr>
         <p:cNvPr id="1" name="Shape 291"/>
         <p:cNvGrpSpPr/>
         <p:nvPr/>
@@ -29045,7 +24609,7 @@
                 </a:solidFill>
               </a:rPr>
               <a:pPr/>
-              <a:t>19</a:t>
+              <a:t>18</a:t>
             </a:fld>
             <a:endParaRPr sz="2052">
               <a:solidFill>
@@ -29418,7 +24982,7 @@
                 <a:sym typeface="Calibri"/>
               </a:rPr>
               <a:pPr algn="r"/>
-              <a:t>19</a:t>
+              <a:t>18</a:t>
             </a:fld>
             <a:endParaRPr sz="1796">
               <a:solidFill>
@@ -29761,7 +25325,7 @@
           <p:nvPr>
             <p:extLst>
               <p:ext uri="{D42A27DB-BD31-4B8C-83A1-F6EECF244321}">
-                <p14:modId xmlns:p14="http://schemas.microsoft.com/office/powerpoint/2010/main" val="3918906603"/>
+                <p14:modId xmlns:p14="http://schemas.microsoft.com/office/powerpoint/2010/main" val="888893055"/>
               </p:ext>
             </p:extLst>
           </p:nvPr>
@@ -29777,6 +25341,150 @@
         </a:graphic>
       </p:graphicFrame>
     </p:spTree>
+  </p:cSld>
+  <p:clrMapOvr>
+    <a:masterClrMapping/>
+  </p:clrMapOvr>
+</p:sld>
+</file>
+
+<file path=ppt/slides/slide19.xml><?xml version="1.0" encoding="utf-8"?>
+<p:sld xmlns:a="http://schemas.openxmlformats.org/drawingml/2006/main" xmlns:r="http://schemas.openxmlformats.org/officeDocument/2006/relationships" xmlns:p="http://schemas.openxmlformats.org/presentationml/2006/main">
+  <p:cSld>
+    <p:spTree>
+      <p:nvGrpSpPr>
+        <p:cNvPr id="1" name=""/>
+        <p:cNvGrpSpPr/>
+        <p:nvPr/>
+      </p:nvGrpSpPr>
+      <p:grpSpPr>
+        <a:xfrm>
+          <a:off x="0" y="0"/>
+          <a:ext cx="0" cy="0"/>
+          <a:chOff x="0" y="0"/>
+          <a:chExt cx="0" cy="0"/>
+        </a:xfrm>
+      </p:grpSpPr>
+      <p:sp>
+        <p:nvSpPr>
+          <p:cNvPr id="2" name="Title 1">
+            <a:extLst>
+              <a:ext uri="{FF2B5EF4-FFF2-40B4-BE49-F238E27FC236}">
+                <a16:creationId xmlns:a16="http://schemas.microsoft.com/office/drawing/2014/main" id="{C64F9480-A9DD-04FB-105D-6F606B421568}"/>
+              </a:ext>
+            </a:extLst>
+          </p:cNvPr>
+          <p:cNvSpPr>
+            <a:spLocks noGrp="1"/>
+          </p:cNvSpPr>
+          <p:nvPr>
+            <p:ph type="title"/>
+          </p:nvPr>
+        </p:nvSpPr>
+        <p:spPr/>
+        <p:txBody>
+          <a:bodyPr/>
+          <a:lstStyle/>
+          <a:p>
+            <a:r>
+              <a:rPr lang="en-US" sz="4400" dirty="0"/>
+              <a:t>Introduction To Hydroponic Farming</a:t>
+            </a:r>
+            <a:endParaRPr lang="en-US" dirty="0"/>
+          </a:p>
+        </p:txBody>
+      </p:sp>
+      <p:sp>
+        <p:nvSpPr>
+          <p:cNvPr id="3" name="Content Placeholder 2">
+            <a:extLst>
+              <a:ext uri="{FF2B5EF4-FFF2-40B4-BE49-F238E27FC236}">
+                <a16:creationId xmlns:a16="http://schemas.microsoft.com/office/drawing/2014/main" id="{850BD4DB-672C-C406-E77E-9B5AA3B39B87}"/>
+              </a:ext>
+            </a:extLst>
+          </p:cNvPr>
+          <p:cNvSpPr>
+            <a:spLocks noGrp="1"/>
+          </p:cNvSpPr>
+          <p:nvPr>
+            <p:ph idx="1"/>
+          </p:nvPr>
+        </p:nvSpPr>
+        <p:spPr/>
+        <p:txBody>
+          <a:bodyPr/>
+          <a:lstStyle/>
+          <a:p>
+            <a:r>
+              <a:rPr lang="en-US" sz="2800" b="0" i="0" dirty="0">
+                <a:effectLst/>
+                <a:latin typeface="Times New Roman" panose="02020603050405020304" pitchFamily="18" charset="0"/>
+                <a:cs typeface="Times New Roman" panose="02020603050405020304" pitchFamily="18" charset="0"/>
+              </a:rPr>
+              <a:t>It is technique for growing plants without soil.</a:t>
+            </a:r>
+          </a:p>
+          <a:p>
+            <a:r>
+              <a:rPr lang="en-US" sz="2800" b="0" i="0" dirty="0">
+                <a:effectLst/>
+                <a:latin typeface="Times New Roman" panose="02020603050405020304" pitchFamily="18" charset="0"/>
+                <a:cs typeface="Times New Roman" panose="02020603050405020304" pitchFamily="18" charset="0"/>
+              </a:rPr>
+              <a:t> Utilizing this </a:t>
+            </a:r>
+            <a:r>
+              <a:rPr lang="en-US" sz="2800" dirty="0">
+                <a:latin typeface="Times New Roman" panose="02020603050405020304" pitchFamily="18" charset="0"/>
+                <a:cs typeface="Times New Roman" panose="02020603050405020304" pitchFamily="18" charset="0"/>
+              </a:rPr>
+              <a:t>methodology</a:t>
+            </a:r>
+            <a:r>
+              <a:rPr lang="en-US" sz="2800" b="0" i="0" dirty="0">
+                <a:effectLst/>
+                <a:latin typeface="Times New Roman" panose="02020603050405020304" pitchFamily="18" charset="0"/>
+                <a:cs typeface="Times New Roman" panose="02020603050405020304" pitchFamily="18" charset="0"/>
+              </a:rPr>
+              <a:t>, the roots absorb balanced nutrients that are dissolved in water. which meets all the plant developmental requirements. </a:t>
+            </a:r>
+          </a:p>
+          <a:p>
+            <a:pPr algn="l"/>
+            <a:r>
+              <a:rPr lang="en-US" sz="2800" b="0" i="0" dirty="0">
+                <a:solidFill>
+                  <a:srgbClr val="393939"/>
+                </a:solidFill>
+                <a:effectLst/>
+                <a:latin typeface="Times New Roman" panose="02020603050405020304" pitchFamily="18" charset="0"/>
+                <a:cs typeface="Times New Roman" panose="02020603050405020304" pitchFamily="18" charset="0"/>
+              </a:rPr>
+              <a:t>As a result, the plants can grow quicker and healthier. </a:t>
+            </a:r>
+          </a:p>
+          <a:p>
+            <a:pPr algn="l"/>
+            <a:r>
+              <a:rPr lang="en-US" sz="2800" b="0" i="0" dirty="0">
+                <a:solidFill>
+                  <a:srgbClr val="393939"/>
+                </a:solidFill>
+                <a:effectLst/>
+                <a:latin typeface="Times New Roman" panose="02020603050405020304" pitchFamily="18" charset="0"/>
+                <a:cs typeface="Times New Roman" panose="02020603050405020304" pitchFamily="18" charset="0"/>
+              </a:rPr>
+              <a:t>So, as long as there’s water and nutrients, they can sustain themselves and survive.</a:t>
+            </a:r>
+          </a:p>
+        </p:txBody>
+      </p:sp>
+    </p:spTree>
+    <p:extLst>
+      <p:ext uri="{BB962C8B-B14F-4D97-AF65-F5344CB8AC3E}">
+        <p14:creationId xmlns:p14="http://schemas.microsoft.com/office/powerpoint/2010/main" val="3340804503"/>
+      </p:ext>
+    </p:extLst>
   </p:cSld>
   <p:clrMapOvr>
     <a:masterClrMapping/>
@@ -30549,150 +26257,6 @@
           <p:cNvPr id="2" name="Title 1">
             <a:extLst>
               <a:ext uri="{FF2B5EF4-FFF2-40B4-BE49-F238E27FC236}">
-                <a16:creationId xmlns:a16="http://schemas.microsoft.com/office/drawing/2014/main" id="{C64F9480-A9DD-04FB-105D-6F606B421568}"/>
-              </a:ext>
-            </a:extLst>
-          </p:cNvPr>
-          <p:cNvSpPr>
-            <a:spLocks noGrp="1"/>
-          </p:cNvSpPr>
-          <p:nvPr>
-            <p:ph type="title"/>
-          </p:nvPr>
-        </p:nvSpPr>
-        <p:spPr/>
-        <p:txBody>
-          <a:bodyPr/>
-          <a:lstStyle/>
-          <a:p>
-            <a:r>
-              <a:rPr lang="en-US" sz="4400" dirty="0"/>
-              <a:t>Introduction To Hydroponic Farming</a:t>
-            </a:r>
-            <a:endParaRPr lang="en-US" dirty="0"/>
-          </a:p>
-        </p:txBody>
-      </p:sp>
-      <p:sp>
-        <p:nvSpPr>
-          <p:cNvPr id="3" name="Content Placeholder 2">
-            <a:extLst>
-              <a:ext uri="{FF2B5EF4-FFF2-40B4-BE49-F238E27FC236}">
-                <a16:creationId xmlns:a16="http://schemas.microsoft.com/office/drawing/2014/main" id="{850BD4DB-672C-C406-E77E-9B5AA3B39B87}"/>
-              </a:ext>
-            </a:extLst>
-          </p:cNvPr>
-          <p:cNvSpPr>
-            <a:spLocks noGrp="1"/>
-          </p:cNvSpPr>
-          <p:nvPr>
-            <p:ph idx="1"/>
-          </p:nvPr>
-        </p:nvSpPr>
-        <p:spPr/>
-        <p:txBody>
-          <a:bodyPr/>
-          <a:lstStyle/>
-          <a:p>
-            <a:r>
-              <a:rPr lang="en-US" sz="2800" b="0" i="0" dirty="0">
-                <a:effectLst/>
-                <a:latin typeface="Times New Roman" panose="02020603050405020304" pitchFamily="18" charset="0"/>
-                <a:cs typeface="Times New Roman" panose="02020603050405020304" pitchFamily="18" charset="0"/>
-              </a:rPr>
-              <a:t>It is technique for growing plants without soil.</a:t>
-            </a:r>
-          </a:p>
-          <a:p>
-            <a:r>
-              <a:rPr lang="en-US" sz="2800" b="0" i="0" dirty="0">
-                <a:effectLst/>
-                <a:latin typeface="Times New Roman" panose="02020603050405020304" pitchFamily="18" charset="0"/>
-                <a:cs typeface="Times New Roman" panose="02020603050405020304" pitchFamily="18" charset="0"/>
-              </a:rPr>
-              <a:t> Utilizing this </a:t>
-            </a:r>
-            <a:r>
-              <a:rPr lang="en-US" sz="2800" dirty="0">
-                <a:latin typeface="Times New Roman" panose="02020603050405020304" pitchFamily="18" charset="0"/>
-                <a:cs typeface="Times New Roman" panose="02020603050405020304" pitchFamily="18" charset="0"/>
-              </a:rPr>
-              <a:t>methodology</a:t>
-            </a:r>
-            <a:r>
-              <a:rPr lang="en-US" sz="2800" b="0" i="0" dirty="0">
-                <a:effectLst/>
-                <a:latin typeface="Times New Roman" panose="02020603050405020304" pitchFamily="18" charset="0"/>
-                <a:cs typeface="Times New Roman" panose="02020603050405020304" pitchFamily="18" charset="0"/>
-              </a:rPr>
-              <a:t>, the roots absorb balanced nutrients that are dissolved in water. which meets all the plant developmental requirements. </a:t>
-            </a:r>
-          </a:p>
-          <a:p>
-            <a:pPr algn="l"/>
-            <a:r>
-              <a:rPr lang="en-US" sz="2800" b="0" i="0" dirty="0">
-                <a:solidFill>
-                  <a:srgbClr val="393939"/>
-                </a:solidFill>
-                <a:effectLst/>
-                <a:latin typeface="Times New Roman" panose="02020603050405020304" pitchFamily="18" charset="0"/>
-                <a:cs typeface="Times New Roman" panose="02020603050405020304" pitchFamily="18" charset="0"/>
-              </a:rPr>
-              <a:t>As a result, the plants can grow quicker and healthier. </a:t>
-            </a:r>
-          </a:p>
-          <a:p>
-            <a:pPr algn="l"/>
-            <a:r>
-              <a:rPr lang="en-US" sz="2800" b="0" i="0" dirty="0">
-                <a:solidFill>
-                  <a:srgbClr val="393939"/>
-                </a:solidFill>
-                <a:effectLst/>
-                <a:latin typeface="Times New Roman" panose="02020603050405020304" pitchFamily="18" charset="0"/>
-                <a:cs typeface="Times New Roman" panose="02020603050405020304" pitchFamily="18" charset="0"/>
-              </a:rPr>
-              <a:t>So, as long as there’s water and nutrients, they can sustain themselves and survive.</a:t>
-            </a:r>
-          </a:p>
-        </p:txBody>
-      </p:sp>
-    </p:spTree>
-    <p:extLst>
-      <p:ext uri="{BB962C8B-B14F-4D97-AF65-F5344CB8AC3E}">
-        <p14:creationId xmlns:p14="http://schemas.microsoft.com/office/powerpoint/2010/main" val="3340804503"/>
-      </p:ext>
-    </p:extLst>
-  </p:cSld>
-  <p:clrMapOvr>
-    <a:masterClrMapping/>
-  </p:clrMapOvr>
-</p:sld>
-</file>
-
-<file path=ppt/slides/slide21.xml><?xml version="1.0" encoding="utf-8"?>
-<p:sld xmlns:a="http://schemas.openxmlformats.org/drawingml/2006/main" xmlns:r="http://schemas.openxmlformats.org/officeDocument/2006/relationships" xmlns:p="http://schemas.openxmlformats.org/presentationml/2006/main">
-  <p:cSld>
-    <p:spTree>
-      <p:nvGrpSpPr>
-        <p:cNvPr id="1" name=""/>
-        <p:cNvGrpSpPr/>
-        <p:nvPr/>
-      </p:nvGrpSpPr>
-      <p:grpSpPr>
-        <a:xfrm>
-          <a:off x="0" y="0"/>
-          <a:ext cx="0" cy="0"/>
-          <a:chOff x="0" y="0"/>
-          <a:chExt cx="0" cy="0"/>
-        </a:xfrm>
-      </p:grpSpPr>
-      <p:sp>
-        <p:nvSpPr>
-          <p:cNvPr id="2" name="Title 1">
-            <a:extLst>
-              <a:ext uri="{FF2B5EF4-FFF2-40B4-BE49-F238E27FC236}">
                 <a16:creationId xmlns:a16="http://schemas.microsoft.com/office/drawing/2014/main" id="{FF0C01A4-88A0-A676-789E-B898D3CFA856}"/>
               </a:ext>
             </a:extLst>
@@ -30789,7 +26353,7 @@
 </p:sld>
 </file>
 
-<file path=ppt/slides/slide22.xml><?xml version="1.0" encoding="utf-8"?>
+<file path=ppt/slides/slide21.xml><?xml version="1.0" encoding="utf-8"?>
 <p:sld xmlns:a="http://schemas.openxmlformats.org/drawingml/2006/main" xmlns:r="http://schemas.openxmlformats.org/officeDocument/2006/relationships" xmlns:p="http://schemas.openxmlformats.org/presentationml/2006/main">
   <p:cSld>
     <p:spTree>
@@ -31039,7 +26603,7 @@
 </p:sld>
 </file>
 
-<file path=ppt/slides/slide23.xml><?xml version="1.0" encoding="utf-8"?>
+<file path=ppt/slides/slide22.xml><?xml version="1.0" encoding="utf-8"?>
 <p:sld xmlns:a="http://schemas.openxmlformats.org/drawingml/2006/main" xmlns:r="http://schemas.openxmlformats.org/officeDocument/2006/relationships" xmlns:p="http://schemas.openxmlformats.org/presentationml/2006/main">
   <p:cSld>
     <p:spTree>
@@ -31308,7 +26872,7 @@
 </p:sld>
 </file>
 
-<file path=ppt/slides/slide24.xml><?xml version="1.0" encoding="utf-8"?>
+<file path=ppt/slides/slide23.xml><?xml version="1.0" encoding="utf-8"?>
 <p:sld xmlns:a="http://schemas.openxmlformats.org/drawingml/2006/main" xmlns:r="http://schemas.openxmlformats.org/officeDocument/2006/relationships" xmlns:p="http://schemas.openxmlformats.org/presentationml/2006/main">
   <p:cSld>
     <p:spTree>
@@ -31477,7 +27041,7 @@
 </p:sld>
 </file>
 
-<file path=ppt/slides/slide25.xml><?xml version="1.0" encoding="utf-8"?>
+<file path=ppt/slides/slide24.xml><?xml version="1.0" encoding="utf-8"?>
 <p:sld xmlns:a="http://schemas.openxmlformats.org/drawingml/2006/main" xmlns:r="http://schemas.openxmlformats.org/officeDocument/2006/relationships" xmlns:p="http://schemas.openxmlformats.org/presentationml/2006/main">
   <p:cSld>
     <p:spTree>
@@ -31853,7 +27417,7 @@
 </p:sld>
 </file>
 
-<file path=ppt/slides/slide26.xml><?xml version="1.0" encoding="utf-8"?>
+<file path=ppt/slides/slide25.xml><?xml version="1.0" encoding="utf-8"?>
 <p:sld xmlns:a="http://schemas.openxmlformats.org/drawingml/2006/main" xmlns:r="http://schemas.openxmlformats.org/officeDocument/2006/relationships" xmlns:p="http://schemas.openxmlformats.org/presentationml/2006/main">
   <p:cSld>
     <p:spTree>
@@ -32084,7 +27648,7 @@
 </p:sld>
 </file>
 
-<file path=ppt/slides/slide27.xml><?xml version="1.0" encoding="utf-8"?>
+<file path=ppt/slides/slide26.xml><?xml version="1.0" encoding="utf-8"?>
 <p:sld xmlns:a="http://schemas.openxmlformats.org/drawingml/2006/main" xmlns:r="http://schemas.openxmlformats.org/officeDocument/2006/relationships" xmlns:p="http://schemas.openxmlformats.org/presentationml/2006/main">
   <p:cSld>
     <p:spTree>
@@ -32176,7 +27740,7 @@
 </p:sld>
 </file>
 
-<file path=ppt/slides/slide28.xml><?xml version="1.0" encoding="utf-8"?>
+<file path=ppt/slides/slide27.xml><?xml version="1.0" encoding="utf-8"?>
 <p:sld xmlns:a="http://schemas.openxmlformats.org/drawingml/2006/main" xmlns:r="http://schemas.openxmlformats.org/officeDocument/2006/relationships" xmlns:p="http://schemas.openxmlformats.org/presentationml/2006/main">
   <p:cSld>
     <p:spTree>
@@ -32518,7 +28082,7 @@
 </p:sld>
 </file>
 
-<file path=ppt/slides/slide29.xml><?xml version="1.0" encoding="utf-8"?>
+<file path=ppt/slides/slide28.xml><?xml version="1.0" encoding="utf-8"?>
 <p:sld xmlns:a="http://schemas.openxmlformats.org/drawingml/2006/main" xmlns:r="http://schemas.openxmlformats.org/officeDocument/2006/relationships" xmlns:p="http://schemas.openxmlformats.org/presentationml/2006/main">
   <p:cSld>
     <p:spTree>
@@ -32650,6 +28214,122 @@
 </p:sld>
 </file>
 
+<file path=ppt/slides/slide29.xml><?xml version="1.0" encoding="utf-8"?>
+<p:sld xmlns:a="http://schemas.openxmlformats.org/drawingml/2006/main" xmlns:r="http://schemas.openxmlformats.org/officeDocument/2006/relationships" xmlns:p="http://schemas.openxmlformats.org/presentationml/2006/main">
+  <p:cSld>
+    <p:spTree>
+      <p:nvGrpSpPr>
+        <p:cNvPr id="1" name=""/>
+        <p:cNvGrpSpPr/>
+        <p:nvPr/>
+      </p:nvGrpSpPr>
+      <p:grpSpPr>
+        <a:xfrm>
+          <a:off x="0" y="0"/>
+          <a:ext cx="0" cy="0"/>
+          <a:chOff x="0" y="0"/>
+          <a:chExt cx="0" cy="0"/>
+        </a:xfrm>
+      </p:grpSpPr>
+      <p:sp>
+        <p:nvSpPr>
+          <p:cNvPr id="2" name="Title 1">
+            <a:extLst>
+              <a:ext uri="{FF2B5EF4-FFF2-40B4-BE49-F238E27FC236}">
+                <a16:creationId xmlns:a16="http://schemas.microsoft.com/office/drawing/2014/main" id="{92D1DFCE-FD99-BF81-0A0F-6A7293067480}"/>
+              </a:ext>
+            </a:extLst>
+          </p:cNvPr>
+          <p:cNvSpPr>
+            <a:spLocks noGrp="1"/>
+          </p:cNvSpPr>
+          <p:nvPr>
+            <p:ph type="title"/>
+          </p:nvPr>
+        </p:nvSpPr>
+        <p:spPr/>
+        <p:txBody>
+          <a:bodyPr/>
+          <a:lstStyle/>
+          <a:p>
+            <a:r>
+              <a:rPr lang="en-US" b="1" dirty="0"/>
+              <a:t>Conclusion</a:t>
+            </a:r>
+          </a:p>
+        </p:txBody>
+      </p:sp>
+      <p:sp>
+        <p:nvSpPr>
+          <p:cNvPr id="3" name="Content Placeholder 2">
+            <a:extLst>
+              <a:ext uri="{FF2B5EF4-FFF2-40B4-BE49-F238E27FC236}">
+                <a16:creationId xmlns:a16="http://schemas.microsoft.com/office/drawing/2014/main" id="{0EC1A9BC-0763-EF84-90F6-EA46850D5DFE}"/>
+              </a:ext>
+            </a:extLst>
+          </p:cNvPr>
+          <p:cNvSpPr>
+            <a:spLocks noGrp="1"/>
+          </p:cNvSpPr>
+          <p:nvPr>
+            <p:ph idx="1"/>
+          </p:nvPr>
+        </p:nvSpPr>
+        <p:spPr/>
+        <p:txBody>
+          <a:bodyPr/>
+          <a:lstStyle/>
+          <a:p>
+            <a:r>
+              <a:rPr lang="en-US" sz="2800" dirty="0">
+                <a:latin typeface="Times New Roman" panose="02020603050405020304" pitchFamily="18" charset="0"/>
+                <a:cs typeface="Times New Roman" panose="02020603050405020304" pitchFamily="18" charset="0"/>
+              </a:rPr>
+              <a:t>By this project we can avoid wastage of water by reusing the same water.</a:t>
+            </a:r>
+          </a:p>
+          <a:p>
+            <a:r>
+              <a:rPr lang="en-US" sz="2800" dirty="0">
+                <a:latin typeface="Times New Roman" panose="02020603050405020304" pitchFamily="18" charset="0"/>
+                <a:cs typeface="Times New Roman" panose="02020603050405020304" pitchFamily="18" charset="0"/>
+              </a:rPr>
+              <a:t>We can avoid weeds that grow together with the crops and achieve the high yield of crops.</a:t>
+            </a:r>
+          </a:p>
+          <a:p>
+            <a:r>
+              <a:rPr lang="en-US" sz="2800" dirty="0">
+                <a:latin typeface="Times New Roman" panose="02020603050405020304" pitchFamily="18" charset="0"/>
+                <a:cs typeface="Times New Roman" panose="02020603050405020304" pitchFamily="18" charset="0"/>
+              </a:rPr>
+              <a:t>We can supply sufficient nutrients to the plants as roots are directly deployed in water, As water is a good dissolvent.</a:t>
+            </a:r>
+          </a:p>
+          <a:p>
+            <a:r>
+              <a:rPr lang="en-US" sz="2800" dirty="0">
+                <a:latin typeface="Times New Roman" panose="02020603050405020304" pitchFamily="18" charset="0"/>
+                <a:cs typeface="Times New Roman" panose="02020603050405020304" pitchFamily="18" charset="0"/>
+              </a:rPr>
+              <a:t>Finally, IOT helps us to monitor and control the conditions of the plant on a regular basis and analyze it using a smart phone.</a:t>
+            </a:r>
+          </a:p>
+        </p:txBody>
+      </p:sp>
+    </p:spTree>
+    <p:extLst>
+      <p:ext uri="{BB962C8B-B14F-4D97-AF65-F5344CB8AC3E}">
+        <p14:creationId xmlns:p14="http://schemas.microsoft.com/office/powerpoint/2010/main" val="3205610892"/>
+      </p:ext>
+    </p:extLst>
+  </p:cSld>
+  <p:clrMapOvr>
+    <a:masterClrMapping/>
+  </p:clrMapOvr>
+</p:sld>
+</file>
+
 <file path=ppt/slides/slide3.xml><?xml version="1.0" encoding="utf-8"?>
 <p:sld xmlns:a="http://schemas.openxmlformats.org/drawingml/2006/main" xmlns:r="http://schemas.openxmlformats.org/officeDocument/2006/relationships" xmlns:p="http://schemas.openxmlformats.org/presentationml/2006/main">
   <p:cSld>
@@ -32768,10 +28448,10 @@
         </p:nvGrpSpPr>
         <p:grpSpPr>
           <a:xfrm>
-            <a:off x="-16798" y="496839"/>
-            <a:ext cx="9665933" cy="531016"/>
-            <a:chOff x="-16184" y="8640158"/>
-            <a:chExt cx="4045716" cy="439420"/>
+            <a:off x="0" y="575089"/>
+            <a:ext cx="9676823" cy="531016"/>
+            <a:chOff x="-9153" y="8674530"/>
+            <a:chExt cx="4050274" cy="439420"/>
           </a:xfrm>
         </p:grpSpPr>
         <p:sp>
@@ -32782,7 +28462,7 @@
           </p:nvSpPr>
           <p:spPr>
             <a:xfrm>
-              <a:off x="-16184" y="8640158"/>
+              <a:off x="-9153" y="8674530"/>
               <a:ext cx="3923363" cy="439420"/>
             </a:xfrm>
             <a:custGeom>
@@ -32834,7 +28514,7 @@
             <a:p>
               <a:pPr marL="293202" lvl="1" algn="ctr"/>
               <a:r>
-                <a:rPr lang="en-US" sz="3463">
+                <a:rPr lang="en-US" sz="3463" dirty="0">
                   <a:solidFill>
                     <a:schemeClr val="lt1"/>
                   </a:solidFill>
@@ -32843,9 +28523,9 @@
                   <a:cs typeface="Calibri"/>
                   <a:sym typeface="Calibri"/>
                 </a:rPr>
-                <a:t>Introduction</a:t>
+                <a:t>Motivation</a:t>
               </a:r>
-              <a:endParaRPr sz="1283">
+              <a:endParaRPr sz="1283" dirty="0">
                 <a:solidFill>
                   <a:schemeClr val="lt1"/>
                 </a:solidFill>
@@ -32865,7 +28545,7 @@
           </p:nvSpPr>
           <p:spPr>
             <a:xfrm>
-              <a:off x="3800173" y="8640158"/>
+              <a:off x="3811762" y="8674530"/>
               <a:ext cx="229359" cy="439420"/>
             </a:xfrm>
             <a:custGeom>
@@ -33020,8 +28700,8 @@
         </p:nvSpPr>
         <p:spPr>
           <a:xfrm>
-            <a:off x="204972" y="1445279"/>
-            <a:ext cx="11051573" cy="3968081"/>
+            <a:off x="204972" y="1444959"/>
+            <a:ext cx="11051573" cy="4323435"/>
           </a:xfrm>
           <a:prstGeom prst="rect">
             <a:avLst/>
@@ -33042,17 +28722,13 @@
               <a:buChar char="Ø"/>
             </a:pPr>
             <a:r>
-              <a:rPr lang="en-US" sz="2309">
+              <a:rPr lang="en-US" sz="2309" dirty="0">
                 <a:latin typeface="Times New Roman"/>
                 <a:ea typeface="Calibri"/>
                 <a:cs typeface="Times New Roman"/>
               </a:rPr>
-              <a:t>In this project, we had worked together as a team to create a website where users can store all of his research papers they have worked on and search for their uploaded papers using sorting functions.</a:t>
+              <a:t>Research Content Management is a web application where users can store all their research papers. </a:t>
             </a:r>
-            <a:endParaRPr lang="en-US" sz="1154">
-              <a:ea typeface="Calibri"/>
-              <a:cs typeface="Calibri" panose="020F0502020204030204"/>
-            </a:endParaRPr>
           </a:p>
           <a:p>
             <a:pPr marL="366503" indent="-366503">
@@ -33060,34 +28736,12 @@
               <a:buChar char="Ø"/>
             </a:pPr>
             <a:r>
-              <a:rPr lang="en-US" sz="2309">
+              <a:rPr lang="en-US" sz="2309" dirty="0">
                 <a:latin typeface="Times New Roman"/>
-                <a:ea typeface="Calibri"/>
                 <a:cs typeface="Times New Roman"/>
               </a:rPr>
-              <a:t>We will have a signup and login page where user can register and </a:t>
+              <a:t>The application is designed with less complex structure making users to understand easily.</a:t>
             </a:r>
-            <a:r>
-              <a:rPr lang="en-US" sz="2309" err="1">
-                <a:latin typeface="Times New Roman"/>
-                <a:ea typeface="Calibri"/>
-                <a:cs typeface="Times New Roman"/>
-              </a:rPr>
-              <a:t>signin</a:t>
-            </a:r>
-            <a:r>
-              <a:rPr lang="en-US" sz="2309">
-                <a:latin typeface="Times New Roman"/>
-                <a:ea typeface="Calibri"/>
-                <a:cs typeface="Times New Roman"/>
-              </a:rPr>
-              <a:t>. </a:t>
-            </a:r>
-            <a:endParaRPr lang="en-US" sz="2309">
-              <a:latin typeface="Times New Roman" panose="02020603050405020304" pitchFamily="18" charset="0"/>
-              <a:ea typeface="Calibri"/>
-              <a:cs typeface="Times New Roman" panose="02020603050405020304" pitchFamily="18" charset="0"/>
-            </a:endParaRPr>
           </a:p>
           <a:p>
             <a:pPr marL="366503" indent="-366503">
@@ -33095,18 +28749,20 @@
               <a:buChar char="Ø"/>
             </a:pPr>
             <a:r>
-              <a:rPr lang="en-US" sz="2309">
+              <a:rPr lang="en-US" sz="2309" dirty="0">
                 <a:latin typeface="Times New Roman"/>
                 <a:ea typeface="Calibri"/>
                 <a:cs typeface="Times New Roman"/>
               </a:rPr>
-              <a:t>We further have a page where user can upload their saved files and notify what topic, year, and subtopics that the paper belongs to. Faculty can search their uploaded papers by  using sorting functions like title, topic, year, and subtopics. </a:t>
+              <a:t>Research Content Management</a:t>
             </a:r>
-            <a:endParaRPr lang="en-US" sz="2309">
-              <a:latin typeface="Times New Roman" panose="02020603050405020304" pitchFamily="18" charset="0"/>
-              <a:ea typeface="Calibri"/>
-              <a:cs typeface="Times New Roman" panose="02020603050405020304" pitchFamily="18" charset="0"/>
-            </a:endParaRPr>
+            <a:r>
+              <a:rPr lang="en-US" sz="2309" dirty="0">
+                <a:latin typeface="Times New Roman"/>
+                <a:cs typeface="Times New Roman"/>
+              </a:rPr>
+              <a:t> application is a one place to store papers and use them for future reference.</a:t>
+            </a:r>
           </a:p>
           <a:p>
             <a:pPr marL="366503" indent="-366503">
@@ -33114,25 +28770,51 @@
               <a:buChar char="Ø"/>
             </a:pPr>
             <a:r>
-              <a:rPr lang="en-US" sz="2309">
+              <a:rPr lang="en-US" sz="2309" dirty="0">
                 <a:latin typeface="Times New Roman"/>
-                <a:ea typeface="Calibri"/>
                 <a:cs typeface="Times New Roman"/>
               </a:rPr>
-              <a:t>The desired research paper content is displayed after clicking on it in the pdf format. Author can review and add the comments or note the important information in it in a comment section text box. </a:t>
+              <a:t>Examples:</a:t>
             </a:r>
-            <a:endParaRPr lang="en-US" sz="2309">
-              <a:latin typeface="Times New Roman" panose="02020603050405020304" pitchFamily="18" charset="0"/>
-              <a:ea typeface="Calibri"/>
-              <a:cs typeface="Times New Roman" panose="02020603050405020304" pitchFamily="18" charset="0"/>
-            </a:endParaRPr>
           </a:p>
           <a:p>
-            <a:pPr marL="366503" indent="-366503">
-              <a:buFont typeface="Arial" panose="020B0604020202020204" pitchFamily="34" charset="0"/>
-              <a:buChar char="•"/>
-            </a:pPr>
-            <a:endParaRPr lang="en-US" sz="2309">
+            <a:r>
+              <a:rPr lang="en-US" sz="2309" dirty="0">
+                <a:latin typeface="Times New Roman"/>
+                <a:cs typeface="Times New Roman"/>
+              </a:rPr>
+              <a:t>           I. Google Drive</a:t>
+            </a:r>
+          </a:p>
+          <a:p>
+            <a:r>
+              <a:rPr lang="en-US" sz="2309" dirty="0">
+                <a:latin typeface="Times New Roman"/>
+                <a:cs typeface="Times New Roman"/>
+              </a:rPr>
+              <a:t>           II. iCloud</a:t>
+            </a:r>
+          </a:p>
+          <a:p>
+            <a:r>
+              <a:rPr lang="en-US" sz="2309" dirty="0">
+                <a:latin typeface="Times New Roman"/>
+                <a:cs typeface="Times New Roman"/>
+              </a:rPr>
+              <a:t>           III. Microsoft OneDrive</a:t>
+            </a:r>
+          </a:p>
+          <a:p>
+            <a:r>
+              <a:rPr lang="en-US" sz="2309" dirty="0">
+                <a:latin typeface="Times New Roman"/>
+                <a:cs typeface="Times New Roman"/>
+              </a:rPr>
+              <a:t>           IV. Dropbox</a:t>
+            </a:r>
+          </a:p>
+          <a:p>
+            <a:endParaRPr lang="en-US" sz="2309" dirty="0">
               <a:latin typeface="Times New Roman" panose="02020603050405020304" pitchFamily="18" charset="0"/>
               <a:cs typeface="Times New Roman" panose="02020603050405020304" pitchFamily="18" charset="0"/>
             </a:endParaRPr>
@@ -33559,122 +29241,6 @@
         </p:txBody>
       </p:sp>
     </p:spTree>
-  </p:cSld>
-  <p:clrMapOvr>
-    <a:masterClrMapping/>
-  </p:clrMapOvr>
-</p:sld>
-</file>
-
-<file path=ppt/slides/slide30.xml><?xml version="1.0" encoding="utf-8"?>
-<p:sld xmlns:a="http://schemas.openxmlformats.org/drawingml/2006/main" xmlns:r="http://schemas.openxmlformats.org/officeDocument/2006/relationships" xmlns:p="http://schemas.openxmlformats.org/presentationml/2006/main">
-  <p:cSld>
-    <p:spTree>
-      <p:nvGrpSpPr>
-        <p:cNvPr id="1" name=""/>
-        <p:cNvGrpSpPr/>
-        <p:nvPr/>
-      </p:nvGrpSpPr>
-      <p:grpSpPr>
-        <a:xfrm>
-          <a:off x="0" y="0"/>
-          <a:ext cx="0" cy="0"/>
-          <a:chOff x="0" y="0"/>
-          <a:chExt cx="0" cy="0"/>
-        </a:xfrm>
-      </p:grpSpPr>
-      <p:sp>
-        <p:nvSpPr>
-          <p:cNvPr id="2" name="Title 1">
-            <a:extLst>
-              <a:ext uri="{FF2B5EF4-FFF2-40B4-BE49-F238E27FC236}">
-                <a16:creationId xmlns:a16="http://schemas.microsoft.com/office/drawing/2014/main" id="{92D1DFCE-FD99-BF81-0A0F-6A7293067480}"/>
-              </a:ext>
-            </a:extLst>
-          </p:cNvPr>
-          <p:cNvSpPr>
-            <a:spLocks noGrp="1"/>
-          </p:cNvSpPr>
-          <p:nvPr>
-            <p:ph type="title"/>
-          </p:nvPr>
-        </p:nvSpPr>
-        <p:spPr/>
-        <p:txBody>
-          <a:bodyPr/>
-          <a:lstStyle/>
-          <a:p>
-            <a:r>
-              <a:rPr lang="en-US" b="1" dirty="0"/>
-              <a:t>Conclusion</a:t>
-            </a:r>
-          </a:p>
-        </p:txBody>
-      </p:sp>
-      <p:sp>
-        <p:nvSpPr>
-          <p:cNvPr id="3" name="Content Placeholder 2">
-            <a:extLst>
-              <a:ext uri="{FF2B5EF4-FFF2-40B4-BE49-F238E27FC236}">
-                <a16:creationId xmlns:a16="http://schemas.microsoft.com/office/drawing/2014/main" id="{0EC1A9BC-0763-EF84-90F6-EA46850D5DFE}"/>
-              </a:ext>
-            </a:extLst>
-          </p:cNvPr>
-          <p:cNvSpPr>
-            <a:spLocks noGrp="1"/>
-          </p:cNvSpPr>
-          <p:nvPr>
-            <p:ph idx="1"/>
-          </p:nvPr>
-        </p:nvSpPr>
-        <p:spPr/>
-        <p:txBody>
-          <a:bodyPr/>
-          <a:lstStyle/>
-          <a:p>
-            <a:r>
-              <a:rPr lang="en-US" sz="2800" dirty="0">
-                <a:latin typeface="Times New Roman" panose="02020603050405020304" pitchFamily="18" charset="0"/>
-                <a:cs typeface="Times New Roman" panose="02020603050405020304" pitchFamily="18" charset="0"/>
-              </a:rPr>
-              <a:t>By this project we can avoid wastage of water by reusing the same water.</a:t>
-            </a:r>
-          </a:p>
-          <a:p>
-            <a:r>
-              <a:rPr lang="en-US" sz="2800" dirty="0">
-                <a:latin typeface="Times New Roman" panose="02020603050405020304" pitchFamily="18" charset="0"/>
-                <a:cs typeface="Times New Roman" panose="02020603050405020304" pitchFamily="18" charset="0"/>
-              </a:rPr>
-              <a:t>We can avoid weeds that grow together with the crops and achieve the high yield of crops.</a:t>
-            </a:r>
-          </a:p>
-          <a:p>
-            <a:r>
-              <a:rPr lang="en-US" sz="2800" dirty="0">
-                <a:latin typeface="Times New Roman" panose="02020603050405020304" pitchFamily="18" charset="0"/>
-                <a:cs typeface="Times New Roman" panose="02020603050405020304" pitchFamily="18" charset="0"/>
-              </a:rPr>
-              <a:t>We can supply sufficient nutrients to the plants as roots are directly deployed in water, As water is a good dissolvent.</a:t>
-            </a:r>
-          </a:p>
-          <a:p>
-            <a:r>
-              <a:rPr lang="en-US" sz="2800" dirty="0">
-                <a:latin typeface="Times New Roman" panose="02020603050405020304" pitchFamily="18" charset="0"/>
-                <a:cs typeface="Times New Roman" panose="02020603050405020304" pitchFamily="18" charset="0"/>
-              </a:rPr>
-              <a:t>Finally, IOT helps us to monitor and control the conditions of the plant on a regular basis and analyze it using a smart phone.</a:t>
-            </a:r>
-          </a:p>
-        </p:txBody>
-      </p:sp>
-    </p:spTree>
-    <p:extLst>
-      <p:ext uri="{BB962C8B-B14F-4D97-AF65-F5344CB8AC3E}">
-        <p14:creationId xmlns:p14="http://schemas.microsoft.com/office/powerpoint/2010/main" val="3205610892"/>
-      </p:ext>
-    </p:extLst>
   </p:cSld>
   <p:clrMapOvr>
     <a:masterClrMapping/>
@@ -35343,7 +30909,7 @@
           <a:lstStyle/>
           <a:p>
             <a:r>
-              <a:rPr lang="en-US" sz="2822" b="1">
+              <a:rPr lang="en-US" sz="2822" b="1" dirty="0">
                 <a:latin typeface="Times New Roman" panose="02020603050405020304" pitchFamily="18" charset="0"/>
                 <a:ea typeface="Calibri" panose="020F0502020204030204" pitchFamily="34" charset="0"/>
                 <a:cs typeface="Times New Roman" panose="02020603050405020304" pitchFamily="18" charset="0"/>
@@ -35351,7 +30917,7 @@
               <a:t>React: </a:t>
             </a:r>
             <a:r>
-              <a:rPr lang="en-US" sz="2822">
+              <a:rPr lang="en-US" sz="2822" dirty="0">
                 <a:latin typeface="Times New Roman" panose="02020603050405020304" pitchFamily="18" charset="0"/>
                 <a:ea typeface="Calibri" panose="020F0502020204030204" pitchFamily="34" charset="0"/>
                 <a:cs typeface="Times New Roman" panose="02020603050405020304" pitchFamily="18" charset="0"/>
@@ -35359,15 +30925,15 @@
               <a:t>It is a JavaScript library used to </a:t>
             </a:r>
             <a:r>
-              <a:rPr lang="en-US" sz="2822">
+              <a:rPr lang="en-US" sz="2822" dirty="0">
                 <a:latin typeface="Times New Roman" panose="02020603050405020304" pitchFamily="18" charset="0"/>
                 <a:cs typeface="Times New Roman" panose="02020603050405020304" pitchFamily="18" charset="0"/>
               </a:rPr>
-              <a:t>easily create fast user interfaces for websites and applications.</a:t>
+              <a:t>create fast user interfaces for websites and applications.</a:t>
             </a:r>
           </a:p>
           <a:p>
-            <a:endParaRPr lang="en-US" sz="2822">
+            <a:endParaRPr lang="en-US" sz="2822" dirty="0">
               <a:latin typeface="Times New Roman" panose="02020603050405020304" pitchFamily="18" charset="0"/>
               <a:ea typeface="Calibri" panose="020F0502020204030204" pitchFamily="34" charset="0"/>
               <a:cs typeface="Times New Roman" panose="02020603050405020304" pitchFamily="18" charset="0"/>
@@ -35543,7 +31109,7 @@
             <a:p>
               <a:pPr marL="293202" lvl="1" algn="ctr"/>
               <a:r>
-                <a:rPr lang="en-US" sz="3463">
+                <a:rPr lang="en-US" sz="3463" dirty="0">
                   <a:solidFill>
                     <a:srgbClr val="FFFFFF"/>
                   </a:solidFill>
@@ -35552,14 +31118,14 @@
                 </a:rPr>
                 <a:t>Technologies used</a:t>
               </a:r>
-              <a:endParaRPr lang="en-US" sz="3463">
+              <a:endParaRPr lang="en-US" sz="3463" dirty="0">
                 <a:latin typeface="Times New Roman"/>
                 <a:cs typeface="Times New Roman"/>
               </a:endParaRPr>
             </a:p>
             <a:p>
               <a:pPr marL="293202" lvl="1" algn="ctr"/>
-              <a:endParaRPr lang="en-US" sz="3463">
+              <a:endParaRPr lang="en-US" sz="3463" dirty="0">
                 <a:solidFill>
                   <a:schemeClr val="lt1"/>
                 </a:solidFill>
@@ -35571,7 +31137,7 @@
             </a:p>
             <a:p>
               <a:pPr marL="293202" lvl="1" algn="ctr"/>
-              <a:endParaRPr sz="3463">
+              <a:endParaRPr sz="3463" dirty="0">
                 <a:solidFill>
                   <a:schemeClr val="lt1"/>
                 </a:solidFill>
@@ -35583,7 +31149,7 @@
             </a:p>
             <a:p>
               <a:pPr marL="293202" lvl="1" algn="ctr"/>
-              <a:endParaRPr sz="3463">
+              <a:endParaRPr sz="3463" dirty="0">
                 <a:solidFill>
                   <a:schemeClr val="lt1"/>
                 </a:solidFill>
@@ -36194,7 +31760,7 @@
         </p:blipFill>
         <p:spPr>
           <a:xfrm>
-            <a:off x="425679" y="3915225"/>
+            <a:off x="1319185" y="3817571"/>
             <a:ext cx="3897251" cy="2221621"/>
           </a:xfrm>
           <a:prstGeom prst="rect">
@@ -37325,7 +32891,7 @@
         <p:spPr>
           <a:xfrm>
             <a:off x="839838" y="1260480"/>
-            <a:ext cx="10510879" cy="4608508"/>
+            <a:ext cx="10510879" cy="3959590"/>
           </a:xfrm>
         </p:spPr>
         <p:txBody>
@@ -37342,31 +32908,11 @@
               <a:buChar char="Ø"/>
             </a:pPr>
             <a:r>
-              <a:rPr lang="en-US" sz="2309">
+              <a:rPr lang="en-US" sz="2309" dirty="0">
                 <a:latin typeface="Times New Roman"/>
                 <a:cs typeface="Times New Roman"/>
               </a:rPr>
-              <a:t>The first step in our application is for the user to create an account so that user can upload documents and leave comments for uploaded papers for future reference.</a:t>
-            </a:r>
-            <a:endParaRPr lang="en-US">
-              <a:ea typeface="Calibri" panose="020F0502020204030204"/>
-              <a:cs typeface="Calibri" panose="020F0502020204030204"/>
-            </a:endParaRPr>
-          </a:p>
-          <a:p>
-            <a:pPr marL="366503" indent="-366503">
-              <a:lnSpc>
-                <a:spcPct val="100000"/>
-              </a:lnSpc>
-              <a:buFont typeface="Wingdings" panose="020B0604020202020204" pitchFamily="34" charset="0"/>
-              <a:buChar char="Ø"/>
-            </a:pPr>
-            <a:r>
-              <a:rPr lang="en-US" sz="2309">
-                <a:latin typeface="Times New Roman"/>
-                <a:cs typeface="Times New Roman"/>
-              </a:rPr>
-              <a:t>The registration page asks for the user's name, email address, and password, which are saved in firebase authentication when the user clicks on the register button.</a:t>
+              <a:t>Register page is to create an account for the user with full name, email address, and password. </a:t>
             </a:r>
           </a:p>
           <a:p>
@@ -37378,11 +32924,11 @@
               <a:buChar char="Ø"/>
             </a:pPr>
             <a:r>
-              <a:rPr lang="en-US" sz="2309">
+              <a:rPr lang="en-US" sz="2309" dirty="0">
                 <a:latin typeface="Times New Roman"/>
                 <a:cs typeface="Times New Roman"/>
               </a:rPr>
-              <a:t>After creating an account, the user can successfully log in to the application using the credentials provided at registration.</a:t>
+              <a:t>Register page also provides an option to signup with Google.</a:t>
             </a:r>
           </a:p>
           <a:p>
@@ -37394,11 +32940,11 @@
               <a:buChar char="Ø"/>
             </a:pPr>
             <a:r>
-              <a:rPr lang="en-US" sz="2309">
+              <a:rPr lang="en-US" sz="2309" dirty="0">
                 <a:latin typeface="Times New Roman"/>
                 <a:cs typeface="Times New Roman"/>
               </a:rPr>
-              <a:t>It should be noted that during registration, all fields are required, and skipping any field results in a message stating that the field cannot be left blank.</a:t>
+              <a:t>All the fields in the register page are mandatory with minimum of 6-character length for password.</a:t>
             </a:r>
           </a:p>
           <a:p>
@@ -37410,12 +32956,41 @@
               <a:buChar char="Ø"/>
             </a:pPr>
             <a:r>
-              <a:rPr lang="en-US" sz="2309">
+              <a:rPr lang="en-US" sz="2309" dirty="0">
                 <a:latin typeface="Times New Roman"/>
                 <a:cs typeface="Times New Roman"/>
               </a:rPr>
-              <a:t>Registration page also consists of signing up an account using google account credentials where user will be redirected to google accounts page. It is one of the feature provided by firebase as authentication process.</a:t>
+              <a:t>User can navigate to login page if he/she is already registered as a user.</a:t>
             </a:r>
+          </a:p>
+          <a:p>
+            <a:pPr marL="366503" indent="-366503">
+              <a:lnSpc>
+                <a:spcPct val="100000"/>
+              </a:lnSpc>
+              <a:buFont typeface="Wingdings" panose="020B0604020202020204" pitchFamily="34" charset="0"/>
+              <a:buChar char="Ø"/>
+            </a:pPr>
+            <a:r>
+              <a:rPr lang="en-US" sz="2309" dirty="0">
+                <a:latin typeface="Times New Roman"/>
+                <a:cs typeface="Times New Roman"/>
+              </a:rPr>
+              <a:t>User credentials are stored in database which is further used for authentication.</a:t>
+            </a:r>
+          </a:p>
+          <a:p>
+            <a:pPr marL="366503" indent="-366503">
+              <a:lnSpc>
+                <a:spcPct val="100000"/>
+              </a:lnSpc>
+              <a:buFont typeface="Wingdings" panose="020B0604020202020204" pitchFamily="34" charset="0"/>
+              <a:buChar char="Ø"/>
+            </a:pPr>
+            <a:endParaRPr lang="en-US" sz="2309" dirty="0">
+              <a:latin typeface="Times New Roman"/>
+              <a:cs typeface="Times New Roman"/>
+            </a:endParaRPr>
           </a:p>
         </p:txBody>
       </p:sp>
